--- a/Presentazione.pptx
+++ b/Presentazione.pptx
@@ -5,7 +5,7 @@
     <p:sldMasterId id="2147483689" r:id="rId1"/>
   </p:sldMasterIdLst>
   <p:notesMasterIdLst>
-    <p:notesMasterId r:id="rId27"/>
+    <p:notesMasterId r:id="rId34"/>
   </p:notesMasterIdLst>
   <p:sldIdLst>
     <p:sldId id="256" r:id="rId2"/>
@@ -31,42 +31,49 @@
     <p:sldId id="343" r:id="rId22"/>
     <p:sldId id="344" r:id="rId23"/>
     <p:sldId id="345" r:id="rId24"/>
-    <p:sldId id="346" r:id="rId25"/>
-    <p:sldId id="307" r:id="rId26"/>
+    <p:sldId id="347" r:id="rId25"/>
+    <p:sldId id="348" r:id="rId26"/>
+    <p:sldId id="349" r:id="rId27"/>
+    <p:sldId id="346" r:id="rId28"/>
+    <p:sldId id="350" r:id="rId29"/>
+    <p:sldId id="351" r:id="rId30"/>
+    <p:sldId id="352" r:id="rId31"/>
+    <p:sldId id="353" r:id="rId32"/>
+    <p:sldId id="307" r:id="rId33"/>
   </p:sldIdLst>
   <p:sldSz cx="9144000" cy="5143500" type="screen16x9"/>
   <p:notesSz cx="6858000" cy="9144000"/>
   <p:embeddedFontLst>
     <p:embeddedFont>
       <p:font typeface="Anek Latin" pitchFamily="2" charset="77"/>
-      <p:regular r:id="rId28"/>
-      <p:bold r:id="rId29"/>
+      <p:regular r:id="rId35"/>
+      <p:bold r:id="rId36"/>
     </p:embeddedFont>
     <p:embeddedFont>
       <p:font typeface="Assistant" pitchFamily="2" charset="-79"/>
-      <p:regular r:id="rId30"/>
-      <p:bold r:id="rId31"/>
-    </p:embeddedFont>
-    <p:embeddedFont>
-      <p:font typeface="Gilda Display" panose="02000000000000000000" pitchFamily="2" charset="77"/>
-      <p:regular r:id="rId32"/>
-    </p:embeddedFont>
-    <p:embeddedFont>
-      <p:font typeface="Montserrat" pitchFamily="2" charset="77"/>
-      <p:regular r:id="rId33"/>
-      <p:bold r:id="rId34"/>
-      <p:italic r:id="rId35"/>
-      <p:boldItalic r:id="rId36"/>
-    </p:embeddedFont>
-    <p:embeddedFont>
-      <p:font typeface="Passion One" panose="02000506080000020004" pitchFamily="2" charset="77"/>
       <p:regular r:id="rId37"/>
       <p:bold r:id="rId38"/>
     </p:embeddedFont>
     <p:embeddedFont>
+      <p:font typeface="Gilda Display" panose="02000000000000000000" pitchFamily="2" charset="77"/>
+      <p:regular r:id="rId39"/>
+    </p:embeddedFont>
+    <p:embeddedFont>
+      <p:font typeface="Montserrat" pitchFamily="2" charset="77"/>
+      <p:regular r:id="rId40"/>
+      <p:bold r:id="rId41"/>
+      <p:italic r:id="rId42"/>
+      <p:boldItalic r:id="rId43"/>
+    </p:embeddedFont>
+    <p:embeddedFont>
+      <p:font typeface="Passion One" panose="02000506080000020004" pitchFamily="2" charset="77"/>
+      <p:regular r:id="rId44"/>
+      <p:bold r:id="rId45"/>
+    </p:embeddedFont>
+    <p:embeddedFont>
       <p:font typeface="Roboto Condensed Light" panose="020F0302020204030204" pitchFamily="34" charset="0"/>
-      <p:regular r:id="rId39"/>
-      <p:italic r:id="rId40"/>
+      <p:regular r:id="rId46"/>
+      <p:italic r:id="rId47"/>
     </p:embeddedFont>
   </p:embeddedFontLst>
   <p:defaultTextStyle>
@@ -2580,7 +2587,7 @@
     </p:spTree>
     <p:extLst>
       <p:ext uri="{BB962C8B-B14F-4D97-AF65-F5344CB8AC3E}">
-        <p14:creationId xmlns:p14="http://schemas.microsoft.com/office/powerpoint/2010/main" val="1624668833"/>
+        <p14:creationId xmlns:p14="http://schemas.microsoft.com/office/powerpoint/2010/main" val="2826685961"/>
       </p:ext>
     </p:extLst>
   </p:cSld>
@@ -2595,7 +2602,7 @@
   <p:cSld>
     <p:spTree>
       <p:nvGrpSpPr>
-        <p:cNvPr id="1" name="Shape 2715"/>
+        <p:cNvPr id="1" name="Shape 2766"/>
         <p:cNvGrpSpPr/>
         <p:nvPr/>
       </p:nvGrpSpPr>
@@ -2609,7 +2616,7 @@
       </p:grpSpPr>
       <p:sp>
         <p:nvSpPr>
-          <p:cNvPr id="2716" name="Google Shape;2716;gdb4dd54edc_0_259:notes"/>
+          <p:cNvPr id="2767" name="Google Shape;2767;gdb4dd54edc_0_270:notes"/>
           <p:cNvSpPr>
             <a:spLocks noGrp="1" noRot="1" noChangeAspect="1"/>
           </p:cNvSpPr>
@@ -2650,7 +2657,7 @@
       </p:sp>
       <p:sp>
         <p:nvSpPr>
-          <p:cNvPr id="2717" name="Google Shape;2717;gdb4dd54edc_0_259:notes"/>
+          <p:cNvPr id="2768" name="Google Shape;2768;gdb4dd54edc_0_270:notes"/>
           <p:cNvSpPr txBox="1">
             <a:spLocks noGrp="1"/>
           </p:cNvSpPr>
@@ -2687,6 +2694,447 @@
         </p:txBody>
       </p:sp>
     </p:spTree>
+    <p:extLst>
+      <p:ext uri="{BB962C8B-B14F-4D97-AF65-F5344CB8AC3E}">
+        <p14:creationId xmlns:p14="http://schemas.microsoft.com/office/powerpoint/2010/main" val="436307754"/>
+      </p:ext>
+    </p:extLst>
+  </p:cSld>
+  <p:clrMapOvr>
+    <a:masterClrMapping/>
+  </p:clrMapOvr>
+</p:notes>
+</file>
+
+<file path=ppt/notesSlides/notesSlide26.xml><?xml version="1.0" encoding="utf-8"?>
+<p:notes xmlns:a="http://schemas.openxmlformats.org/drawingml/2006/main" xmlns:r="http://schemas.openxmlformats.org/officeDocument/2006/relationships" xmlns:p="http://schemas.openxmlformats.org/presentationml/2006/main" showMasterSp="0" showMasterPhAnim="0">
+  <p:cSld>
+    <p:spTree>
+      <p:nvGrpSpPr>
+        <p:cNvPr id="1" name="Shape 2766"/>
+        <p:cNvGrpSpPr/>
+        <p:nvPr/>
+      </p:nvGrpSpPr>
+      <p:grpSpPr>
+        <a:xfrm>
+          <a:off x="0" y="0"/>
+          <a:ext cx="0" cy="0"/>
+          <a:chOff x="0" y="0"/>
+          <a:chExt cx="0" cy="0"/>
+        </a:xfrm>
+      </p:grpSpPr>
+      <p:sp>
+        <p:nvSpPr>
+          <p:cNvPr id="2767" name="Google Shape;2767;gdb4dd54edc_0_270:notes"/>
+          <p:cNvSpPr>
+            <a:spLocks noGrp="1" noRot="1" noChangeAspect="1"/>
+          </p:cNvSpPr>
+          <p:nvPr>
+            <p:ph type="sldImg" idx="2"/>
+          </p:nvPr>
+        </p:nvSpPr>
+        <p:spPr>
+          <a:xfrm>
+            <a:off x="381000" y="685800"/>
+            <a:ext cx="6096000" cy="3429000"/>
+          </a:xfrm>
+          <a:custGeom>
+            <a:avLst/>
+            <a:gdLst/>
+            <a:ahLst/>
+            <a:cxnLst/>
+            <a:rect l="l" t="t" r="r" b="b"/>
+            <a:pathLst>
+              <a:path w="120000" h="120000" extrusionOk="0">
+                <a:moveTo>
+                  <a:pt x="0" y="0"/>
+                </a:moveTo>
+                <a:lnTo>
+                  <a:pt x="120000" y="0"/>
+                </a:lnTo>
+                <a:lnTo>
+                  <a:pt x="120000" y="120000"/>
+                </a:lnTo>
+                <a:lnTo>
+                  <a:pt x="0" y="120000"/>
+                </a:lnTo>
+                <a:close/>
+              </a:path>
+            </a:pathLst>
+          </a:custGeom>
+        </p:spPr>
+      </p:sp>
+      <p:sp>
+        <p:nvSpPr>
+          <p:cNvPr id="2768" name="Google Shape;2768;gdb4dd54edc_0_270:notes"/>
+          <p:cNvSpPr txBox="1">
+            <a:spLocks noGrp="1"/>
+          </p:cNvSpPr>
+          <p:nvPr>
+            <p:ph type="body" idx="1"/>
+          </p:nvPr>
+        </p:nvSpPr>
+        <p:spPr>
+          <a:xfrm>
+            <a:off x="685800" y="4343400"/>
+            <a:ext cx="5486400" cy="4114800"/>
+          </a:xfrm>
+          <a:prstGeom prst="rect">
+            <a:avLst/>
+          </a:prstGeom>
+        </p:spPr>
+        <p:txBody>
+          <a:bodyPr spcFirstLastPara="1" wrap="square" lIns="91425" tIns="91425" rIns="91425" bIns="91425" anchor="t" anchorCtr="0">
+            <a:noAutofit/>
+          </a:bodyPr>
+          <a:lstStyle/>
+          <a:p>
+            <a:pPr marL="0" lvl="0" indent="0" algn="l" rtl="0">
+              <a:spcBef>
+                <a:spcPts val="0"/>
+              </a:spcBef>
+              <a:spcAft>
+                <a:spcPts val="0"/>
+              </a:spcAft>
+              <a:buNone/>
+            </a:pPr>
+            <a:endParaRPr/>
+          </a:p>
+        </p:txBody>
+      </p:sp>
+    </p:spTree>
+    <p:extLst>
+      <p:ext uri="{BB962C8B-B14F-4D97-AF65-F5344CB8AC3E}">
+        <p14:creationId xmlns:p14="http://schemas.microsoft.com/office/powerpoint/2010/main" val="835490790"/>
+      </p:ext>
+    </p:extLst>
+  </p:cSld>
+  <p:clrMapOvr>
+    <a:masterClrMapping/>
+  </p:clrMapOvr>
+</p:notes>
+</file>
+
+<file path=ppt/notesSlides/notesSlide27.xml><?xml version="1.0" encoding="utf-8"?>
+<p:notes xmlns:a="http://schemas.openxmlformats.org/drawingml/2006/main" xmlns:r="http://schemas.openxmlformats.org/officeDocument/2006/relationships" xmlns:p="http://schemas.openxmlformats.org/presentationml/2006/main" showMasterSp="0" showMasterPhAnim="0">
+  <p:cSld>
+    <p:spTree>
+      <p:nvGrpSpPr>
+        <p:cNvPr id="1" name="Shape 2766"/>
+        <p:cNvGrpSpPr/>
+        <p:nvPr/>
+      </p:nvGrpSpPr>
+      <p:grpSpPr>
+        <a:xfrm>
+          <a:off x="0" y="0"/>
+          <a:ext cx="0" cy="0"/>
+          <a:chOff x="0" y="0"/>
+          <a:chExt cx="0" cy="0"/>
+        </a:xfrm>
+      </p:grpSpPr>
+      <p:sp>
+        <p:nvSpPr>
+          <p:cNvPr id="2767" name="Google Shape;2767;gdb4dd54edc_0_270:notes"/>
+          <p:cNvSpPr>
+            <a:spLocks noGrp="1" noRot="1" noChangeAspect="1"/>
+          </p:cNvSpPr>
+          <p:nvPr>
+            <p:ph type="sldImg" idx="2"/>
+          </p:nvPr>
+        </p:nvSpPr>
+        <p:spPr>
+          <a:xfrm>
+            <a:off x="381000" y="685800"/>
+            <a:ext cx="6096000" cy="3429000"/>
+          </a:xfrm>
+          <a:custGeom>
+            <a:avLst/>
+            <a:gdLst/>
+            <a:ahLst/>
+            <a:cxnLst/>
+            <a:rect l="l" t="t" r="r" b="b"/>
+            <a:pathLst>
+              <a:path w="120000" h="120000" extrusionOk="0">
+                <a:moveTo>
+                  <a:pt x="0" y="0"/>
+                </a:moveTo>
+                <a:lnTo>
+                  <a:pt x="120000" y="0"/>
+                </a:lnTo>
+                <a:lnTo>
+                  <a:pt x="120000" y="120000"/>
+                </a:lnTo>
+                <a:lnTo>
+                  <a:pt x="0" y="120000"/>
+                </a:lnTo>
+                <a:close/>
+              </a:path>
+            </a:pathLst>
+          </a:custGeom>
+        </p:spPr>
+      </p:sp>
+      <p:sp>
+        <p:nvSpPr>
+          <p:cNvPr id="2768" name="Google Shape;2768;gdb4dd54edc_0_270:notes"/>
+          <p:cNvSpPr txBox="1">
+            <a:spLocks noGrp="1"/>
+          </p:cNvSpPr>
+          <p:nvPr>
+            <p:ph type="body" idx="1"/>
+          </p:nvPr>
+        </p:nvSpPr>
+        <p:spPr>
+          <a:xfrm>
+            <a:off x="685800" y="4343400"/>
+            <a:ext cx="5486400" cy="4114800"/>
+          </a:xfrm>
+          <a:prstGeom prst="rect">
+            <a:avLst/>
+          </a:prstGeom>
+        </p:spPr>
+        <p:txBody>
+          <a:bodyPr spcFirstLastPara="1" wrap="square" lIns="91425" tIns="91425" rIns="91425" bIns="91425" anchor="t" anchorCtr="0">
+            <a:noAutofit/>
+          </a:bodyPr>
+          <a:lstStyle/>
+          <a:p>
+            <a:pPr marL="0" lvl="0" indent="0" algn="l" rtl="0">
+              <a:spcBef>
+                <a:spcPts val="0"/>
+              </a:spcBef>
+              <a:spcAft>
+                <a:spcPts val="0"/>
+              </a:spcAft>
+              <a:buNone/>
+            </a:pPr>
+            <a:endParaRPr/>
+          </a:p>
+        </p:txBody>
+      </p:sp>
+    </p:spTree>
+    <p:extLst>
+      <p:ext uri="{BB962C8B-B14F-4D97-AF65-F5344CB8AC3E}">
+        <p14:creationId xmlns:p14="http://schemas.microsoft.com/office/powerpoint/2010/main" val="1624668833"/>
+      </p:ext>
+    </p:extLst>
+  </p:cSld>
+  <p:clrMapOvr>
+    <a:masterClrMapping/>
+  </p:clrMapOvr>
+</p:notes>
+</file>
+
+<file path=ppt/notesSlides/notesSlide28.xml><?xml version="1.0" encoding="utf-8"?>
+<p:notes xmlns:a="http://schemas.openxmlformats.org/drawingml/2006/main" xmlns:r="http://schemas.openxmlformats.org/officeDocument/2006/relationships" xmlns:p="http://schemas.openxmlformats.org/presentationml/2006/main" showMasterSp="0" showMasterPhAnim="0">
+  <p:cSld>
+    <p:spTree>
+      <p:nvGrpSpPr>
+        <p:cNvPr id="1" name="Shape 2766"/>
+        <p:cNvGrpSpPr/>
+        <p:nvPr/>
+      </p:nvGrpSpPr>
+      <p:grpSpPr>
+        <a:xfrm>
+          <a:off x="0" y="0"/>
+          <a:ext cx="0" cy="0"/>
+          <a:chOff x="0" y="0"/>
+          <a:chExt cx="0" cy="0"/>
+        </a:xfrm>
+      </p:grpSpPr>
+      <p:sp>
+        <p:nvSpPr>
+          <p:cNvPr id="2767" name="Google Shape;2767;gdb4dd54edc_0_270:notes"/>
+          <p:cNvSpPr>
+            <a:spLocks noGrp="1" noRot="1" noChangeAspect="1"/>
+          </p:cNvSpPr>
+          <p:nvPr>
+            <p:ph type="sldImg" idx="2"/>
+          </p:nvPr>
+        </p:nvSpPr>
+        <p:spPr>
+          <a:xfrm>
+            <a:off x="381000" y="685800"/>
+            <a:ext cx="6096000" cy="3429000"/>
+          </a:xfrm>
+          <a:custGeom>
+            <a:avLst/>
+            <a:gdLst/>
+            <a:ahLst/>
+            <a:cxnLst/>
+            <a:rect l="l" t="t" r="r" b="b"/>
+            <a:pathLst>
+              <a:path w="120000" h="120000" extrusionOk="0">
+                <a:moveTo>
+                  <a:pt x="0" y="0"/>
+                </a:moveTo>
+                <a:lnTo>
+                  <a:pt x="120000" y="0"/>
+                </a:lnTo>
+                <a:lnTo>
+                  <a:pt x="120000" y="120000"/>
+                </a:lnTo>
+                <a:lnTo>
+                  <a:pt x="0" y="120000"/>
+                </a:lnTo>
+                <a:close/>
+              </a:path>
+            </a:pathLst>
+          </a:custGeom>
+        </p:spPr>
+      </p:sp>
+      <p:sp>
+        <p:nvSpPr>
+          <p:cNvPr id="2768" name="Google Shape;2768;gdb4dd54edc_0_270:notes"/>
+          <p:cNvSpPr txBox="1">
+            <a:spLocks noGrp="1"/>
+          </p:cNvSpPr>
+          <p:nvPr>
+            <p:ph type="body" idx="1"/>
+          </p:nvPr>
+        </p:nvSpPr>
+        <p:spPr>
+          <a:xfrm>
+            <a:off x="685800" y="4343400"/>
+            <a:ext cx="5486400" cy="4114800"/>
+          </a:xfrm>
+          <a:prstGeom prst="rect">
+            <a:avLst/>
+          </a:prstGeom>
+        </p:spPr>
+        <p:txBody>
+          <a:bodyPr spcFirstLastPara="1" wrap="square" lIns="91425" tIns="91425" rIns="91425" bIns="91425" anchor="t" anchorCtr="0">
+            <a:noAutofit/>
+          </a:bodyPr>
+          <a:lstStyle/>
+          <a:p>
+            <a:pPr marL="0" lvl="0" indent="0" algn="l" rtl="0">
+              <a:spcBef>
+                <a:spcPts val="0"/>
+              </a:spcBef>
+              <a:spcAft>
+                <a:spcPts val="0"/>
+              </a:spcAft>
+              <a:buNone/>
+            </a:pPr>
+            <a:endParaRPr/>
+          </a:p>
+        </p:txBody>
+      </p:sp>
+    </p:spTree>
+    <p:extLst>
+      <p:ext uri="{BB962C8B-B14F-4D97-AF65-F5344CB8AC3E}">
+        <p14:creationId xmlns:p14="http://schemas.microsoft.com/office/powerpoint/2010/main" val="1034324216"/>
+      </p:ext>
+    </p:extLst>
+  </p:cSld>
+  <p:clrMapOvr>
+    <a:masterClrMapping/>
+  </p:clrMapOvr>
+</p:notes>
+</file>
+
+<file path=ppt/notesSlides/notesSlide29.xml><?xml version="1.0" encoding="utf-8"?>
+<p:notes xmlns:a="http://schemas.openxmlformats.org/drawingml/2006/main" xmlns:r="http://schemas.openxmlformats.org/officeDocument/2006/relationships" xmlns:p="http://schemas.openxmlformats.org/presentationml/2006/main" showMasterSp="0" showMasterPhAnim="0">
+  <p:cSld>
+    <p:spTree>
+      <p:nvGrpSpPr>
+        <p:cNvPr id="1" name="Shape 2766"/>
+        <p:cNvGrpSpPr/>
+        <p:nvPr/>
+      </p:nvGrpSpPr>
+      <p:grpSpPr>
+        <a:xfrm>
+          <a:off x="0" y="0"/>
+          <a:ext cx="0" cy="0"/>
+          <a:chOff x="0" y="0"/>
+          <a:chExt cx="0" cy="0"/>
+        </a:xfrm>
+      </p:grpSpPr>
+      <p:sp>
+        <p:nvSpPr>
+          <p:cNvPr id="2767" name="Google Shape;2767;gdb4dd54edc_0_270:notes"/>
+          <p:cNvSpPr>
+            <a:spLocks noGrp="1" noRot="1" noChangeAspect="1"/>
+          </p:cNvSpPr>
+          <p:nvPr>
+            <p:ph type="sldImg" idx="2"/>
+          </p:nvPr>
+        </p:nvSpPr>
+        <p:spPr>
+          <a:xfrm>
+            <a:off x="381000" y="685800"/>
+            <a:ext cx="6096000" cy="3429000"/>
+          </a:xfrm>
+          <a:custGeom>
+            <a:avLst/>
+            <a:gdLst/>
+            <a:ahLst/>
+            <a:cxnLst/>
+            <a:rect l="l" t="t" r="r" b="b"/>
+            <a:pathLst>
+              <a:path w="120000" h="120000" extrusionOk="0">
+                <a:moveTo>
+                  <a:pt x="0" y="0"/>
+                </a:moveTo>
+                <a:lnTo>
+                  <a:pt x="120000" y="0"/>
+                </a:lnTo>
+                <a:lnTo>
+                  <a:pt x="120000" y="120000"/>
+                </a:lnTo>
+                <a:lnTo>
+                  <a:pt x="0" y="120000"/>
+                </a:lnTo>
+                <a:close/>
+              </a:path>
+            </a:pathLst>
+          </a:custGeom>
+        </p:spPr>
+      </p:sp>
+      <p:sp>
+        <p:nvSpPr>
+          <p:cNvPr id="2768" name="Google Shape;2768;gdb4dd54edc_0_270:notes"/>
+          <p:cNvSpPr txBox="1">
+            <a:spLocks noGrp="1"/>
+          </p:cNvSpPr>
+          <p:nvPr>
+            <p:ph type="body" idx="1"/>
+          </p:nvPr>
+        </p:nvSpPr>
+        <p:spPr>
+          <a:xfrm>
+            <a:off x="685800" y="4343400"/>
+            <a:ext cx="5486400" cy="4114800"/>
+          </a:xfrm>
+          <a:prstGeom prst="rect">
+            <a:avLst/>
+          </a:prstGeom>
+        </p:spPr>
+        <p:txBody>
+          <a:bodyPr spcFirstLastPara="1" wrap="square" lIns="91425" tIns="91425" rIns="91425" bIns="91425" anchor="t" anchorCtr="0">
+            <a:noAutofit/>
+          </a:bodyPr>
+          <a:lstStyle/>
+          <a:p>
+            <a:pPr marL="0" lvl="0" indent="0" algn="l" rtl="0">
+              <a:spcBef>
+                <a:spcPts val="0"/>
+              </a:spcBef>
+              <a:spcAft>
+                <a:spcPts val="0"/>
+              </a:spcAft>
+              <a:buNone/>
+            </a:pPr>
+            <a:endParaRPr/>
+          </a:p>
+        </p:txBody>
+      </p:sp>
+    </p:spTree>
+    <p:extLst>
+      <p:ext uri="{BB962C8B-B14F-4D97-AF65-F5344CB8AC3E}">
+        <p14:creationId xmlns:p14="http://schemas.microsoft.com/office/powerpoint/2010/main" val="353831638"/>
+      </p:ext>
+    </p:extLst>
   </p:cSld>
   <p:clrMapOvr>
     <a:masterClrMapping/>
@@ -2755,6 +3203,328 @@
       <p:sp>
         <p:nvSpPr>
           <p:cNvPr id="1109" name="Google Shape;1109;gbd6c00e730_0_89:notes"/>
+          <p:cNvSpPr txBox="1">
+            <a:spLocks noGrp="1"/>
+          </p:cNvSpPr>
+          <p:nvPr>
+            <p:ph type="body" idx="1"/>
+          </p:nvPr>
+        </p:nvSpPr>
+        <p:spPr>
+          <a:xfrm>
+            <a:off x="685800" y="4343400"/>
+            <a:ext cx="5486400" cy="4114800"/>
+          </a:xfrm>
+          <a:prstGeom prst="rect">
+            <a:avLst/>
+          </a:prstGeom>
+        </p:spPr>
+        <p:txBody>
+          <a:bodyPr spcFirstLastPara="1" wrap="square" lIns="91425" tIns="91425" rIns="91425" bIns="91425" anchor="t" anchorCtr="0">
+            <a:noAutofit/>
+          </a:bodyPr>
+          <a:lstStyle/>
+          <a:p>
+            <a:pPr marL="0" lvl="0" indent="0" algn="l" rtl="0">
+              <a:spcBef>
+                <a:spcPts val="0"/>
+              </a:spcBef>
+              <a:spcAft>
+                <a:spcPts val="0"/>
+              </a:spcAft>
+              <a:buNone/>
+            </a:pPr>
+            <a:endParaRPr/>
+          </a:p>
+        </p:txBody>
+      </p:sp>
+    </p:spTree>
+  </p:cSld>
+  <p:clrMapOvr>
+    <a:masterClrMapping/>
+  </p:clrMapOvr>
+</p:notes>
+</file>
+
+<file path=ppt/notesSlides/notesSlide30.xml><?xml version="1.0" encoding="utf-8"?>
+<p:notes xmlns:a="http://schemas.openxmlformats.org/drawingml/2006/main" xmlns:r="http://schemas.openxmlformats.org/officeDocument/2006/relationships" xmlns:p="http://schemas.openxmlformats.org/presentationml/2006/main" showMasterSp="0" showMasterPhAnim="0">
+  <p:cSld>
+    <p:spTree>
+      <p:nvGrpSpPr>
+        <p:cNvPr id="1" name="Shape 2766"/>
+        <p:cNvGrpSpPr/>
+        <p:nvPr/>
+      </p:nvGrpSpPr>
+      <p:grpSpPr>
+        <a:xfrm>
+          <a:off x="0" y="0"/>
+          <a:ext cx="0" cy="0"/>
+          <a:chOff x="0" y="0"/>
+          <a:chExt cx="0" cy="0"/>
+        </a:xfrm>
+      </p:grpSpPr>
+      <p:sp>
+        <p:nvSpPr>
+          <p:cNvPr id="2767" name="Google Shape;2767;gdb4dd54edc_0_270:notes"/>
+          <p:cNvSpPr>
+            <a:spLocks noGrp="1" noRot="1" noChangeAspect="1"/>
+          </p:cNvSpPr>
+          <p:nvPr>
+            <p:ph type="sldImg" idx="2"/>
+          </p:nvPr>
+        </p:nvSpPr>
+        <p:spPr>
+          <a:xfrm>
+            <a:off x="381000" y="685800"/>
+            <a:ext cx="6096000" cy="3429000"/>
+          </a:xfrm>
+          <a:custGeom>
+            <a:avLst/>
+            <a:gdLst/>
+            <a:ahLst/>
+            <a:cxnLst/>
+            <a:rect l="l" t="t" r="r" b="b"/>
+            <a:pathLst>
+              <a:path w="120000" h="120000" extrusionOk="0">
+                <a:moveTo>
+                  <a:pt x="0" y="0"/>
+                </a:moveTo>
+                <a:lnTo>
+                  <a:pt x="120000" y="0"/>
+                </a:lnTo>
+                <a:lnTo>
+                  <a:pt x="120000" y="120000"/>
+                </a:lnTo>
+                <a:lnTo>
+                  <a:pt x="0" y="120000"/>
+                </a:lnTo>
+                <a:close/>
+              </a:path>
+            </a:pathLst>
+          </a:custGeom>
+        </p:spPr>
+      </p:sp>
+      <p:sp>
+        <p:nvSpPr>
+          <p:cNvPr id="2768" name="Google Shape;2768;gdb4dd54edc_0_270:notes"/>
+          <p:cNvSpPr txBox="1">
+            <a:spLocks noGrp="1"/>
+          </p:cNvSpPr>
+          <p:nvPr>
+            <p:ph type="body" idx="1"/>
+          </p:nvPr>
+        </p:nvSpPr>
+        <p:spPr>
+          <a:xfrm>
+            <a:off x="685800" y="4343400"/>
+            <a:ext cx="5486400" cy="4114800"/>
+          </a:xfrm>
+          <a:prstGeom prst="rect">
+            <a:avLst/>
+          </a:prstGeom>
+        </p:spPr>
+        <p:txBody>
+          <a:bodyPr spcFirstLastPara="1" wrap="square" lIns="91425" tIns="91425" rIns="91425" bIns="91425" anchor="t" anchorCtr="0">
+            <a:noAutofit/>
+          </a:bodyPr>
+          <a:lstStyle/>
+          <a:p>
+            <a:pPr marL="0" lvl="0" indent="0" algn="l" rtl="0">
+              <a:spcBef>
+                <a:spcPts val="0"/>
+              </a:spcBef>
+              <a:spcAft>
+                <a:spcPts val="0"/>
+              </a:spcAft>
+              <a:buNone/>
+            </a:pPr>
+            <a:endParaRPr/>
+          </a:p>
+        </p:txBody>
+      </p:sp>
+    </p:spTree>
+    <p:extLst>
+      <p:ext uri="{BB962C8B-B14F-4D97-AF65-F5344CB8AC3E}">
+        <p14:creationId xmlns:p14="http://schemas.microsoft.com/office/powerpoint/2010/main" val="4165512834"/>
+      </p:ext>
+    </p:extLst>
+  </p:cSld>
+  <p:clrMapOvr>
+    <a:masterClrMapping/>
+  </p:clrMapOvr>
+</p:notes>
+</file>
+
+<file path=ppt/notesSlides/notesSlide31.xml><?xml version="1.0" encoding="utf-8"?>
+<p:notes xmlns:a="http://schemas.openxmlformats.org/drawingml/2006/main" xmlns:r="http://schemas.openxmlformats.org/officeDocument/2006/relationships" xmlns:p="http://schemas.openxmlformats.org/presentationml/2006/main" showMasterSp="0" showMasterPhAnim="0">
+  <p:cSld>
+    <p:spTree>
+      <p:nvGrpSpPr>
+        <p:cNvPr id="1" name="Shape 2766"/>
+        <p:cNvGrpSpPr/>
+        <p:nvPr/>
+      </p:nvGrpSpPr>
+      <p:grpSpPr>
+        <a:xfrm>
+          <a:off x="0" y="0"/>
+          <a:ext cx="0" cy="0"/>
+          <a:chOff x="0" y="0"/>
+          <a:chExt cx="0" cy="0"/>
+        </a:xfrm>
+      </p:grpSpPr>
+      <p:sp>
+        <p:nvSpPr>
+          <p:cNvPr id="2767" name="Google Shape;2767;gdb4dd54edc_0_270:notes"/>
+          <p:cNvSpPr>
+            <a:spLocks noGrp="1" noRot="1" noChangeAspect="1"/>
+          </p:cNvSpPr>
+          <p:nvPr>
+            <p:ph type="sldImg" idx="2"/>
+          </p:nvPr>
+        </p:nvSpPr>
+        <p:spPr>
+          <a:xfrm>
+            <a:off x="381000" y="685800"/>
+            <a:ext cx="6096000" cy="3429000"/>
+          </a:xfrm>
+          <a:custGeom>
+            <a:avLst/>
+            <a:gdLst/>
+            <a:ahLst/>
+            <a:cxnLst/>
+            <a:rect l="l" t="t" r="r" b="b"/>
+            <a:pathLst>
+              <a:path w="120000" h="120000" extrusionOk="0">
+                <a:moveTo>
+                  <a:pt x="0" y="0"/>
+                </a:moveTo>
+                <a:lnTo>
+                  <a:pt x="120000" y="0"/>
+                </a:lnTo>
+                <a:lnTo>
+                  <a:pt x="120000" y="120000"/>
+                </a:lnTo>
+                <a:lnTo>
+                  <a:pt x="0" y="120000"/>
+                </a:lnTo>
+                <a:close/>
+              </a:path>
+            </a:pathLst>
+          </a:custGeom>
+        </p:spPr>
+      </p:sp>
+      <p:sp>
+        <p:nvSpPr>
+          <p:cNvPr id="2768" name="Google Shape;2768;gdb4dd54edc_0_270:notes"/>
+          <p:cNvSpPr txBox="1">
+            <a:spLocks noGrp="1"/>
+          </p:cNvSpPr>
+          <p:nvPr>
+            <p:ph type="body" idx="1"/>
+          </p:nvPr>
+        </p:nvSpPr>
+        <p:spPr>
+          <a:xfrm>
+            <a:off x="685800" y="4343400"/>
+            <a:ext cx="5486400" cy="4114800"/>
+          </a:xfrm>
+          <a:prstGeom prst="rect">
+            <a:avLst/>
+          </a:prstGeom>
+        </p:spPr>
+        <p:txBody>
+          <a:bodyPr spcFirstLastPara="1" wrap="square" lIns="91425" tIns="91425" rIns="91425" bIns="91425" anchor="t" anchorCtr="0">
+            <a:noAutofit/>
+          </a:bodyPr>
+          <a:lstStyle/>
+          <a:p>
+            <a:pPr marL="0" lvl="0" indent="0" algn="l" rtl="0">
+              <a:spcBef>
+                <a:spcPts val="0"/>
+              </a:spcBef>
+              <a:spcAft>
+                <a:spcPts val="0"/>
+              </a:spcAft>
+              <a:buNone/>
+            </a:pPr>
+            <a:endParaRPr/>
+          </a:p>
+        </p:txBody>
+      </p:sp>
+    </p:spTree>
+    <p:extLst>
+      <p:ext uri="{BB962C8B-B14F-4D97-AF65-F5344CB8AC3E}">
+        <p14:creationId xmlns:p14="http://schemas.microsoft.com/office/powerpoint/2010/main" val="707510888"/>
+      </p:ext>
+    </p:extLst>
+  </p:cSld>
+  <p:clrMapOvr>
+    <a:masterClrMapping/>
+  </p:clrMapOvr>
+</p:notes>
+</file>
+
+<file path=ppt/notesSlides/notesSlide32.xml><?xml version="1.0" encoding="utf-8"?>
+<p:notes xmlns:a="http://schemas.openxmlformats.org/drawingml/2006/main" xmlns:r="http://schemas.openxmlformats.org/officeDocument/2006/relationships" xmlns:p="http://schemas.openxmlformats.org/presentationml/2006/main" showMasterSp="0" showMasterPhAnim="0">
+  <p:cSld>
+    <p:spTree>
+      <p:nvGrpSpPr>
+        <p:cNvPr id="1" name="Shape 2715"/>
+        <p:cNvGrpSpPr/>
+        <p:nvPr/>
+      </p:nvGrpSpPr>
+      <p:grpSpPr>
+        <a:xfrm>
+          <a:off x="0" y="0"/>
+          <a:ext cx="0" cy="0"/>
+          <a:chOff x="0" y="0"/>
+          <a:chExt cx="0" cy="0"/>
+        </a:xfrm>
+      </p:grpSpPr>
+      <p:sp>
+        <p:nvSpPr>
+          <p:cNvPr id="2716" name="Google Shape;2716;gdb4dd54edc_0_259:notes"/>
+          <p:cNvSpPr>
+            <a:spLocks noGrp="1" noRot="1" noChangeAspect="1"/>
+          </p:cNvSpPr>
+          <p:nvPr>
+            <p:ph type="sldImg" idx="2"/>
+          </p:nvPr>
+        </p:nvSpPr>
+        <p:spPr>
+          <a:xfrm>
+            <a:off x="381000" y="685800"/>
+            <a:ext cx="6096000" cy="3429000"/>
+          </a:xfrm>
+          <a:custGeom>
+            <a:avLst/>
+            <a:gdLst/>
+            <a:ahLst/>
+            <a:cxnLst/>
+            <a:rect l="l" t="t" r="r" b="b"/>
+            <a:pathLst>
+              <a:path w="120000" h="120000" extrusionOk="0">
+                <a:moveTo>
+                  <a:pt x="0" y="0"/>
+                </a:moveTo>
+                <a:lnTo>
+                  <a:pt x="120000" y="0"/>
+                </a:lnTo>
+                <a:lnTo>
+                  <a:pt x="120000" y="120000"/>
+                </a:lnTo>
+                <a:lnTo>
+                  <a:pt x="0" y="120000"/>
+                </a:lnTo>
+                <a:close/>
+              </a:path>
+            </a:pathLst>
+          </a:custGeom>
+        </p:spPr>
+      </p:sp>
+      <p:sp>
+        <p:nvSpPr>
+          <p:cNvPr id="2717" name="Google Shape;2717;gdb4dd54edc_0_259:notes"/>
           <p:cNvSpPr txBox="1">
             <a:spLocks noGrp="1"/>
           </p:cNvSpPr>
@@ -18690,10 +19460,10 @@
               <a:buNone/>
             </a:pPr>
             <a:r>
-              <a:rPr lang="en-US" sz="1200" dirty="0"/>
+              <a:rPr lang="en-US" dirty="0"/>
               <a:t>During the preprocessing phase we made the following operations:</a:t>
             </a:r>
-            <a:endParaRPr lang="en-US" sz="1900" dirty="0">
+            <a:endParaRPr lang="en-US" dirty="0">
               <a:solidFill>
                 <a:schemeClr val="accent4"/>
               </a:solidFill>
@@ -18719,14 +19489,14 @@
               <a:buChar char="■"/>
             </a:pPr>
             <a:r>
-              <a:rPr lang="en-US" sz="1200" dirty="0">
+              <a:rPr lang="en-US" dirty="0">
                 <a:uFill>
                   <a:noFill/>
                 </a:uFill>
               </a:rPr>
               <a:t>All the text is transformed in lowercase </a:t>
             </a:r>
-            <a:endParaRPr lang="en-US" sz="1200" dirty="0"/>
+            <a:endParaRPr lang="en-US" dirty="0"/>
           </a:p>
           <a:p>
             <a:pPr marL="457200" lvl="0" indent="-304800" algn="l" rtl="0">
@@ -18744,7 +19514,7 @@
               <a:buChar char="■"/>
             </a:pPr>
             <a:r>
-              <a:rPr lang="en-US" sz="1200" dirty="0">
+              <a:rPr lang="en-US" dirty="0">
                 <a:uFill>
                   <a:noFill/>
                 </a:uFill>
@@ -18768,7 +19538,7 @@
               <a:buChar char="■"/>
             </a:pPr>
             <a:r>
-              <a:rPr lang="en-US" sz="1200" dirty="0">
+              <a:rPr lang="en-US" dirty="0">
                 <a:uFill>
                   <a:noFill/>
                 </a:uFill>
@@ -18792,7 +19562,7 @@
               <a:buChar char="■"/>
             </a:pPr>
             <a:r>
-              <a:rPr lang="en-US" sz="1200" dirty="0">
+              <a:rPr lang="en-US" dirty="0">
                 <a:uFill>
                   <a:noFill/>
                 </a:uFill>
@@ -18816,7 +19586,7 @@
               <a:buChar char="■"/>
             </a:pPr>
             <a:r>
-              <a:rPr lang="en-US" sz="1200" dirty="0">
+              <a:rPr lang="en-US" dirty="0">
                 <a:uFill>
                   <a:noFill/>
                 </a:uFill>
@@ -18824,7 +19594,7 @@
               <a:t>Tokenization, using  </a:t>
             </a:r>
             <a:r>
-              <a:rPr lang="en-US" sz="1200" dirty="0" err="1">
+              <a:rPr lang="en-US" dirty="0" err="1">
                 <a:uFill>
                   <a:noFill/>
                 </a:uFill>
@@ -18832,7 +19602,7 @@
               <a:t>nltk’s</a:t>
             </a:r>
             <a:r>
-              <a:rPr lang="en-US" sz="1200" dirty="0">
+              <a:rPr lang="en-US" dirty="0">
                 <a:uFill>
                   <a:noFill/>
                 </a:uFill>
@@ -18856,7 +19626,7 @@
               <a:buChar char="■"/>
             </a:pPr>
             <a:r>
-              <a:rPr lang="en-US" sz="1200" dirty="0">
+              <a:rPr lang="en-US" dirty="0">
                 <a:uFill>
                   <a:noFill/>
                 </a:uFill>
@@ -18864,14 +19634,14 @@
               <a:t>Lemmatization, using wordnet </a:t>
             </a:r>
             <a:r>
-              <a:rPr lang="en-US" sz="1200" dirty="0" err="1">
+              <a:rPr lang="en-US" dirty="0" err="1">
                 <a:uFill>
                   <a:noFill/>
                 </a:uFill>
               </a:rPr>
               <a:t>lemmatizer</a:t>
             </a:r>
-            <a:endParaRPr lang="en-US" sz="1200" dirty="0">
+            <a:endParaRPr lang="en-US" dirty="0">
               <a:uFill>
                 <a:noFill/>
               </a:uFill>
@@ -21552,7 +22322,7 @@
               <a:buNone/>
             </a:pPr>
             <a:r>
-              <a:rPr lang="en-US" sz="1200" dirty="0"/>
+              <a:rPr lang="en-US" dirty="0"/>
               <a:t>In order to train the classifiers we need to get a numerical representation of the text.</a:t>
             </a:r>
           </a:p>
@@ -21567,7 +22337,7 @@
               <a:buNone/>
             </a:pPr>
             <a:r>
-              <a:rPr lang="en-US" sz="1200" dirty="0"/>
+              <a:rPr lang="en-US" dirty="0"/>
               <a:t>We choose the following text representations:</a:t>
             </a:r>
           </a:p>
@@ -21587,7 +22357,7 @@
               <a:buChar char="■"/>
             </a:pPr>
             <a:r>
-              <a:rPr lang="en-US" sz="1200" dirty="0">
+              <a:rPr lang="en-US" dirty="0">
                 <a:uFill>
                   <a:noFill/>
                 </a:uFill>
@@ -21595,7 +22365,7 @@
               <a:t>Bag of Words: we considered </a:t>
             </a:r>
             <a:r>
-              <a:rPr lang="en-US" sz="1200" dirty="0" err="1">
+              <a:rPr lang="en-US" dirty="0" err="1">
                 <a:uFill>
                   <a:noFill/>
                 </a:uFill>
@@ -21603,14 +22373,14 @@
               <a:t>uni</a:t>
             </a:r>
             <a:r>
-              <a:rPr lang="en-US" sz="1200" dirty="0">
+              <a:rPr lang="en-US" dirty="0">
                 <a:uFill>
                   <a:noFill/>
                 </a:uFill>
               </a:rPr>
               <a:t>-grams and bi-grams, and the final vectorized text is composed of 25000 features.</a:t>
             </a:r>
-            <a:endParaRPr lang="en-US" sz="1200" dirty="0"/>
+            <a:endParaRPr lang="en-US" dirty="0"/>
           </a:p>
           <a:p>
             <a:pPr marL="457200" lvl="0" indent="-304800" algn="l" rtl="0">
@@ -21628,7 +22398,7 @@
               <a:buChar char="■"/>
             </a:pPr>
             <a:r>
-              <a:rPr lang="en-US" sz="1200" dirty="0">
+              <a:rPr lang="en-US" dirty="0">
                 <a:uFill>
                   <a:noFill/>
                 </a:uFill>
@@ -21636,7 +22406,7 @@
               <a:t>TF-IDF: we considered </a:t>
             </a:r>
             <a:r>
-              <a:rPr lang="en-US" sz="1200" dirty="0" err="1">
+              <a:rPr lang="en-US" dirty="0" err="1">
                 <a:uFill>
                   <a:noFill/>
                 </a:uFill>
@@ -21644,7 +22414,7 @@
               <a:t>uni</a:t>
             </a:r>
             <a:r>
-              <a:rPr lang="en-US" sz="1200" dirty="0">
+              <a:rPr lang="en-US" dirty="0">
                 <a:uFill>
                   <a:noFill/>
                 </a:uFill>
@@ -24332,7 +25102,7 @@
               <a:buNone/>
             </a:pPr>
             <a:r>
-              <a:rPr lang="en-US" sz="1200" dirty="0"/>
+              <a:rPr lang="en-US" dirty="0"/>
               <a:t>For the classification part we choose 3 different classifiers to train:</a:t>
             </a:r>
           </a:p>
@@ -24352,7 +25122,7 @@
               <a:buChar char="■"/>
             </a:pPr>
             <a:r>
-              <a:rPr lang="en-US" sz="1200" dirty="0">
+              <a:rPr lang="en-US" dirty="0">
                 <a:uFill>
                   <a:noFill/>
                 </a:uFill>
@@ -24376,7 +25146,7 @@
               <a:buChar char="■"/>
             </a:pPr>
             <a:r>
-              <a:rPr lang="en-US" sz="1200" dirty="0">
+              <a:rPr lang="en-US" dirty="0">
                 <a:uFill>
                   <a:noFill/>
                 </a:uFill>
@@ -24400,14 +25170,14 @@
               <a:buChar char="■"/>
             </a:pPr>
             <a:r>
-              <a:rPr lang="en-US" sz="1200" dirty="0">
+              <a:rPr lang="en-US" dirty="0">
                 <a:uFill>
                   <a:noFill/>
                 </a:uFill>
               </a:rPr>
               <a:t>Logistic Regression</a:t>
             </a:r>
-            <a:endParaRPr lang="en-US" sz="1200" dirty="0"/>
+            <a:endParaRPr lang="en-US" dirty="0"/>
           </a:p>
         </p:txBody>
       </p:sp>
@@ -26758,7 +27528,7 @@
               <a:buNone/>
             </a:pPr>
             <a:r>
-              <a:rPr lang="en-US" sz="1200" dirty="0"/>
+              <a:rPr lang="en-US" dirty="0"/>
               <a:t>We trained a Support Vector Machine on both TF-IDF and Bag of Words representation.</a:t>
             </a:r>
           </a:p>
@@ -26772,7 +27542,7 @@
               </a:spcAft>
               <a:buNone/>
             </a:pPr>
-            <a:endParaRPr lang="en-US" sz="1200" dirty="0"/>
+            <a:endParaRPr lang="en-US" dirty="0"/>
           </a:p>
           <a:p>
             <a:pPr marL="0" lvl="0" indent="0" algn="l" rtl="0">
@@ -26785,15 +27555,15 @@
               <a:buNone/>
             </a:pPr>
             <a:r>
-              <a:rPr lang="en-US" sz="1200" dirty="0"/>
+              <a:rPr lang="en-US" dirty="0"/>
               <a:t>After a process of trial and error we used the </a:t>
             </a:r>
             <a:r>
-              <a:rPr lang="en-US" sz="1200" dirty="0" err="1"/>
+              <a:rPr lang="en-US" dirty="0" err="1"/>
               <a:t>svm</a:t>
             </a:r>
             <a:r>
-              <a:rPr lang="en-US" sz="1200" dirty="0"/>
+              <a:rPr lang="en-US" dirty="0"/>
               <a:t> provided by the scikit-learn library(Linear SVC) with C parameter, which is a regularization parameter, equal to 0.001.</a:t>
             </a:r>
           </a:p>
@@ -26807,7 +27577,7 @@
               </a:spcAft>
               <a:buNone/>
             </a:pPr>
-            <a:endParaRPr lang="en-US" sz="1200" dirty="0"/>
+            <a:endParaRPr lang="en-US" dirty="0"/>
           </a:p>
           <a:p>
             <a:pPr marL="0" lvl="0" indent="0" algn="l" rtl="0">
@@ -26819,7 +27589,7 @@
               </a:spcAft>
               <a:buNone/>
             </a:pPr>
-            <a:endParaRPr lang="en-US" sz="1200" dirty="0"/>
+            <a:endParaRPr lang="en-US" dirty="0"/>
           </a:p>
         </p:txBody>
       </p:sp>
@@ -27870,7 +28640,7 @@
               <a:buNone/>
             </a:pPr>
             <a:r>
-              <a:rPr lang="en-US" sz="1200" dirty="0"/>
+              <a:rPr lang="en-US" dirty="0"/>
               <a:t>We trained a Multi Layer Perceptron.</a:t>
             </a:r>
           </a:p>
@@ -27885,15 +28655,15 @@
               <a:buNone/>
             </a:pPr>
             <a:r>
-              <a:rPr lang="en-US" sz="1200" dirty="0"/>
+              <a:rPr lang="en-US" dirty="0"/>
               <a:t>The network architecture is composed by 3 Fully connected layers with </a:t>
             </a:r>
             <a:r>
-              <a:rPr lang="en-US" sz="1200" dirty="0" err="1"/>
+              <a:rPr lang="en-US" dirty="0" err="1"/>
               <a:t>ReLU</a:t>
             </a:r>
             <a:r>
-              <a:rPr lang="en-US" sz="1200" dirty="0"/>
+              <a:rPr lang="en-US" dirty="0"/>
               <a:t> activation, the layers have 128, 64 and 32 neurons; and an output layer with sigmoid activation function with 1 neuron.</a:t>
             </a:r>
           </a:p>
@@ -27908,15 +28678,15 @@
               <a:buNone/>
             </a:pPr>
             <a:r>
-              <a:rPr lang="en-US" sz="1200" dirty="0"/>
+              <a:rPr lang="en-US" dirty="0"/>
               <a:t>We choose binary cross-entropy as loss function and </a:t>
             </a:r>
             <a:r>
-              <a:rPr lang="en-US" sz="1200" dirty="0" err="1"/>
+              <a:rPr lang="en-US" dirty="0" err="1"/>
               <a:t>adam</a:t>
             </a:r>
             <a:r>
-              <a:rPr lang="en-US" sz="1200" dirty="0"/>
+              <a:rPr lang="en-US" dirty="0"/>
               <a:t> as optimizer.</a:t>
             </a:r>
           </a:p>
@@ -27930,7 +28700,7 @@
               </a:spcAft>
               <a:buNone/>
             </a:pPr>
-            <a:endParaRPr lang="en-US" sz="1200" dirty="0"/>
+            <a:endParaRPr lang="en-US" dirty="0"/>
           </a:p>
         </p:txBody>
       </p:sp>
@@ -28981,7 +29751,7 @@
               <a:buNone/>
             </a:pPr>
             <a:r>
-              <a:rPr lang="en-US" sz="1200" dirty="0"/>
+              <a:rPr lang="en-US" dirty="0"/>
               <a:t>We finally trained a logistic regression classifier.</a:t>
             </a:r>
           </a:p>
@@ -28996,7 +29766,7 @@
               <a:buNone/>
             </a:pPr>
             <a:r>
-              <a:rPr lang="en-US" sz="1200" dirty="0"/>
+              <a:rPr lang="en-US" dirty="0"/>
               <a:t>After a process of trial and error we choose the l2 norm as penalty, as C (regularization parameter) a value of 1 and we specified a limit of 500 iterations for the training.</a:t>
             </a:r>
           </a:p>
@@ -29010,7 +29780,7 @@
               </a:spcAft>
               <a:buNone/>
             </a:pPr>
-            <a:endParaRPr lang="en-US" sz="1200" dirty="0"/>
+            <a:endParaRPr lang="en-US" dirty="0"/>
           </a:p>
         </p:txBody>
       </p:sp>
@@ -30392,7 +31162,7 @@
               <a:buNone/>
             </a:pPr>
             <a:r>
-              <a:rPr lang="en-US" sz="1200" dirty="0"/>
+              <a:rPr lang="en-US" dirty="0"/>
               <a:t>After seeing the classification results we can say that all the three models performs very well, with all accuracies around 80% in the binary classification task. In particular, the best models, in terms of accuracy, are the Logistic Regression trained on TF-IDF dataset and the SVM trained on the Bag of Word dataset.</a:t>
             </a:r>
           </a:p>
@@ -36753,10 +37523,10 @@
               <a:buNone/>
             </a:pPr>
             <a:r>
-              <a:rPr lang="en-US" sz="1200" dirty="0"/>
+              <a:rPr lang="en-US" dirty="0"/>
               <a:t>During the preprocessing phase we made the following operations:</a:t>
             </a:r>
-            <a:endParaRPr lang="en-US" sz="1900" dirty="0">
+            <a:endParaRPr lang="en-US" dirty="0">
               <a:solidFill>
                 <a:schemeClr val="accent4"/>
               </a:solidFill>
@@ -36782,14 +37552,14 @@
               <a:buChar char="■"/>
             </a:pPr>
             <a:r>
-              <a:rPr lang="en-US" sz="1200" dirty="0">
+              <a:rPr lang="en-US" dirty="0">
                 <a:uFill>
                   <a:noFill/>
                 </a:uFill>
               </a:rPr>
               <a:t>All the text is transformed in lowercase </a:t>
             </a:r>
-            <a:endParaRPr lang="en-US" sz="1200" dirty="0"/>
+            <a:endParaRPr lang="en-US" dirty="0"/>
           </a:p>
           <a:p>
             <a:pPr marL="457200" lvl="0" indent="-304800" algn="l" rtl="0">
@@ -36807,7 +37577,7 @@
               <a:buChar char="■"/>
             </a:pPr>
             <a:r>
-              <a:rPr lang="en-US" sz="1200" dirty="0">
+              <a:rPr lang="en-US" dirty="0">
                 <a:uFill>
                   <a:noFill/>
                 </a:uFill>
@@ -36831,7 +37601,7 @@
               <a:buChar char="■"/>
             </a:pPr>
             <a:r>
-              <a:rPr lang="en-US" sz="1200" dirty="0">
+              <a:rPr lang="en-US" dirty="0">
                 <a:uFill>
                   <a:noFill/>
                 </a:uFill>
@@ -36855,7 +37625,7 @@
               <a:buChar char="■"/>
             </a:pPr>
             <a:r>
-              <a:rPr lang="en-US" sz="1200" dirty="0">
+              <a:rPr lang="en-US" dirty="0">
                 <a:uFill>
                   <a:noFill/>
                 </a:uFill>
@@ -36879,7 +37649,7 @@
               <a:buChar char="■"/>
             </a:pPr>
             <a:r>
-              <a:rPr lang="en-US" sz="1200" dirty="0">
+              <a:rPr lang="en-US" dirty="0">
                 <a:uFill>
                   <a:noFill/>
                 </a:uFill>
@@ -36887,7 +37657,7 @@
               <a:t>Tokenization, using  </a:t>
             </a:r>
             <a:r>
-              <a:rPr lang="en-US" sz="1200" dirty="0" err="1">
+              <a:rPr lang="en-US" dirty="0" err="1">
                 <a:uFill>
                   <a:noFill/>
                 </a:uFill>
@@ -36895,7 +37665,7 @@
               <a:t>nltk’s</a:t>
             </a:r>
             <a:r>
-              <a:rPr lang="en-US" sz="1200" dirty="0">
+              <a:rPr lang="en-US" dirty="0">
                 <a:uFill>
                   <a:noFill/>
                 </a:uFill>
@@ -36919,7 +37689,7 @@
               <a:buChar char="■"/>
             </a:pPr>
             <a:r>
-              <a:rPr lang="en-US" sz="1200" dirty="0">
+              <a:rPr lang="en-US" dirty="0">
                 <a:uFill>
                   <a:noFill/>
                 </a:uFill>
@@ -36927,14 +37697,14 @@
               <a:t>Lemmatization, using wordnet </a:t>
             </a:r>
             <a:r>
-              <a:rPr lang="en-US" sz="1200" dirty="0" err="1">
+              <a:rPr lang="en-US" dirty="0" err="1">
                 <a:uFill>
                   <a:noFill/>
                 </a:uFill>
               </a:rPr>
               <a:t>lemmatizer</a:t>
             </a:r>
-            <a:endParaRPr lang="en-US" sz="1200" dirty="0">
+            <a:endParaRPr lang="en-US" dirty="0">
               <a:uFill>
                 <a:noFill/>
               </a:uFill>
@@ -39620,7 +40390,7 @@
               <a:buNone/>
             </a:pPr>
             <a:r>
-              <a:rPr lang="en-US" sz="1200" dirty="0"/>
+              <a:rPr lang="en-US" dirty="0"/>
               <a:t>In order to perform the clustering step, we need to get a numerical representation of the text.</a:t>
             </a:r>
           </a:p>
@@ -39634,7 +40404,7 @@
               </a:spcAft>
               <a:buNone/>
             </a:pPr>
-            <a:endParaRPr lang="en-US" sz="1200" dirty="0"/>
+            <a:endParaRPr lang="en-US" dirty="0"/>
           </a:p>
           <a:p>
             <a:pPr marL="0" lvl="0" indent="0" algn="l" rtl="0">
@@ -39647,7 +40417,7 @@
               <a:buNone/>
             </a:pPr>
             <a:r>
-              <a:rPr lang="en-US" sz="1200" dirty="0"/>
+              <a:rPr lang="en-US" dirty="0"/>
               <a:t>We followed the following steps to perform text representation:</a:t>
             </a:r>
           </a:p>
@@ -39661,7 +40431,7 @@
               </a:spcAft>
               <a:buNone/>
             </a:pPr>
-            <a:endParaRPr lang="en-US" sz="1200" dirty="0"/>
+            <a:endParaRPr lang="en-US" dirty="0"/>
           </a:p>
           <a:p>
             <a:pPr marL="457200" lvl="0" indent="-304800" algn="l" rtl="0">
@@ -39679,7 +40449,7 @@
               <a:buAutoNum type="arabicPeriod"/>
             </a:pPr>
             <a:r>
-              <a:rPr lang="en-US" sz="1200" dirty="0">
+              <a:rPr lang="en-US" dirty="0">
                 <a:uFill>
                   <a:noFill/>
                 </a:uFill>
@@ -39687,7 +40457,7 @@
               <a:t>TF-IDF: we considered </a:t>
             </a:r>
             <a:r>
-              <a:rPr lang="en-US" sz="1200" dirty="0" err="1">
+              <a:rPr lang="en-US" dirty="0" err="1">
                 <a:uFill>
                   <a:noFill/>
                 </a:uFill>
@@ -39695,7 +40465,7 @@
               <a:t>uni</a:t>
             </a:r>
             <a:r>
-              <a:rPr lang="en-US" sz="1200" dirty="0">
+              <a:rPr lang="en-US" dirty="0">
                 <a:uFill>
                   <a:noFill/>
                 </a:uFill>
@@ -39719,7 +40489,7 @@
               <a:buAutoNum type="arabicPeriod"/>
             </a:pPr>
             <a:r>
-              <a:rPr lang="en-US" sz="1200" dirty="0">
+              <a:rPr lang="en-US" dirty="0">
                 <a:uFill>
                   <a:noFill/>
                 </a:uFill>
@@ -42407,7 +43177,7 @@
               <a:buNone/>
             </a:pPr>
             <a:r>
-              <a:rPr lang="en-US" sz="1200" dirty="0">
+              <a:rPr lang="en-US" dirty="0">
                 <a:solidFill>
                   <a:schemeClr val="bg1"/>
                 </a:solidFill>
@@ -42435,7 +43205,7 @@
               <a:buChar char="■"/>
             </a:pPr>
             <a:r>
-              <a:rPr lang="en-US" sz="1200" dirty="0">
+              <a:rPr lang="en-US" dirty="0">
                 <a:uFill>
                   <a:noFill/>
                 </a:uFill>
@@ -42459,7 +43229,7 @@
               <a:buChar char="■"/>
             </a:pPr>
             <a:r>
-              <a:rPr lang="en-US" sz="1200" dirty="0">
+              <a:rPr lang="en-US" dirty="0">
                 <a:uFill>
                   <a:noFill/>
                 </a:uFill>
@@ -44793,7 +45563,7 @@
         </p:nvSpPr>
         <p:spPr>
           <a:xfrm>
-            <a:off x="726900" y="1259226"/>
+            <a:off x="719999" y="1148634"/>
             <a:ext cx="7272112" cy="951238"/>
           </a:xfrm>
           <a:prstGeom prst="rect">
@@ -44816,15 +45586,15 @@
               <a:buNone/>
             </a:pPr>
             <a:r>
-              <a:rPr lang="en-US" sz="1200" dirty="0"/>
+              <a:rPr lang="en-US" dirty="0"/>
               <a:t>We performed the first clustering using the </a:t>
             </a:r>
             <a:r>
-              <a:rPr lang="en-US" sz="1200" dirty="0" err="1"/>
+              <a:rPr lang="en-US" dirty="0" err="1"/>
               <a:t>Dbscan</a:t>
             </a:r>
             <a:r>
-              <a:rPr lang="en-US" sz="1200" dirty="0"/>
+              <a:rPr lang="en-US" dirty="0"/>
               <a:t> algorithm. In particular, we set the </a:t>
             </a:r>
           </a:p>
@@ -44839,21 +45609,9 @@
               <a:buNone/>
             </a:pPr>
             <a:r>
-              <a:rPr lang="en-US" sz="1200" dirty="0"/>
-              <a:t>Minimum distance between two points that are in the same cluster equal to 0.25 and we set the minimum number of elements per cluster equal to 3. The silhouette measure was equal to 0.24</a:t>
+              <a:rPr lang="en-US" dirty="0"/>
+              <a:t>Minimum distance between two points that are in the same cluster equal to 0.25 and we set the minimum number of elements per cluster equal to 3. </a:t>
             </a:r>
-          </a:p>
-          <a:p>
-            <a:pPr marL="0" lvl="0" indent="0" algn="l" rtl="0">
-              <a:spcBef>
-                <a:spcPts val="0"/>
-              </a:spcBef>
-              <a:spcAft>
-                <a:spcPts val="0"/>
-              </a:spcAft>
-              <a:buNone/>
-            </a:pPr>
-            <a:endParaRPr lang="en-US" sz="1200" dirty="0"/>
           </a:p>
         </p:txBody>
       </p:sp>
@@ -44929,8 +45687,8 @@
         </p:blipFill>
         <p:spPr>
           <a:xfrm>
-            <a:off x="720000" y="2036189"/>
-            <a:ext cx="2786697" cy="2083324"/>
+            <a:off x="719999" y="2036188"/>
+            <a:ext cx="3759160" cy="2810333"/>
           </a:xfrm>
           <a:prstGeom prst="rect">
             <a:avLst/>
@@ -44951,8 +45709,8 @@
         </p:nvSpPr>
         <p:spPr>
           <a:xfrm>
-            <a:off x="597526" y="4250145"/>
-            <a:ext cx="2909171" cy="646331"/>
+            <a:off x="4572000" y="4374245"/>
+            <a:ext cx="3417883" cy="461665"/>
           </a:xfrm>
           <a:prstGeom prst="rect">
             <a:avLst/>
@@ -44972,6 +45730,57 @@
                 </a:solidFill>
               </a:rPr>
               <a:t>Plot of the reviews of the clusters (points not assigned to any clusters are omitted).</a:t>
+            </a:r>
+          </a:p>
+        </p:txBody>
+      </p:sp>
+      <p:sp>
+        <p:nvSpPr>
+          <p:cNvPr id="2" name="CasellaDiTesto 1">
+            <a:extLst>
+              <a:ext uri="{FF2B5EF4-FFF2-40B4-BE49-F238E27FC236}">
+                <a16:creationId xmlns:a16="http://schemas.microsoft.com/office/drawing/2014/main" id="{10668F1C-6AB8-A3CD-F4A2-07753228A7D0}"/>
+              </a:ext>
+            </a:extLst>
+          </p:cNvPr>
+          <p:cNvSpPr txBox="1"/>
+          <p:nvPr/>
+        </p:nvSpPr>
+        <p:spPr>
+          <a:xfrm>
+            <a:off x="4664840" y="2438274"/>
+            <a:ext cx="3759160" cy="646331"/>
+          </a:xfrm>
+          <a:prstGeom prst="rect">
+            <a:avLst/>
+          </a:prstGeom>
+          <a:solidFill>
+            <a:srgbClr val="3A49E8"/>
+          </a:solidFill>
+          <a:ln cap="rnd">
+            <a:noFill/>
+          </a:ln>
+          <a:effectLst>
+            <a:outerShdw blurRad="50800" dist="50800" dir="2700000" sx="102491" sy="102491" algn="ctr" rotWithShape="0">
+              <a:schemeClr val="bg1">
+                <a:alpha val="6720"/>
+              </a:schemeClr>
+            </a:outerShdw>
+          </a:effectLst>
+        </p:spPr>
+        <p:txBody>
+          <a:bodyPr wrap="square" rtlCol="0">
+            <a:spAutoFit/>
+          </a:bodyPr>
+          <a:lstStyle/>
+          <a:p>
+            <a:r>
+              <a:rPr lang="en-US" sz="1200" dirty="0">
+                <a:solidFill>
+                  <a:schemeClr val="bg1"/>
+                </a:solidFill>
+              </a:rPr>
+              <a:t>There were 6 clusters found, 342 reviews were assigned to a cluster. The average silhouette measure was equal to 0.24</a:t>
             </a:r>
           </a:p>
         </p:txBody>
@@ -45050,6 +45859,600 @@
       </p:sp>
       <p:sp>
         <p:nvSpPr>
+          <p:cNvPr id="2786" name="Google Shape;2786;p96"/>
+          <p:cNvSpPr txBox="1">
+            <a:spLocks noGrp="1"/>
+          </p:cNvSpPr>
+          <p:nvPr>
+            <p:ph type="title"/>
+          </p:nvPr>
+        </p:nvSpPr>
+        <p:spPr>
+          <a:xfrm>
+            <a:off x="219180" y="228228"/>
+            <a:ext cx="7704000" cy="572700"/>
+          </a:xfrm>
+          <a:prstGeom prst="rect">
+            <a:avLst/>
+          </a:prstGeom>
+        </p:spPr>
+        <p:txBody>
+          <a:bodyPr spcFirstLastPara="1" wrap="square" lIns="91425" tIns="91425" rIns="91425" bIns="91425" anchor="t" anchorCtr="0">
+            <a:noAutofit/>
+          </a:bodyPr>
+          <a:lstStyle/>
+          <a:p>
+            <a:pPr marL="0" lvl="0" indent="0" algn="l" rtl="0">
+              <a:spcBef>
+                <a:spcPts val="0"/>
+              </a:spcBef>
+              <a:spcAft>
+                <a:spcPts val="0"/>
+              </a:spcAft>
+              <a:buNone/>
+            </a:pPr>
+            <a:r>
+              <a:rPr lang="en" sz="2800" dirty="0">
+                <a:solidFill>
+                  <a:schemeClr val="accent4"/>
+                </a:solidFill>
+              </a:rPr>
+              <a:t>D</a:t>
+            </a:r>
+            <a:r>
+              <a:rPr lang="it-IT" sz="2800" dirty="0">
+                <a:solidFill>
+                  <a:schemeClr val="accent4"/>
+                </a:solidFill>
+              </a:rPr>
+              <a:t>b</a:t>
+            </a:r>
+            <a:r>
+              <a:rPr lang="en" sz="2800" dirty="0">
+                <a:solidFill>
+                  <a:schemeClr val="accent4"/>
+                </a:solidFill>
+              </a:rPr>
+              <a:t>scan Clusters Word Clouds</a:t>
+            </a:r>
+            <a:endParaRPr sz="2800" dirty="0">
+              <a:solidFill>
+                <a:schemeClr val="lt2"/>
+              </a:solidFill>
+            </a:endParaRPr>
+          </a:p>
+        </p:txBody>
+      </p:sp>
+      <p:pic>
+        <p:nvPicPr>
+          <p:cNvPr id="8" name="Immagine 7" descr="Immagine che contiene testo&#10;&#10;Descrizione generata automaticamente">
+            <a:extLst>
+              <a:ext uri="{FF2B5EF4-FFF2-40B4-BE49-F238E27FC236}">
+                <a16:creationId xmlns:a16="http://schemas.microsoft.com/office/drawing/2014/main" id="{D127B252-043B-72CB-2D87-38E96F1D6C98}"/>
+              </a:ext>
+            </a:extLst>
+          </p:cNvPr>
+          <p:cNvPicPr>
+            <a:picLocks noChangeAspect="1"/>
+          </p:cNvPicPr>
+          <p:nvPr/>
+        </p:nvPicPr>
+        <p:blipFill>
+          <a:blip r:embed="rId3"/>
+          <a:stretch>
+            <a:fillRect/>
+          </a:stretch>
+        </p:blipFill>
+        <p:spPr>
+          <a:xfrm>
+            <a:off x="4408659" y="2571750"/>
+            <a:ext cx="4516162" cy="2343522"/>
+          </a:xfrm>
+          <a:prstGeom prst="rect">
+            <a:avLst/>
+          </a:prstGeom>
+        </p:spPr>
+      </p:pic>
+      <p:pic>
+        <p:nvPicPr>
+          <p:cNvPr id="10" name="Immagine 9" descr="Immagine che contiene testo&#10;&#10;Descrizione generata automaticamente">
+            <a:extLst>
+              <a:ext uri="{FF2B5EF4-FFF2-40B4-BE49-F238E27FC236}">
+                <a16:creationId xmlns:a16="http://schemas.microsoft.com/office/drawing/2014/main" id="{AB6C55F4-39DD-0B19-DAAE-7D96574A18CD}"/>
+              </a:ext>
+            </a:extLst>
+          </p:cNvPr>
+          <p:cNvPicPr>
+            <a:picLocks noChangeAspect="1"/>
+          </p:cNvPicPr>
+          <p:nvPr/>
+        </p:nvPicPr>
+        <p:blipFill>
+          <a:blip r:embed="rId4"/>
+          <a:stretch>
+            <a:fillRect/>
+          </a:stretch>
+        </p:blipFill>
+        <p:spPr>
+          <a:xfrm>
+            <a:off x="219180" y="905745"/>
+            <a:ext cx="4189480" cy="2174000"/>
+          </a:xfrm>
+          <a:prstGeom prst="rect">
+            <a:avLst/>
+          </a:prstGeom>
+        </p:spPr>
+      </p:pic>
+    </p:spTree>
+    <p:extLst>
+      <p:ext uri="{BB962C8B-B14F-4D97-AF65-F5344CB8AC3E}">
+        <p14:creationId xmlns:p14="http://schemas.microsoft.com/office/powerpoint/2010/main" val="791054905"/>
+      </p:ext>
+    </p:extLst>
+  </p:cSld>
+  <p:clrMapOvr>
+    <a:masterClrMapping/>
+  </p:clrMapOvr>
+</p:sld>
+</file>
+
+<file path=ppt/slides/slide25.xml><?xml version="1.0" encoding="utf-8"?>
+<p:sld xmlns:a="http://schemas.openxmlformats.org/drawingml/2006/main" xmlns:r="http://schemas.openxmlformats.org/officeDocument/2006/relationships" xmlns:p="http://schemas.openxmlformats.org/presentationml/2006/main">
+  <p:cSld>
+    <p:spTree>
+      <p:nvGrpSpPr>
+        <p:cNvPr id="1" name="Shape 2769"/>
+        <p:cNvGrpSpPr/>
+        <p:nvPr/>
+      </p:nvGrpSpPr>
+      <p:grpSpPr>
+        <a:xfrm>
+          <a:off x="0" y="0"/>
+          <a:ext cx="0" cy="0"/>
+          <a:chOff x="0" y="0"/>
+          <a:chExt cx="0" cy="0"/>
+        </a:xfrm>
+      </p:grpSpPr>
+      <p:sp>
+        <p:nvSpPr>
+          <p:cNvPr id="2784" name="Google Shape;2784;p96"/>
+          <p:cNvSpPr txBox="1">
+            <a:spLocks noGrp="1"/>
+          </p:cNvSpPr>
+          <p:nvPr>
+            <p:ph type="title" idx="4294967295"/>
+          </p:nvPr>
+        </p:nvSpPr>
+        <p:spPr>
+          <a:xfrm>
+            <a:off x="720000" y="538422"/>
+            <a:ext cx="7704000" cy="572700"/>
+          </a:xfrm>
+          <a:prstGeom prst="rect">
+            <a:avLst/>
+          </a:prstGeom>
+        </p:spPr>
+        <p:txBody>
+          <a:bodyPr spcFirstLastPara="1" wrap="square" lIns="91425" tIns="91425" rIns="91425" bIns="91425" anchor="ctr" anchorCtr="0">
+            <a:noAutofit/>
+          </a:bodyPr>
+          <a:lstStyle/>
+          <a:p>
+            <a:pPr marL="0" lvl="0" indent="0" algn="l" rtl="0">
+              <a:spcBef>
+                <a:spcPts val="0"/>
+              </a:spcBef>
+              <a:spcAft>
+                <a:spcPts val="0"/>
+              </a:spcAft>
+              <a:buNone/>
+            </a:pPr>
+            <a:r>
+              <a:rPr lang="en"/>
+              <a:t>ALTERNATIVE</a:t>
+            </a:r>
+            <a:endParaRPr/>
+          </a:p>
+        </p:txBody>
+      </p:sp>
+      <p:sp>
+        <p:nvSpPr>
+          <p:cNvPr id="2786" name="Google Shape;2786;p96"/>
+          <p:cNvSpPr txBox="1">
+            <a:spLocks noGrp="1"/>
+          </p:cNvSpPr>
+          <p:nvPr>
+            <p:ph type="title"/>
+          </p:nvPr>
+        </p:nvSpPr>
+        <p:spPr>
+          <a:xfrm>
+            <a:off x="219179" y="250591"/>
+            <a:ext cx="7704000" cy="572700"/>
+          </a:xfrm>
+          <a:prstGeom prst="rect">
+            <a:avLst/>
+          </a:prstGeom>
+        </p:spPr>
+        <p:txBody>
+          <a:bodyPr spcFirstLastPara="1" wrap="square" lIns="91425" tIns="91425" rIns="91425" bIns="91425" anchor="t" anchorCtr="0">
+            <a:noAutofit/>
+          </a:bodyPr>
+          <a:lstStyle/>
+          <a:p>
+            <a:pPr marL="0" lvl="0" indent="0" algn="l" rtl="0">
+              <a:spcBef>
+                <a:spcPts val="0"/>
+              </a:spcBef>
+              <a:spcAft>
+                <a:spcPts val="0"/>
+              </a:spcAft>
+              <a:buNone/>
+            </a:pPr>
+            <a:r>
+              <a:rPr lang="en" sz="2800" dirty="0">
+                <a:solidFill>
+                  <a:schemeClr val="accent4"/>
+                </a:solidFill>
+              </a:rPr>
+              <a:t>D</a:t>
+            </a:r>
+            <a:r>
+              <a:rPr lang="it-IT" sz="2800" dirty="0">
+                <a:solidFill>
+                  <a:schemeClr val="accent4"/>
+                </a:solidFill>
+              </a:rPr>
+              <a:t>b</a:t>
+            </a:r>
+            <a:r>
+              <a:rPr lang="en" sz="2800" dirty="0">
+                <a:solidFill>
+                  <a:schemeClr val="accent4"/>
+                </a:solidFill>
+              </a:rPr>
+              <a:t>scan Clusters Word Clouds</a:t>
+            </a:r>
+            <a:endParaRPr sz="2800" dirty="0">
+              <a:solidFill>
+                <a:schemeClr val="lt2"/>
+              </a:solidFill>
+            </a:endParaRPr>
+          </a:p>
+        </p:txBody>
+      </p:sp>
+      <p:pic>
+        <p:nvPicPr>
+          <p:cNvPr id="3" name="Immagine 2" descr="Immagine che contiene testo&#10;&#10;Descrizione generata automaticamente">
+            <a:extLst>
+              <a:ext uri="{FF2B5EF4-FFF2-40B4-BE49-F238E27FC236}">
+                <a16:creationId xmlns:a16="http://schemas.microsoft.com/office/drawing/2014/main" id="{4A43BD88-B606-3B6E-62A0-E0FF8EFA33D4}"/>
+              </a:ext>
+            </a:extLst>
+          </p:cNvPr>
+          <p:cNvPicPr>
+            <a:picLocks noChangeAspect="1"/>
+          </p:cNvPicPr>
+          <p:nvPr/>
+        </p:nvPicPr>
+        <p:blipFill>
+          <a:blip r:embed="rId3"/>
+          <a:stretch>
+            <a:fillRect/>
+          </a:stretch>
+        </p:blipFill>
+        <p:spPr>
+          <a:xfrm>
+            <a:off x="219179" y="824772"/>
+            <a:ext cx="4443959" cy="2306054"/>
+          </a:xfrm>
+          <a:prstGeom prst="rect">
+            <a:avLst/>
+          </a:prstGeom>
+        </p:spPr>
+      </p:pic>
+      <p:pic>
+        <p:nvPicPr>
+          <p:cNvPr id="5" name="Immagine 4" descr="Immagine che contiene testo&#10;&#10;Descrizione generata automaticamente">
+            <a:extLst>
+              <a:ext uri="{FF2B5EF4-FFF2-40B4-BE49-F238E27FC236}">
+                <a16:creationId xmlns:a16="http://schemas.microsoft.com/office/drawing/2014/main" id="{69EC2CD6-D552-47B1-E0E7-F56AC5F91E84}"/>
+              </a:ext>
+            </a:extLst>
+          </p:cNvPr>
+          <p:cNvPicPr>
+            <a:picLocks noChangeAspect="1"/>
+          </p:cNvPicPr>
+          <p:nvPr/>
+        </p:nvPicPr>
+        <p:blipFill>
+          <a:blip r:embed="rId4"/>
+          <a:stretch>
+            <a:fillRect/>
+          </a:stretch>
+        </p:blipFill>
+        <p:spPr>
+          <a:xfrm>
+            <a:off x="4555302" y="2656429"/>
+            <a:ext cx="4309884" cy="2236480"/>
+          </a:xfrm>
+          <a:prstGeom prst="rect">
+            <a:avLst/>
+          </a:prstGeom>
+        </p:spPr>
+      </p:pic>
+    </p:spTree>
+    <p:extLst>
+      <p:ext uri="{BB962C8B-B14F-4D97-AF65-F5344CB8AC3E}">
+        <p14:creationId xmlns:p14="http://schemas.microsoft.com/office/powerpoint/2010/main" val="2015267771"/>
+      </p:ext>
+    </p:extLst>
+  </p:cSld>
+  <p:clrMapOvr>
+    <a:masterClrMapping/>
+  </p:clrMapOvr>
+</p:sld>
+</file>
+
+<file path=ppt/slides/slide26.xml><?xml version="1.0" encoding="utf-8"?>
+<p:sld xmlns:a="http://schemas.openxmlformats.org/drawingml/2006/main" xmlns:r="http://schemas.openxmlformats.org/officeDocument/2006/relationships" xmlns:p="http://schemas.openxmlformats.org/presentationml/2006/main">
+  <p:cSld>
+    <p:spTree>
+      <p:nvGrpSpPr>
+        <p:cNvPr id="1" name="Shape 2769"/>
+        <p:cNvGrpSpPr/>
+        <p:nvPr/>
+      </p:nvGrpSpPr>
+      <p:grpSpPr>
+        <a:xfrm>
+          <a:off x="0" y="0"/>
+          <a:ext cx="0" cy="0"/>
+          <a:chOff x="0" y="0"/>
+          <a:chExt cx="0" cy="0"/>
+        </a:xfrm>
+      </p:grpSpPr>
+      <p:sp>
+        <p:nvSpPr>
+          <p:cNvPr id="2784" name="Google Shape;2784;p96"/>
+          <p:cNvSpPr txBox="1">
+            <a:spLocks noGrp="1"/>
+          </p:cNvSpPr>
+          <p:nvPr>
+            <p:ph type="title" idx="4294967295"/>
+          </p:nvPr>
+        </p:nvSpPr>
+        <p:spPr>
+          <a:xfrm>
+            <a:off x="720000" y="538422"/>
+            <a:ext cx="7704000" cy="572700"/>
+          </a:xfrm>
+          <a:prstGeom prst="rect">
+            <a:avLst/>
+          </a:prstGeom>
+        </p:spPr>
+        <p:txBody>
+          <a:bodyPr spcFirstLastPara="1" wrap="square" lIns="91425" tIns="91425" rIns="91425" bIns="91425" anchor="ctr" anchorCtr="0">
+            <a:noAutofit/>
+          </a:bodyPr>
+          <a:lstStyle/>
+          <a:p>
+            <a:pPr marL="0" lvl="0" indent="0" algn="l" rtl="0">
+              <a:spcBef>
+                <a:spcPts val="0"/>
+              </a:spcBef>
+              <a:spcAft>
+                <a:spcPts val="0"/>
+              </a:spcAft>
+              <a:buNone/>
+            </a:pPr>
+            <a:r>
+              <a:rPr lang="en"/>
+              <a:t>ALTERNATIVE</a:t>
+            </a:r>
+            <a:endParaRPr/>
+          </a:p>
+        </p:txBody>
+      </p:sp>
+      <p:sp>
+        <p:nvSpPr>
+          <p:cNvPr id="2786" name="Google Shape;2786;p96"/>
+          <p:cNvSpPr txBox="1">
+            <a:spLocks noGrp="1"/>
+          </p:cNvSpPr>
+          <p:nvPr>
+            <p:ph type="title"/>
+          </p:nvPr>
+        </p:nvSpPr>
+        <p:spPr>
+          <a:xfrm>
+            <a:off x="219179" y="250591"/>
+            <a:ext cx="7704000" cy="572700"/>
+          </a:xfrm>
+          <a:prstGeom prst="rect">
+            <a:avLst/>
+          </a:prstGeom>
+        </p:spPr>
+        <p:txBody>
+          <a:bodyPr spcFirstLastPara="1" wrap="square" lIns="91425" tIns="91425" rIns="91425" bIns="91425" anchor="t" anchorCtr="0">
+            <a:noAutofit/>
+          </a:bodyPr>
+          <a:lstStyle/>
+          <a:p>
+            <a:pPr marL="0" lvl="0" indent="0" algn="l" rtl="0">
+              <a:spcBef>
+                <a:spcPts val="0"/>
+              </a:spcBef>
+              <a:spcAft>
+                <a:spcPts val="0"/>
+              </a:spcAft>
+              <a:buNone/>
+            </a:pPr>
+            <a:r>
+              <a:rPr lang="en" sz="2800" dirty="0">
+                <a:solidFill>
+                  <a:schemeClr val="accent4"/>
+                </a:solidFill>
+              </a:rPr>
+              <a:t>D</a:t>
+            </a:r>
+            <a:r>
+              <a:rPr lang="it-IT" sz="2800" dirty="0">
+                <a:solidFill>
+                  <a:schemeClr val="accent4"/>
+                </a:solidFill>
+              </a:rPr>
+              <a:t>b</a:t>
+            </a:r>
+            <a:r>
+              <a:rPr lang="en" sz="2800" dirty="0">
+                <a:solidFill>
+                  <a:schemeClr val="accent4"/>
+                </a:solidFill>
+              </a:rPr>
+              <a:t>scan Clusters Word Clouds</a:t>
+            </a:r>
+            <a:endParaRPr sz="2800" dirty="0">
+              <a:solidFill>
+                <a:schemeClr val="lt2"/>
+              </a:solidFill>
+            </a:endParaRPr>
+          </a:p>
+        </p:txBody>
+      </p:sp>
+      <p:pic>
+        <p:nvPicPr>
+          <p:cNvPr id="4" name="Immagine 3" descr="Immagine che contiene testo&#10;&#10;Descrizione generata automaticamente">
+            <a:extLst>
+              <a:ext uri="{FF2B5EF4-FFF2-40B4-BE49-F238E27FC236}">
+                <a16:creationId xmlns:a16="http://schemas.microsoft.com/office/drawing/2014/main" id="{B1D87B74-019F-E8A5-B2E3-21470AD3518D}"/>
+              </a:ext>
+            </a:extLst>
+          </p:cNvPr>
+          <p:cNvPicPr>
+            <a:picLocks noChangeAspect="1"/>
+          </p:cNvPicPr>
+          <p:nvPr/>
+        </p:nvPicPr>
+        <p:blipFill>
+          <a:blip r:embed="rId3"/>
+          <a:stretch>
+            <a:fillRect/>
+          </a:stretch>
+        </p:blipFill>
+        <p:spPr>
+          <a:xfrm>
+            <a:off x="278813" y="857974"/>
+            <a:ext cx="4309881" cy="2236479"/>
+          </a:xfrm>
+          <a:prstGeom prst="rect">
+            <a:avLst/>
+          </a:prstGeom>
+        </p:spPr>
+      </p:pic>
+      <p:pic>
+        <p:nvPicPr>
+          <p:cNvPr id="7" name="Immagine 6" descr="Immagine che contiene testo&#10;&#10;Descrizione generata automaticamente">
+            <a:extLst>
+              <a:ext uri="{FF2B5EF4-FFF2-40B4-BE49-F238E27FC236}">
+                <a16:creationId xmlns:a16="http://schemas.microsoft.com/office/drawing/2014/main" id="{DBCF496B-026C-47E1-4509-C0C520A0805E}"/>
+              </a:ext>
+            </a:extLst>
+          </p:cNvPr>
+          <p:cNvPicPr>
+            <a:picLocks noChangeAspect="1"/>
+          </p:cNvPicPr>
+          <p:nvPr/>
+        </p:nvPicPr>
+        <p:blipFill>
+          <a:blip r:embed="rId4"/>
+          <a:stretch>
+            <a:fillRect/>
+          </a:stretch>
+        </p:blipFill>
+        <p:spPr>
+          <a:xfrm>
+            <a:off x="4555303" y="2656429"/>
+            <a:ext cx="4309883" cy="2236480"/>
+          </a:xfrm>
+          <a:prstGeom prst="rect">
+            <a:avLst/>
+          </a:prstGeom>
+        </p:spPr>
+      </p:pic>
+    </p:spTree>
+    <p:extLst>
+      <p:ext uri="{BB962C8B-B14F-4D97-AF65-F5344CB8AC3E}">
+        <p14:creationId xmlns:p14="http://schemas.microsoft.com/office/powerpoint/2010/main" val="4156163014"/>
+      </p:ext>
+    </p:extLst>
+  </p:cSld>
+  <p:clrMapOvr>
+    <a:masterClrMapping/>
+  </p:clrMapOvr>
+</p:sld>
+</file>
+
+<file path=ppt/slides/slide27.xml><?xml version="1.0" encoding="utf-8"?>
+<p:sld xmlns:a="http://schemas.openxmlformats.org/drawingml/2006/main" xmlns:r="http://schemas.openxmlformats.org/officeDocument/2006/relationships" xmlns:p="http://schemas.openxmlformats.org/presentationml/2006/main">
+  <p:cSld>
+    <p:spTree>
+      <p:nvGrpSpPr>
+        <p:cNvPr id="1" name="Shape 2769"/>
+        <p:cNvGrpSpPr/>
+        <p:nvPr/>
+      </p:nvGrpSpPr>
+      <p:grpSpPr>
+        <a:xfrm>
+          <a:off x="0" y="0"/>
+          <a:ext cx="0" cy="0"/>
+          <a:chOff x="0" y="0"/>
+          <a:chExt cx="0" cy="0"/>
+        </a:xfrm>
+      </p:grpSpPr>
+      <p:sp>
+        <p:nvSpPr>
+          <p:cNvPr id="2784" name="Google Shape;2784;p96"/>
+          <p:cNvSpPr txBox="1">
+            <a:spLocks noGrp="1"/>
+          </p:cNvSpPr>
+          <p:nvPr>
+            <p:ph type="title" idx="4294967295"/>
+          </p:nvPr>
+        </p:nvSpPr>
+        <p:spPr>
+          <a:xfrm>
+            <a:off x="720000" y="538422"/>
+            <a:ext cx="7704000" cy="572700"/>
+          </a:xfrm>
+          <a:prstGeom prst="rect">
+            <a:avLst/>
+          </a:prstGeom>
+        </p:spPr>
+        <p:txBody>
+          <a:bodyPr spcFirstLastPara="1" wrap="square" lIns="91425" tIns="91425" rIns="91425" bIns="91425" anchor="ctr" anchorCtr="0">
+            <a:noAutofit/>
+          </a:bodyPr>
+          <a:lstStyle/>
+          <a:p>
+            <a:pPr marL="0" lvl="0" indent="0" algn="l" rtl="0">
+              <a:spcBef>
+                <a:spcPts val="0"/>
+              </a:spcBef>
+              <a:spcAft>
+                <a:spcPts val="0"/>
+              </a:spcAft>
+              <a:buNone/>
+            </a:pPr>
+            <a:r>
+              <a:rPr lang="en"/>
+              <a:t>ALTERNATIVE</a:t>
+            </a:r>
+            <a:endParaRPr/>
+          </a:p>
+        </p:txBody>
+      </p:sp>
+      <p:sp>
+        <p:nvSpPr>
           <p:cNvPr id="2785" name="Google Shape;2785;p96"/>
           <p:cNvSpPr txBox="1">
             <a:spLocks noGrp="1"/>
@@ -45083,7 +46486,7 @@
               <a:buNone/>
             </a:pPr>
             <a:r>
-              <a:rPr lang="en-US" sz="1200" dirty="0"/>
+              <a:rPr lang="en-US" dirty="0"/>
               <a:t>We performed the second clustering using the K-Means algorithm. In particular, we set the </a:t>
             </a:r>
           </a:p>
@@ -45098,7 +46501,7 @@
               <a:buNone/>
             </a:pPr>
             <a:r>
-              <a:rPr lang="en-US" sz="1200" dirty="0"/>
+              <a:rPr lang="en-US" dirty="0"/>
               <a:t>Number of clusters equal to 4. The silhouette measure was equal to 0.17</a:t>
             </a:r>
           </a:p>
@@ -45200,7 +46603,7 @@
                   <a:schemeClr val="bg1"/>
                 </a:solidFill>
               </a:rPr>
-              <a:t>Plot of the reviews of the clusters.</a:t>
+              <a:t>Plot of the clusters of the reviews.</a:t>
             </a:r>
           </a:p>
         </p:txBody>
@@ -45235,6 +46638,57 @@
           </a:prstGeom>
         </p:spPr>
       </p:pic>
+      <p:sp>
+        <p:nvSpPr>
+          <p:cNvPr id="6" name="CasellaDiTesto 5">
+            <a:extLst>
+              <a:ext uri="{FF2B5EF4-FFF2-40B4-BE49-F238E27FC236}">
+                <a16:creationId xmlns:a16="http://schemas.microsoft.com/office/drawing/2014/main" id="{672C90FC-36AE-5040-B3BF-0779564F14C2}"/>
+              </a:ext>
+            </a:extLst>
+          </p:cNvPr>
+          <p:cNvSpPr txBox="1"/>
+          <p:nvPr/>
+        </p:nvSpPr>
+        <p:spPr>
+          <a:xfrm>
+            <a:off x="4572000" y="2242945"/>
+            <a:ext cx="3759160" cy="276999"/>
+          </a:xfrm>
+          <a:prstGeom prst="rect">
+            <a:avLst/>
+          </a:prstGeom>
+          <a:solidFill>
+            <a:srgbClr val="3A49E8"/>
+          </a:solidFill>
+          <a:ln cap="rnd">
+            <a:noFill/>
+          </a:ln>
+          <a:effectLst>
+            <a:outerShdw blurRad="50800" dist="50800" dir="2700000" sx="102491" sy="102491" algn="ctr" rotWithShape="0">
+              <a:schemeClr val="bg1">
+                <a:alpha val="6720"/>
+              </a:schemeClr>
+            </a:outerShdw>
+          </a:effectLst>
+        </p:spPr>
+        <p:txBody>
+          <a:bodyPr wrap="square" rtlCol="0">
+            <a:spAutoFit/>
+          </a:bodyPr>
+          <a:lstStyle/>
+          <a:p>
+            <a:r>
+              <a:rPr lang="en-US" sz="1200" dirty="0">
+                <a:solidFill>
+                  <a:schemeClr val="bg1"/>
+                </a:solidFill>
+              </a:rPr>
+              <a:t>The average silhouette measure was equal to 0.24</a:t>
+            </a:r>
+          </a:p>
+        </p:txBody>
+      </p:sp>
     </p:spTree>
     <p:extLst>
       <p:ext uri="{BB962C8B-B14F-4D97-AF65-F5344CB8AC3E}">
@@ -45248,7 +46702,1969 @@
 </p:sld>
 </file>
 
-<file path=ppt/slides/slide25.xml><?xml version="1.0" encoding="utf-8"?>
+<file path=ppt/slides/slide28.xml><?xml version="1.0" encoding="utf-8"?>
+<p:sld xmlns:a="http://schemas.openxmlformats.org/drawingml/2006/main" xmlns:r="http://schemas.openxmlformats.org/officeDocument/2006/relationships" xmlns:p="http://schemas.openxmlformats.org/presentationml/2006/main">
+  <p:cSld>
+    <p:spTree>
+      <p:nvGrpSpPr>
+        <p:cNvPr id="1" name="Shape 2769"/>
+        <p:cNvGrpSpPr/>
+        <p:nvPr/>
+      </p:nvGrpSpPr>
+      <p:grpSpPr>
+        <a:xfrm>
+          <a:off x="0" y="0"/>
+          <a:ext cx="0" cy="0"/>
+          <a:chOff x="0" y="0"/>
+          <a:chExt cx="0" cy="0"/>
+        </a:xfrm>
+      </p:grpSpPr>
+      <p:sp>
+        <p:nvSpPr>
+          <p:cNvPr id="2784" name="Google Shape;2784;p96"/>
+          <p:cNvSpPr txBox="1">
+            <a:spLocks noGrp="1"/>
+          </p:cNvSpPr>
+          <p:nvPr>
+            <p:ph type="title" idx="4294967295"/>
+          </p:nvPr>
+        </p:nvSpPr>
+        <p:spPr>
+          <a:xfrm>
+            <a:off x="720000" y="538422"/>
+            <a:ext cx="7704000" cy="572700"/>
+          </a:xfrm>
+          <a:prstGeom prst="rect">
+            <a:avLst/>
+          </a:prstGeom>
+        </p:spPr>
+        <p:txBody>
+          <a:bodyPr spcFirstLastPara="1" wrap="square" lIns="91425" tIns="91425" rIns="91425" bIns="91425" anchor="ctr" anchorCtr="0">
+            <a:noAutofit/>
+          </a:bodyPr>
+          <a:lstStyle/>
+          <a:p>
+            <a:pPr marL="0" lvl="0" indent="0" algn="l" rtl="0">
+              <a:spcBef>
+                <a:spcPts val="0"/>
+              </a:spcBef>
+              <a:spcAft>
+                <a:spcPts val="0"/>
+              </a:spcAft>
+              <a:buNone/>
+            </a:pPr>
+            <a:r>
+              <a:rPr lang="en"/>
+              <a:t>ALTERNATIVE</a:t>
+            </a:r>
+            <a:endParaRPr/>
+          </a:p>
+        </p:txBody>
+      </p:sp>
+      <p:sp>
+        <p:nvSpPr>
+          <p:cNvPr id="2786" name="Google Shape;2786;p96"/>
+          <p:cNvSpPr txBox="1">
+            <a:spLocks noGrp="1"/>
+          </p:cNvSpPr>
+          <p:nvPr>
+            <p:ph type="title"/>
+          </p:nvPr>
+        </p:nvSpPr>
+        <p:spPr>
+          <a:xfrm>
+            <a:off x="219179" y="250591"/>
+            <a:ext cx="7704000" cy="572700"/>
+          </a:xfrm>
+          <a:prstGeom prst="rect">
+            <a:avLst/>
+          </a:prstGeom>
+        </p:spPr>
+        <p:txBody>
+          <a:bodyPr spcFirstLastPara="1" wrap="square" lIns="91425" tIns="91425" rIns="91425" bIns="91425" anchor="t" anchorCtr="0">
+            <a:noAutofit/>
+          </a:bodyPr>
+          <a:lstStyle/>
+          <a:p>
+            <a:pPr marL="0" lvl="0" indent="0" algn="l" rtl="0">
+              <a:spcBef>
+                <a:spcPts val="0"/>
+              </a:spcBef>
+              <a:spcAft>
+                <a:spcPts val="0"/>
+              </a:spcAft>
+              <a:buNone/>
+            </a:pPr>
+            <a:r>
+              <a:rPr lang="en" sz="2800" dirty="0">
+                <a:solidFill>
+                  <a:schemeClr val="accent4"/>
+                </a:solidFill>
+              </a:rPr>
+              <a:t>K-Means Clusters Word Clouds</a:t>
+            </a:r>
+            <a:endParaRPr sz="2800" dirty="0">
+              <a:solidFill>
+                <a:schemeClr val="lt2"/>
+              </a:solidFill>
+            </a:endParaRPr>
+          </a:p>
+        </p:txBody>
+      </p:sp>
+      <p:pic>
+        <p:nvPicPr>
+          <p:cNvPr id="3" name="Immagine 2" descr="Immagine che contiene testo&#10;&#10;Descrizione generata automaticamente">
+            <a:extLst>
+              <a:ext uri="{FF2B5EF4-FFF2-40B4-BE49-F238E27FC236}">
+                <a16:creationId xmlns:a16="http://schemas.microsoft.com/office/drawing/2014/main" id="{2D7E949D-89B3-BDA0-CA76-20058A93AE5F}"/>
+              </a:ext>
+            </a:extLst>
+          </p:cNvPr>
+          <p:cNvPicPr>
+            <a:picLocks noChangeAspect="1"/>
+          </p:cNvPicPr>
+          <p:nvPr/>
+        </p:nvPicPr>
+        <p:blipFill>
+          <a:blip r:embed="rId3"/>
+          <a:stretch>
+            <a:fillRect/>
+          </a:stretch>
+        </p:blipFill>
+        <p:spPr>
+          <a:xfrm>
+            <a:off x="278814" y="823291"/>
+            <a:ext cx="4309883" cy="2236480"/>
+          </a:xfrm>
+          <a:prstGeom prst="rect">
+            <a:avLst/>
+          </a:prstGeom>
+        </p:spPr>
+      </p:pic>
+      <p:pic>
+        <p:nvPicPr>
+          <p:cNvPr id="6" name="Immagine 5" descr="Immagine che contiene testo&#10;&#10;Descrizione generata automaticamente">
+            <a:extLst>
+              <a:ext uri="{FF2B5EF4-FFF2-40B4-BE49-F238E27FC236}">
+                <a16:creationId xmlns:a16="http://schemas.microsoft.com/office/drawing/2014/main" id="{3FA2A2E0-B449-92FE-F711-67D25C1CE038}"/>
+              </a:ext>
+            </a:extLst>
+          </p:cNvPr>
+          <p:cNvPicPr>
+            <a:picLocks noChangeAspect="1"/>
+          </p:cNvPicPr>
+          <p:nvPr/>
+        </p:nvPicPr>
+        <p:blipFill>
+          <a:blip r:embed="rId4"/>
+          <a:stretch>
+            <a:fillRect/>
+          </a:stretch>
+        </p:blipFill>
+        <p:spPr>
+          <a:xfrm>
+            <a:off x="4555302" y="2656429"/>
+            <a:ext cx="4309883" cy="2236480"/>
+          </a:xfrm>
+          <a:prstGeom prst="rect">
+            <a:avLst/>
+          </a:prstGeom>
+        </p:spPr>
+      </p:pic>
+    </p:spTree>
+    <p:extLst>
+      <p:ext uri="{BB962C8B-B14F-4D97-AF65-F5344CB8AC3E}">
+        <p14:creationId xmlns:p14="http://schemas.microsoft.com/office/powerpoint/2010/main" val="4292065909"/>
+      </p:ext>
+    </p:extLst>
+  </p:cSld>
+  <p:clrMapOvr>
+    <a:masterClrMapping/>
+  </p:clrMapOvr>
+</p:sld>
+</file>
+
+<file path=ppt/slides/slide29.xml><?xml version="1.0" encoding="utf-8"?>
+<p:sld xmlns:a="http://schemas.openxmlformats.org/drawingml/2006/main" xmlns:r="http://schemas.openxmlformats.org/officeDocument/2006/relationships" xmlns:p="http://schemas.openxmlformats.org/presentationml/2006/main">
+  <p:cSld>
+    <p:spTree>
+      <p:nvGrpSpPr>
+        <p:cNvPr id="1" name="Shape 2769"/>
+        <p:cNvGrpSpPr/>
+        <p:nvPr/>
+      </p:nvGrpSpPr>
+      <p:grpSpPr>
+        <a:xfrm>
+          <a:off x="0" y="0"/>
+          <a:ext cx="0" cy="0"/>
+          <a:chOff x="0" y="0"/>
+          <a:chExt cx="0" cy="0"/>
+        </a:xfrm>
+      </p:grpSpPr>
+      <p:sp>
+        <p:nvSpPr>
+          <p:cNvPr id="2784" name="Google Shape;2784;p96"/>
+          <p:cNvSpPr txBox="1">
+            <a:spLocks noGrp="1"/>
+          </p:cNvSpPr>
+          <p:nvPr>
+            <p:ph type="title" idx="4294967295"/>
+          </p:nvPr>
+        </p:nvSpPr>
+        <p:spPr>
+          <a:xfrm>
+            <a:off x="720000" y="538422"/>
+            <a:ext cx="7704000" cy="572700"/>
+          </a:xfrm>
+          <a:prstGeom prst="rect">
+            <a:avLst/>
+          </a:prstGeom>
+        </p:spPr>
+        <p:txBody>
+          <a:bodyPr spcFirstLastPara="1" wrap="square" lIns="91425" tIns="91425" rIns="91425" bIns="91425" anchor="ctr" anchorCtr="0">
+            <a:noAutofit/>
+          </a:bodyPr>
+          <a:lstStyle/>
+          <a:p>
+            <a:pPr marL="0" lvl="0" indent="0" algn="l" rtl="0">
+              <a:spcBef>
+                <a:spcPts val="0"/>
+              </a:spcBef>
+              <a:spcAft>
+                <a:spcPts val="0"/>
+              </a:spcAft>
+              <a:buNone/>
+            </a:pPr>
+            <a:r>
+              <a:rPr lang="en"/>
+              <a:t>ALTERNATIVE</a:t>
+            </a:r>
+            <a:endParaRPr/>
+          </a:p>
+        </p:txBody>
+      </p:sp>
+      <p:sp>
+        <p:nvSpPr>
+          <p:cNvPr id="2786" name="Google Shape;2786;p96"/>
+          <p:cNvSpPr txBox="1">
+            <a:spLocks noGrp="1"/>
+          </p:cNvSpPr>
+          <p:nvPr>
+            <p:ph type="title"/>
+          </p:nvPr>
+        </p:nvSpPr>
+        <p:spPr>
+          <a:xfrm>
+            <a:off x="219179" y="250591"/>
+            <a:ext cx="7704000" cy="572700"/>
+          </a:xfrm>
+          <a:prstGeom prst="rect">
+            <a:avLst/>
+          </a:prstGeom>
+        </p:spPr>
+        <p:txBody>
+          <a:bodyPr spcFirstLastPara="1" wrap="square" lIns="91425" tIns="91425" rIns="91425" bIns="91425" anchor="t" anchorCtr="0">
+            <a:noAutofit/>
+          </a:bodyPr>
+          <a:lstStyle/>
+          <a:p>
+            <a:pPr marL="0" lvl="0" indent="0" algn="l" rtl="0">
+              <a:spcBef>
+                <a:spcPts val="0"/>
+              </a:spcBef>
+              <a:spcAft>
+                <a:spcPts val="0"/>
+              </a:spcAft>
+              <a:buNone/>
+            </a:pPr>
+            <a:r>
+              <a:rPr lang="en" sz="2800" dirty="0">
+                <a:solidFill>
+                  <a:schemeClr val="accent4"/>
+                </a:solidFill>
+              </a:rPr>
+              <a:t>K-Means Clusters Word Clouds</a:t>
+            </a:r>
+            <a:endParaRPr sz="2800" dirty="0">
+              <a:solidFill>
+                <a:schemeClr val="lt2"/>
+              </a:solidFill>
+            </a:endParaRPr>
+          </a:p>
+        </p:txBody>
+      </p:sp>
+      <p:pic>
+        <p:nvPicPr>
+          <p:cNvPr id="4" name="Immagine 3" descr="Immagine che contiene testo&#10;&#10;Descrizione generata automaticamente">
+            <a:extLst>
+              <a:ext uri="{FF2B5EF4-FFF2-40B4-BE49-F238E27FC236}">
+                <a16:creationId xmlns:a16="http://schemas.microsoft.com/office/drawing/2014/main" id="{3C8ADF90-85FC-9B50-5AB7-5398631D1304}"/>
+              </a:ext>
+            </a:extLst>
+          </p:cNvPr>
+          <p:cNvPicPr>
+            <a:picLocks noChangeAspect="1"/>
+          </p:cNvPicPr>
+          <p:nvPr/>
+        </p:nvPicPr>
+        <p:blipFill>
+          <a:blip r:embed="rId3"/>
+          <a:stretch>
+            <a:fillRect/>
+          </a:stretch>
+        </p:blipFill>
+        <p:spPr>
+          <a:xfrm>
+            <a:off x="219179" y="893322"/>
+            <a:ext cx="4352823" cy="2258762"/>
+          </a:xfrm>
+          <a:prstGeom prst="rect">
+            <a:avLst/>
+          </a:prstGeom>
+        </p:spPr>
+      </p:pic>
+      <p:pic>
+        <p:nvPicPr>
+          <p:cNvPr id="7" name="Immagine 6" descr="Immagine che contiene testo&#10;&#10;Descrizione generata automaticamente">
+            <a:extLst>
+              <a:ext uri="{FF2B5EF4-FFF2-40B4-BE49-F238E27FC236}">
+                <a16:creationId xmlns:a16="http://schemas.microsoft.com/office/drawing/2014/main" id="{57F4A6B3-6B3E-3189-FE43-57EE0B7CCCDF}"/>
+              </a:ext>
+            </a:extLst>
+          </p:cNvPr>
+          <p:cNvPicPr>
+            <a:picLocks noChangeAspect="1"/>
+          </p:cNvPicPr>
+          <p:nvPr/>
+        </p:nvPicPr>
+        <p:blipFill>
+          <a:blip r:embed="rId4"/>
+          <a:stretch>
+            <a:fillRect/>
+          </a:stretch>
+        </p:blipFill>
+        <p:spPr>
+          <a:xfrm>
+            <a:off x="4572000" y="2634148"/>
+            <a:ext cx="4352821" cy="2258761"/>
+          </a:xfrm>
+          <a:prstGeom prst="rect">
+            <a:avLst/>
+          </a:prstGeom>
+        </p:spPr>
+      </p:pic>
+    </p:spTree>
+    <p:extLst>
+      <p:ext uri="{BB962C8B-B14F-4D97-AF65-F5344CB8AC3E}">
+        <p14:creationId xmlns:p14="http://schemas.microsoft.com/office/powerpoint/2010/main" val="509448624"/>
+      </p:ext>
+    </p:extLst>
+  </p:cSld>
+  <p:clrMapOvr>
+    <a:masterClrMapping/>
+  </p:clrMapOvr>
+</p:sld>
+</file>
+
+<file path=ppt/slides/slide3.xml><?xml version="1.0" encoding="utf-8"?>
+<p:sld xmlns:a="http://schemas.openxmlformats.org/drawingml/2006/main" xmlns:r="http://schemas.openxmlformats.org/officeDocument/2006/relationships" xmlns:p="http://schemas.openxmlformats.org/presentationml/2006/main">
+  <p:cSld>
+    <p:spTree>
+      <p:nvGrpSpPr>
+        <p:cNvPr id="1" name="Shape 1110"/>
+        <p:cNvGrpSpPr/>
+        <p:nvPr/>
+      </p:nvGrpSpPr>
+      <p:grpSpPr>
+        <a:xfrm>
+          <a:off x="0" y="0"/>
+          <a:ext cx="0" cy="0"/>
+          <a:chOff x="0" y="0"/>
+          <a:chExt cx="0" cy="0"/>
+        </a:xfrm>
+      </p:grpSpPr>
+      <p:sp>
+        <p:nvSpPr>
+          <p:cNvPr id="1111" name="Google Shape;1111;p48"/>
+          <p:cNvSpPr txBox="1">
+            <a:spLocks noGrp="1"/>
+          </p:cNvSpPr>
+          <p:nvPr>
+            <p:ph type="title"/>
+          </p:nvPr>
+        </p:nvSpPr>
+        <p:spPr>
+          <a:xfrm>
+            <a:off x="4715875" y="1332162"/>
+            <a:ext cx="3436500" cy="1249200"/>
+          </a:xfrm>
+          <a:prstGeom prst="rect">
+            <a:avLst/>
+          </a:prstGeom>
+        </p:spPr>
+        <p:txBody>
+          <a:bodyPr spcFirstLastPara="1" wrap="square" lIns="91425" tIns="91425" rIns="91425" bIns="91425" anchor="ctr" anchorCtr="0">
+            <a:noAutofit/>
+          </a:bodyPr>
+          <a:lstStyle/>
+          <a:p>
+            <a:pPr marL="0" lvl="0" indent="0" algn="l" rtl="0">
+              <a:spcBef>
+                <a:spcPts val="0"/>
+              </a:spcBef>
+              <a:spcAft>
+                <a:spcPts val="0"/>
+              </a:spcAft>
+              <a:buNone/>
+            </a:pPr>
+            <a:r>
+              <a:rPr lang="en-US" dirty="0">
+                <a:solidFill>
+                  <a:schemeClr val="accent4"/>
+                </a:solidFill>
+              </a:rPr>
+              <a:t>Project details</a:t>
+            </a:r>
+            <a:endParaRPr lang="en-US" dirty="0">
+              <a:solidFill>
+                <a:schemeClr val="lt2"/>
+              </a:solidFill>
+            </a:endParaRPr>
+          </a:p>
+        </p:txBody>
+      </p:sp>
+      <p:sp>
+        <p:nvSpPr>
+          <p:cNvPr id="1112" name="Google Shape;1112;p48"/>
+          <p:cNvSpPr txBox="1">
+            <a:spLocks noGrp="1"/>
+          </p:cNvSpPr>
+          <p:nvPr>
+            <p:ph type="subTitle" idx="1"/>
+          </p:nvPr>
+        </p:nvSpPr>
+        <p:spPr>
+          <a:xfrm>
+            <a:off x="4715875" y="2637600"/>
+            <a:ext cx="3436500" cy="1533900"/>
+          </a:xfrm>
+          <a:prstGeom prst="rect">
+            <a:avLst/>
+          </a:prstGeom>
+        </p:spPr>
+        <p:txBody>
+          <a:bodyPr spcFirstLastPara="1" wrap="square" lIns="91425" tIns="91425" rIns="91425" bIns="91425" anchor="t" anchorCtr="0">
+            <a:noAutofit/>
+          </a:bodyPr>
+          <a:lstStyle/>
+          <a:p>
+            <a:pPr marL="0" lvl="0" indent="0" algn="l" rtl="0">
+              <a:spcBef>
+                <a:spcPts val="0"/>
+              </a:spcBef>
+              <a:spcAft>
+                <a:spcPts val="0"/>
+              </a:spcAft>
+              <a:buNone/>
+            </a:pPr>
+            <a:r>
+              <a:rPr lang="en-US" dirty="0"/>
+              <a:t>The project is divided in two tasks:</a:t>
+            </a:r>
+          </a:p>
+          <a:p>
+            <a:pPr marL="457200" lvl="0" indent="-304800" algn="l" rtl="0">
+              <a:spcBef>
+                <a:spcPts val="1000"/>
+              </a:spcBef>
+              <a:spcAft>
+                <a:spcPts val="0"/>
+              </a:spcAft>
+              <a:buClr>
+                <a:schemeClr val="dk2"/>
+              </a:buClr>
+              <a:buSzPts val="1200"/>
+              <a:buFont typeface="Assistant"/>
+              <a:buChar char="■"/>
+            </a:pPr>
+            <a:r>
+              <a:rPr lang="en-US" sz="1600" dirty="0">
+                <a:uFill>
+                  <a:noFill/>
+                </a:uFill>
+              </a:rPr>
+              <a:t>Text classification</a:t>
+            </a:r>
+            <a:endParaRPr lang="en-US" sz="1600" dirty="0"/>
+          </a:p>
+          <a:p>
+            <a:pPr marL="457200" lvl="0" indent="-304800" algn="l" rtl="0">
+              <a:spcBef>
+                <a:spcPts val="0"/>
+              </a:spcBef>
+              <a:spcAft>
+                <a:spcPts val="0"/>
+              </a:spcAft>
+              <a:buClr>
+                <a:schemeClr val="dk2"/>
+              </a:buClr>
+              <a:buSzPts val="1200"/>
+              <a:buFont typeface="Assistant"/>
+              <a:buChar char="■"/>
+            </a:pPr>
+            <a:r>
+              <a:rPr lang="en-US" sz="1600" dirty="0">
+                <a:uFill>
+                  <a:noFill/>
+                </a:uFill>
+              </a:rPr>
+              <a:t>Text clustering</a:t>
+            </a:r>
+            <a:endParaRPr lang="en-US" dirty="0"/>
+          </a:p>
+          <a:p>
+            <a:pPr marL="0" lvl="0" indent="0" algn="l" rtl="0">
+              <a:spcBef>
+                <a:spcPts val="0"/>
+              </a:spcBef>
+              <a:spcAft>
+                <a:spcPts val="0"/>
+              </a:spcAft>
+              <a:buNone/>
+            </a:pPr>
+            <a:endParaRPr lang="en-US" dirty="0"/>
+          </a:p>
+          <a:p>
+            <a:pPr marL="285750" lvl="0" indent="-285750" algn="l" rtl="0">
+              <a:spcBef>
+                <a:spcPts val="0"/>
+              </a:spcBef>
+              <a:spcAft>
+                <a:spcPts val="0"/>
+              </a:spcAft>
+              <a:buFont typeface="Arial" panose="020B0604020202020204" pitchFamily="34" charset="0"/>
+              <a:buChar char="•"/>
+            </a:pPr>
+            <a:endParaRPr lang="en-US" dirty="0"/>
+          </a:p>
+        </p:txBody>
+      </p:sp>
+      <p:grpSp>
+        <p:nvGrpSpPr>
+          <p:cNvPr id="1113" name="Google Shape;1113;p48"/>
+          <p:cNvGrpSpPr/>
+          <p:nvPr/>
+        </p:nvGrpSpPr>
+        <p:grpSpPr>
+          <a:xfrm>
+            <a:off x="516854" y="902877"/>
+            <a:ext cx="3697846" cy="3337747"/>
+            <a:chOff x="1740732" y="712175"/>
+            <a:chExt cx="4287854" cy="3870300"/>
+          </a:xfrm>
+        </p:grpSpPr>
+        <p:grpSp>
+          <p:nvGrpSpPr>
+            <p:cNvPr id="1114" name="Google Shape;1114;p48"/>
+            <p:cNvGrpSpPr/>
+            <p:nvPr/>
+          </p:nvGrpSpPr>
+          <p:grpSpPr>
+            <a:xfrm>
+              <a:off x="2341558" y="712175"/>
+              <a:ext cx="3381042" cy="3870300"/>
+              <a:chOff x="2341558" y="712175"/>
+              <a:chExt cx="3381042" cy="3870300"/>
+            </a:xfrm>
+          </p:grpSpPr>
+          <p:cxnSp>
+            <p:nvCxnSpPr>
+              <p:cNvPr id="1115" name="Google Shape;1115;p48"/>
+              <p:cNvCxnSpPr/>
+              <p:nvPr/>
+            </p:nvCxnSpPr>
+            <p:spPr>
+              <a:xfrm>
+                <a:off x="2341558" y="712175"/>
+                <a:ext cx="0" cy="3870300"/>
+              </a:xfrm>
+              <a:prstGeom prst="straightConnector1">
+                <a:avLst/>
+              </a:prstGeom>
+              <a:noFill/>
+              <a:ln w="9525" cap="flat" cmpd="sng">
+                <a:solidFill>
+                  <a:schemeClr val="dk2"/>
+                </a:solidFill>
+                <a:prstDash val="solid"/>
+                <a:round/>
+                <a:headEnd type="none" w="med" len="med"/>
+                <a:tailEnd type="none" w="med" len="med"/>
+              </a:ln>
+            </p:spPr>
+          </p:cxnSp>
+          <p:cxnSp>
+            <p:nvCxnSpPr>
+              <p:cNvPr id="1116" name="Google Shape;1116;p48"/>
+              <p:cNvCxnSpPr/>
+              <p:nvPr/>
+            </p:nvCxnSpPr>
+            <p:spPr>
+              <a:xfrm>
+                <a:off x="3017767" y="712175"/>
+                <a:ext cx="0" cy="3870300"/>
+              </a:xfrm>
+              <a:prstGeom prst="straightConnector1">
+                <a:avLst/>
+              </a:prstGeom>
+              <a:noFill/>
+              <a:ln w="9525" cap="flat" cmpd="sng">
+                <a:solidFill>
+                  <a:schemeClr val="dk2"/>
+                </a:solidFill>
+                <a:prstDash val="solid"/>
+                <a:round/>
+                <a:headEnd type="none" w="med" len="med"/>
+                <a:tailEnd type="none" w="med" len="med"/>
+              </a:ln>
+            </p:spPr>
+          </p:cxnSp>
+          <p:cxnSp>
+            <p:nvCxnSpPr>
+              <p:cNvPr id="1117" name="Google Shape;1117;p48"/>
+              <p:cNvCxnSpPr/>
+              <p:nvPr/>
+            </p:nvCxnSpPr>
+            <p:spPr>
+              <a:xfrm>
+                <a:off x="3693975" y="712175"/>
+                <a:ext cx="0" cy="3870300"/>
+              </a:xfrm>
+              <a:prstGeom prst="straightConnector1">
+                <a:avLst/>
+              </a:prstGeom>
+              <a:noFill/>
+              <a:ln w="9525" cap="flat" cmpd="sng">
+                <a:solidFill>
+                  <a:schemeClr val="dk2"/>
+                </a:solidFill>
+                <a:prstDash val="solid"/>
+                <a:round/>
+                <a:headEnd type="none" w="med" len="med"/>
+                <a:tailEnd type="none" w="med" len="med"/>
+              </a:ln>
+            </p:spPr>
+          </p:cxnSp>
+          <p:cxnSp>
+            <p:nvCxnSpPr>
+              <p:cNvPr id="1118" name="Google Shape;1118;p48"/>
+              <p:cNvCxnSpPr/>
+              <p:nvPr/>
+            </p:nvCxnSpPr>
+            <p:spPr>
+              <a:xfrm>
+                <a:off x="4370183" y="712175"/>
+                <a:ext cx="0" cy="3870300"/>
+              </a:xfrm>
+              <a:prstGeom prst="straightConnector1">
+                <a:avLst/>
+              </a:prstGeom>
+              <a:noFill/>
+              <a:ln w="9525" cap="flat" cmpd="sng">
+                <a:solidFill>
+                  <a:schemeClr val="dk2"/>
+                </a:solidFill>
+                <a:prstDash val="solid"/>
+                <a:round/>
+                <a:headEnd type="none" w="med" len="med"/>
+                <a:tailEnd type="none" w="med" len="med"/>
+              </a:ln>
+            </p:spPr>
+          </p:cxnSp>
+          <p:cxnSp>
+            <p:nvCxnSpPr>
+              <p:cNvPr id="1119" name="Google Shape;1119;p48"/>
+              <p:cNvCxnSpPr/>
+              <p:nvPr/>
+            </p:nvCxnSpPr>
+            <p:spPr>
+              <a:xfrm>
+                <a:off x="5046392" y="712175"/>
+                <a:ext cx="0" cy="3870300"/>
+              </a:xfrm>
+              <a:prstGeom prst="straightConnector1">
+                <a:avLst/>
+              </a:prstGeom>
+              <a:noFill/>
+              <a:ln w="9525" cap="flat" cmpd="sng">
+                <a:solidFill>
+                  <a:schemeClr val="dk2"/>
+                </a:solidFill>
+                <a:prstDash val="solid"/>
+                <a:round/>
+                <a:headEnd type="none" w="med" len="med"/>
+                <a:tailEnd type="none" w="med" len="med"/>
+              </a:ln>
+            </p:spPr>
+          </p:cxnSp>
+          <p:cxnSp>
+            <p:nvCxnSpPr>
+              <p:cNvPr id="1120" name="Google Shape;1120;p48"/>
+              <p:cNvCxnSpPr/>
+              <p:nvPr/>
+            </p:nvCxnSpPr>
+            <p:spPr>
+              <a:xfrm>
+                <a:off x="5722600" y="712175"/>
+                <a:ext cx="0" cy="3870300"/>
+              </a:xfrm>
+              <a:prstGeom prst="straightConnector1">
+                <a:avLst/>
+              </a:prstGeom>
+              <a:noFill/>
+              <a:ln w="9525" cap="flat" cmpd="sng">
+                <a:solidFill>
+                  <a:schemeClr val="dk2"/>
+                </a:solidFill>
+                <a:prstDash val="solid"/>
+                <a:round/>
+                <a:headEnd type="none" w="med" len="med"/>
+                <a:tailEnd type="none" w="med" len="med"/>
+              </a:ln>
+            </p:spPr>
+          </p:cxnSp>
+        </p:grpSp>
+        <p:grpSp>
+          <p:nvGrpSpPr>
+            <p:cNvPr id="1121" name="Google Shape;1121;p48"/>
+            <p:cNvGrpSpPr/>
+            <p:nvPr/>
+          </p:nvGrpSpPr>
+          <p:grpSpPr>
+            <a:xfrm rot="5400000">
+              <a:off x="2532242" y="516414"/>
+              <a:ext cx="2704835" cy="4287854"/>
+              <a:chOff x="2341561" y="712175"/>
+              <a:chExt cx="2704835" cy="3535500"/>
+            </a:xfrm>
+          </p:grpSpPr>
+          <p:cxnSp>
+            <p:nvCxnSpPr>
+              <p:cNvPr id="1122" name="Google Shape;1122;p48"/>
+              <p:cNvCxnSpPr/>
+              <p:nvPr/>
+            </p:nvCxnSpPr>
+            <p:spPr>
+              <a:xfrm>
+                <a:off x="2341561" y="712175"/>
+                <a:ext cx="0" cy="3535500"/>
+              </a:xfrm>
+              <a:prstGeom prst="straightConnector1">
+                <a:avLst/>
+              </a:prstGeom>
+              <a:noFill/>
+              <a:ln w="9525" cap="flat" cmpd="sng">
+                <a:solidFill>
+                  <a:schemeClr val="dk2"/>
+                </a:solidFill>
+                <a:prstDash val="solid"/>
+                <a:round/>
+                <a:headEnd type="none" w="med" len="med"/>
+                <a:tailEnd type="none" w="med" len="med"/>
+              </a:ln>
+            </p:spPr>
+          </p:cxnSp>
+          <p:cxnSp>
+            <p:nvCxnSpPr>
+              <p:cNvPr id="1123" name="Google Shape;1123;p48"/>
+              <p:cNvCxnSpPr/>
+              <p:nvPr/>
+            </p:nvCxnSpPr>
+            <p:spPr>
+              <a:xfrm>
+                <a:off x="3017770" y="712175"/>
+                <a:ext cx="0" cy="3535500"/>
+              </a:xfrm>
+              <a:prstGeom prst="straightConnector1">
+                <a:avLst/>
+              </a:prstGeom>
+              <a:noFill/>
+              <a:ln w="9525" cap="flat" cmpd="sng">
+                <a:solidFill>
+                  <a:schemeClr val="dk2"/>
+                </a:solidFill>
+                <a:prstDash val="solid"/>
+                <a:round/>
+                <a:headEnd type="none" w="med" len="med"/>
+                <a:tailEnd type="none" w="med" len="med"/>
+              </a:ln>
+            </p:spPr>
+          </p:cxnSp>
+          <p:cxnSp>
+            <p:nvCxnSpPr>
+              <p:cNvPr id="1124" name="Google Shape;1124;p48"/>
+              <p:cNvCxnSpPr/>
+              <p:nvPr/>
+            </p:nvCxnSpPr>
+            <p:spPr>
+              <a:xfrm>
+                <a:off x="3693979" y="712175"/>
+                <a:ext cx="0" cy="3535500"/>
+              </a:xfrm>
+              <a:prstGeom prst="straightConnector1">
+                <a:avLst/>
+              </a:prstGeom>
+              <a:noFill/>
+              <a:ln w="9525" cap="flat" cmpd="sng">
+                <a:solidFill>
+                  <a:schemeClr val="dk2"/>
+                </a:solidFill>
+                <a:prstDash val="solid"/>
+                <a:round/>
+                <a:headEnd type="none" w="med" len="med"/>
+                <a:tailEnd type="none" w="med" len="med"/>
+              </a:ln>
+            </p:spPr>
+          </p:cxnSp>
+          <p:cxnSp>
+            <p:nvCxnSpPr>
+              <p:cNvPr id="1125" name="Google Shape;1125;p48"/>
+              <p:cNvCxnSpPr/>
+              <p:nvPr/>
+            </p:nvCxnSpPr>
+            <p:spPr>
+              <a:xfrm>
+                <a:off x="4370188" y="712175"/>
+                <a:ext cx="0" cy="3535500"/>
+              </a:xfrm>
+              <a:prstGeom prst="straightConnector1">
+                <a:avLst/>
+              </a:prstGeom>
+              <a:noFill/>
+              <a:ln w="9525" cap="flat" cmpd="sng">
+                <a:solidFill>
+                  <a:schemeClr val="dk2"/>
+                </a:solidFill>
+                <a:prstDash val="solid"/>
+                <a:round/>
+                <a:headEnd type="none" w="med" len="med"/>
+                <a:tailEnd type="none" w="med" len="med"/>
+              </a:ln>
+            </p:spPr>
+          </p:cxnSp>
+          <p:cxnSp>
+            <p:nvCxnSpPr>
+              <p:cNvPr id="1126" name="Google Shape;1126;p48"/>
+              <p:cNvCxnSpPr/>
+              <p:nvPr/>
+            </p:nvCxnSpPr>
+            <p:spPr>
+              <a:xfrm>
+                <a:off x="5046396" y="712175"/>
+                <a:ext cx="0" cy="3535500"/>
+              </a:xfrm>
+              <a:prstGeom prst="straightConnector1">
+                <a:avLst/>
+              </a:prstGeom>
+              <a:noFill/>
+              <a:ln w="9525" cap="flat" cmpd="sng">
+                <a:solidFill>
+                  <a:schemeClr val="dk2"/>
+                </a:solidFill>
+                <a:prstDash val="solid"/>
+                <a:round/>
+                <a:headEnd type="none" w="med" len="med"/>
+                <a:tailEnd type="none" w="med" len="med"/>
+              </a:ln>
+            </p:spPr>
+          </p:cxnSp>
+        </p:grpSp>
+      </p:grpSp>
+      <p:grpSp>
+        <p:nvGrpSpPr>
+          <p:cNvPr id="1127" name="Google Shape;1127;p48"/>
+          <p:cNvGrpSpPr/>
+          <p:nvPr/>
+        </p:nvGrpSpPr>
+        <p:grpSpPr>
+          <a:xfrm>
+            <a:off x="1075024" y="2616028"/>
+            <a:ext cx="1081611" cy="1083828"/>
+            <a:chOff x="1200100" y="2959772"/>
+            <a:chExt cx="791230" cy="792793"/>
+          </a:xfrm>
+        </p:grpSpPr>
+        <p:sp>
+          <p:nvSpPr>
+            <p:cNvPr id="1128" name="Google Shape;1128;p48"/>
+            <p:cNvSpPr/>
+            <p:nvPr/>
+          </p:nvSpPr>
+          <p:spPr>
+            <a:xfrm>
+              <a:off x="1593763" y="2959772"/>
+              <a:ext cx="397566" cy="397542"/>
+            </a:xfrm>
+            <a:custGeom>
+              <a:avLst/>
+              <a:gdLst/>
+              <a:ahLst/>
+              <a:cxnLst/>
+              <a:rect l="l" t="t" r="r" b="b"/>
+              <a:pathLst>
+                <a:path w="9514" h="9514" extrusionOk="0">
+                  <a:moveTo>
+                    <a:pt x="9514" y="0"/>
+                  </a:moveTo>
+                  <a:cubicBezTo>
+                    <a:pt x="4255" y="0"/>
+                    <a:pt x="0" y="4255"/>
+                    <a:pt x="0" y="9514"/>
+                  </a:cubicBezTo>
+                  <a:lnTo>
+                    <a:pt x="9514" y="9514"/>
+                  </a:lnTo>
+                  <a:lnTo>
+                    <a:pt x="9514" y="0"/>
+                  </a:lnTo>
+                  <a:close/>
+                </a:path>
+              </a:pathLst>
+            </a:custGeom>
+            <a:solidFill>
+              <a:schemeClr val="lt2"/>
+            </a:solidFill>
+            <a:ln>
+              <a:noFill/>
+            </a:ln>
+          </p:spPr>
+          <p:txBody>
+            <a:bodyPr spcFirstLastPara="1" wrap="square" lIns="91425" tIns="91425" rIns="91425" bIns="91425" anchor="ctr" anchorCtr="0">
+              <a:noAutofit/>
+            </a:bodyPr>
+            <a:lstStyle/>
+            <a:p>
+              <a:pPr marL="0" lvl="0" indent="0" algn="l" rtl="0">
+                <a:spcBef>
+                  <a:spcPts val="0"/>
+                </a:spcBef>
+                <a:spcAft>
+                  <a:spcPts val="0"/>
+                </a:spcAft>
+                <a:buNone/>
+              </a:pPr>
+              <a:endParaRPr/>
+            </a:p>
+          </p:txBody>
+        </p:sp>
+        <p:sp>
+          <p:nvSpPr>
+            <p:cNvPr id="1129" name="Google Shape;1129;p48"/>
+            <p:cNvSpPr/>
+            <p:nvPr/>
+          </p:nvSpPr>
+          <p:spPr>
+            <a:xfrm>
+              <a:off x="1200100" y="3353686"/>
+              <a:ext cx="398862" cy="398880"/>
+            </a:xfrm>
+            <a:custGeom>
+              <a:avLst/>
+              <a:gdLst/>
+              <a:ahLst/>
+              <a:cxnLst/>
+              <a:rect l="l" t="t" r="r" b="b"/>
+              <a:pathLst>
+                <a:path w="9545" h="9546" extrusionOk="0">
+                  <a:moveTo>
+                    <a:pt x="0" y="1"/>
+                  </a:moveTo>
+                  <a:lnTo>
+                    <a:pt x="0" y="9545"/>
+                  </a:lnTo>
+                  <a:cubicBezTo>
+                    <a:pt x="5289" y="9545"/>
+                    <a:pt x="9545" y="5290"/>
+                    <a:pt x="9545" y="1"/>
+                  </a:cubicBezTo>
+                  <a:close/>
+                </a:path>
+              </a:pathLst>
+            </a:custGeom>
+            <a:gradFill>
+              <a:gsLst>
+                <a:gs pos="0">
+                  <a:schemeClr val="lt2"/>
+                </a:gs>
+                <a:gs pos="100000">
+                  <a:schemeClr val="dk2"/>
+                </a:gs>
+              </a:gsLst>
+              <a:lin ang="5400012" scaled="0"/>
+            </a:gradFill>
+            <a:ln>
+              <a:noFill/>
+            </a:ln>
+          </p:spPr>
+          <p:txBody>
+            <a:bodyPr spcFirstLastPara="1" wrap="square" lIns="91425" tIns="91425" rIns="91425" bIns="91425" anchor="ctr" anchorCtr="0">
+              <a:noAutofit/>
+            </a:bodyPr>
+            <a:lstStyle/>
+            <a:p>
+              <a:pPr marL="0" lvl="0" indent="0" algn="l" rtl="0">
+                <a:spcBef>
+                  <a:spcPts val="0"/>
+                </a:spcBef>
+                <a:spcAft>
+                  <a:spcPts val="0"/>
+                </a:spcAft>
+                <a:buNone/>
+              </a:pPr>
+              <a:endParaRPr/>
+            </a:p>
+          </p:txBody>
+        </p:sp>
+      </p:grpSp>
+      <p:grpSp>
+        <p:nvGrpSpPr>
+          <p:cNvPr id="1130" name="Google Shape;1130;p48"/>
+          <p:cNvGrpSpPr/>
+          <p:nvPr/>
+        </p:nvGrpSpPr>
+        <p:grpSpPr>
+          <a:xfrm>
+            <a:off x="2819375" y="1478162"/>
+            <a:ext cx="1057050" cy="1057800"/>
+            <a:chOff x="2027375" y="1011125"/>
+            <a:chExt cx="1057050" cy="1057800"/>
+          </a:xfrm>
+        </p:grpSpPr>
+        <p:sp>
+          <p:nvSpPr>
+            <p:cNvPr id="1131" name="Google Shape;1131;p48"/>
+            <p:cNvSpPr/>
+            <p:nvPr/>
+          </p:nvSpPr>
+          <p:spPr>
+            <a:xfrm>
+              <a:off x="2027375" y="1011125"/>
+              <a:ext cx="1057050" cy="1057800"/>
+            </a:xfrm>
+            <a:custGeom>
+              <a:avLst/>
+              <a:gdLst/>
+              <a:ahLst/>
+              <a:cxnLst/>
+              <a:rect l="l" t="t" r="r" b="b"/>
+              <a:pathLst>
+                <a:path w="42282" h="42312" extrusionOk="0">
+                  <a:moveTo>
+                    <a:pt x="1" y="1"/>
+                  </a:moveTo>
+                  <a:lnTo>
+                    <a:pt x="1" y="42311"/>
+                  </a:lnTo>
+                  <a:lnTo>
+                    <a:pt x="42281" y="42311"/>
+                  </a:lnTo>
+                  <a:lnTo>
+                    <a:pt x="42281" y="1"/>
+                  </a:lnTo>
+                  <a:close/>
+                </a:path>
+              </a:pathLst>
+            </a:custGeom>
+            <a:gradFill>
+              <a:gsLst>
+                <a:gs pos="0">
+                  <a:schemeClr val="lt2"/>
+                </a:gs>
+                <a:gs pos="73000">
+                  <a:srgbClr val="C9A2C6"/>
+                </a:gs>
+                <a:gs pos="87000">
+                  <a:srgbClr val="9984D1"/>
+                </a:gs>
+                <a:gs pos="100000">
+                  <a:schemeClr val="dk2"/>
+                </a:gs>
+              </a:gsLst>
+              <a:lin ang="5400012" scaled="0"/>
+            </a:gradFill>
+            <a:ln>
+              <a:noFill/>
+            </a:ln>
+          </p:spPr>
+          <p:txBody>
+            <a:bodyPr spcFirstLastPara="1" wrap="square" lIns="91425" tIns="91425" rIns="91425" bIns="91425" anchor="ctr" anchorCtr="0">
+              <a:noAutofit/>
+            </a:bodyPr>
+            <a:lstStyle/>
+            <a:p>
+              <a:pPr marL="0" lvl="0" indent="0" algn="l" rtl="0">
+                <a:spcBef>
+                  <a:spcPts val="0"/>
+                </a:spcBef>
+                <a:spcAft>
+                  <a:spcPts val="0"/>
+                </a:spcAft>
+                <a:buNone/>
+              </a:pPr>
+              <a:endParaRPr/>
+            </a:p>
+          </p:txBody>
+        </p:sp>
+        <p:grpSp>
+          <p:nvGrpSpPr>
+            <p:cNvPr id="1132" name="Google Shape;1132;p48"/>
+            <p:cNvGrpSpPr/>
+            <p:nvPr/>
+          </p:nvGrpSpPr>
+          <p:grpSpPr>
+            <a:xfrm>
+              <a:off x="2170250" y="1172696"/>
+              <a:ext cx="772075" cy="772825"/>
+              <a:chOff x="5119675" y="1446071"/>
+              <a:chExt cx="772075" cy="772825"/>
+            </a:xfrm>
+          </p:grpSpPr>
+          <p:sp>
+            <p:nvSpPr>
+              <p:cNvPr id="1133" name="Google Shape;1133;p48"/>
+              <p:cNvSpPr/>
+              <p:nvPr/>
+            </p:nvSpPr>
+            <p:spPr>
+              <a:xfrm>
+                <a:off x="5505700" y="1446071"/>
+                <a:ext cx="25" cy="772825"/>
+              </a:xfrm>
+              <a:custGeom>
+                <a:avLst/>
+                <a:gdLst/>
+                <a:ahLst/>
+                <a:cxnLst/>
+                <a:rect l="l" t="t" r="r" b="b"/>
+                <a:pathLst>
+                  <a:path w="1" h="30913" fill="none" extrusionOk="0">
+                    <a:moveTo>
+                      <a:pt x="0" y="0"/>
+                    </a:moveTo>
+                    <a:lnTo>
+                      <a:pt x="0" y="30912"/>
+                    </a:lnTo>
+                  </a:path>
+                </a:pathLst>
+              </a:custGeom>
+              <a:noFill/>
+              <a:ln w="19000" cap="flat" cmpd="sng">
+                <a:solidFill>
+                  <a:schemeClr val="dk2"/>
+                </a:solidFill>
+                <a:prstDash val="solid"/>
+                <a:miter lim="30395"/>
+                <a:headEnd type="none" w="sm" len="sm"/>
+                <a:tailEnd type="none" w="sm" len="sm"/>
+              </a:ln>
+            </p:spPr>
+            <p:txBody>
+              <a:bodyPr spcFirstLastPara="1" wrap="square" lIns="91425" tIns="91425" rIns="91425" bIns="91425" anchor="ctr" anchorCtr="0">
+                <a:noAutofit/>
+              </a:bodyPr>
+              <a:lstStyle/>
+              <a:p>
+                <a:pPr marL="0" lvl="0" indent="0" algn="l" rtl="0">
+                  <a:spcBef>
+                    <a:spcPts val="0"/>
+                  </a:spcBef>
+                  <a:spcAft>
+                    <a:spcPts val="0"/>
+                  </a:spcAft>
+                  <a:buNone/>
+                </a:pPr>
+                <a:endParaRPr/>
+              </a:p>
+            </p:txBody>
+          </p:sp>
+          <p:sp>
+            <p:nvSpPr>
+              <p:cNvPr id="1134" name="Google Shape;1134;p48"/>
+              <p:cNvSpPr/>
+              <p:nvPr/>
+            </p:nvSpPr>
+            <p:spPr>
+              <a:xfrm>
+                <a:off x="5232125" y="1559271"/>
+                <a:ext cx="546400" cy="546400"/>
+              </a:xfrm>
+              <a:custGeom>
+                <a:avLst/>
+                <a:gdLst/>
+                <a:ahLst/>
+                <a:cxnLst/>
+                <a:rect l="l" t="t" r="r" b="b"/>
+                <a:pathLst>
+                  <a:path w="21856" h="21856" fill="none" extrusionOk="0">
+                    <a:moveTo>
+                      <a:pt x="21855" y="1"/>
+                    </a:moveTo>
+                    <a:lnTo>
+                      <a:pt x="1" y="21855"/>
+                    </a:lnTo>
+                  </a:path>
+                </a:pathLst>
+              </a:custGeom>
+              <a:noFill/>
+              <a:ln w="19000" cap="flat" cmpd="sng">
+                <a:solidFill>
+                  <a:schemeClr val="dk2"/>
+                </a:solidFill>
+                <a:prstDash val="solid"/>
+                <a:miter lim="30395"/>
+                <a:headEnd type="none" w="sm" len="sm"/>
+                <a:tailEnd type="none" w="sm" len="sm"/>
+              </a:ln>
+            </p:spPr>
+            <p:txBody>
+              <a:bodyPr spcFirstLastPara="1" wrap="square" lIns="91425" tIns="91425" rIns="91425" bIns="91425" anchor="ctr" anchorCtr="0">
+                <a:noAutofit/>
+              </a:bodyPr>
+              <a:lstStyle/>
+              <a:p>
+                <a:pPr marL="0" lvl="0" indent="0" algn="l" rtl="0">
+                  <a:spcBef>
+                    <a:spcPts val="0"/>
+                  </a:spcBef>
+                  <a:spcAft>
+                    <a:spcPts val="0"/>
+                  </a:spcAft>
+                  <a:buNone/>
+                </a:pPr>
+                <a:endParaRPr/>
+              </a:p>
+            </p:txBody>
+          </p:sp>
+          <p:sp>
+            <p:nvSpPr>
+              <p:cNvPr id="1135" name="Google Shape;1135;p48"/>
+              <p:cNvSpPr/>
+              <p:nvPr/>
+            </p:nvSpPr>
+            <p:spPr>
+              <a:xfrm>
+                <a:off x="5119675" y="1832846"/>
+                <a:ext cx="772075" cy="25"/>
+              </a:xfrm>
+              <a:custGeom>
+                <a:avLst/>
+                <a:gdLst/>
+                <a:ahLst/>
+                <a:cxnLst/>
+                <a:rect l="l" t="t" r="r" b="b"/>
+                <a:pathLst>
+                  <a:path w="30883" h="1" fill="none" extrusionOk="0">
+                    <a:moveTo>
+                      <a:pt x="30882" y="0"/>
+                    </a:moveTo>
+                    <a:lnTo>
+                      <a:pt x="0" y="0"/>
+                    </a:lnTo>
+                  </a:path>
+                </a:pathLst>
+              </a:custGeom>
+              <a:noFill/>
+              <a:ln w="19000" cap="flat" cmpd="sng">
+                <a:solidFill>
+                  <a:schemeClr val="dk2"/>
+                </a:solidFill>
+                <a:prstDash val="solid"/>
+                <a:miter lim="30395"/>
+                <a:headEnd type="none" w="sm" len="sm"/>
+                <a:tailEnd type="none" w="sm" len="sm"/>
+              </a:ln>
+            </p:spPr>
+            <p:txBody>
+              <a:bodyPr spcFirstLastPara="1" wrap="square" lIns="91425" tIns="91425" rIns="91425" bIns="91425" anchor="ctr" anchorCtr="0">
+                <a:noAutofit/>
+              </a:bodyPr>
+              <a:lstStyle/>
+              <a:p>
+                <a:pPr marL="0" lvl="0" indent="0" algn="l" rtl="0">
+                  <a:spcBef>
+                    <a:spcPts val="0"/>
+                  </a:spcBef>
+                  <a:spcAft>
+                    <a:spcPts val="0"/>
+                  </a:spcAft>
+                  <a:buNone/>
+                </a:pPr>
+                <a:endParaRPr/>
+              </a:p>
+            </p:txBody>
+          </p:sp>
+          <p:sp>
+            <p:nvSpPr>
+              <p:cNvPr id="1136" name="Google Shape;1136;p48"/>
+              <p:cNvSpPr/>
+              <p:nvPr/>
+            </p:nvSpPr>
+            <p:spPr>
+              <a:xfrm>
+                <a:off x="5232125" y="1559271"/>
+                <a:ext cx="546400" cy="546400"/>
+              </a:xfrm>
+              <a:custGeom>
+                <a:avLst/>
+                <a:gdLst/>
+                <a:ahLst/>
+                <a:cxnLst/>
+                <a:rect l="l" t="t" r="r" b="b"/>
+                <a:pathLst>
+                  <a:path w="21856" h="21856" fill="none" extrusionOk="0">
+                    <a:moveTo>
+                      <a:pt x="21855" y="21855"/>
+                    </a:moveTo>
+                    <a:lnTo>
+                      <a:pt x="1" y="1"/>
+                    </a:lnTo>
+                  </a:path>
+                </a:pathLst>
+              </a:custGeom>
+              <a:noFill/>
+              <a:ln w="19000" cap="flat" cmpd="sng">
+                <a:solidFill>
+                  <a:schemeClr val="dk2"/>
+                </a:solidFill>
+                <a:prstDash val="solid"/>
+                <a:miter lim="30395"/>
+                <a:headEnd type="none" w="sm" len="sm"/>
+                <a:tailEnd type="none" w="sm" len="sm"/>
+              </a:ln>
+            </p:spPr>
+            <p:txBody>
+              <a:bodyPr spcFirstLastPara="1" wrap="square" lIns="91425" tIns="91425" rIns="91425" bIns="91425" anchor="ctr" anchorCtr="0">
+                <a:noAutofit/>
+              </a:bodyPr>
+              <a:lstStyle/>
+              <a:p>
+                <a:pPr marL="0" lvl="0" indent="0" algn="l" rtl="0">
+                  <a:spcBef>
+                    <a:spcPts val="0"/>
+                  </a:spcBef>
+                  <a:spcAft>
+                    <a:spcPts val="0"/>
+                  </a:spcAft>
+                  <a:buNone/>
+                </a:pPr>
+                <a:endParaRPr/>
+              </a:p>
+            </p:txBody>
+          </p:sp>
+          <p:sp>
+            <p:nvSpPr>
+              <p:cNvPr id="1137" name="Google Shape;1137;p48"/>
+              <p:cNvSpPr/>
+              <p:nvPr/>
+            </p:nvSpPr>
+            <p:spPr>
+              <a:xfrm>
+                <a:off x="5364350" y="1472646"/>
+                <a:ext cx="282700" cy="719650"/>
+              </a:xfrm>
+              <a:custGeom>
+                <a:avLst/>
+                <a:gdLst/>
+                <a:ahLst/>
+                <a:cxnLst/>
+                <a:rect l="l" t="t" r="r" b="b"/>
+                <a:pathLst>
+                  <a:path w="11308" h="28786" fill="none" extrusionOk="0">
+                    <a:moveTo>
+                      <a:pt x="11308" y="1"/>
+                    </a:moveTo>
+                    <a:lnTo>
+                      <a:pt x="0" y="28785"/>
+                    </a:lnTo>
+                  </a:path>
+                </a:pathLst>
+              </a:custGeom>
+              <a:noFill/>
+              <a:ln w="19000" cap="flat" cmpd="sng">
+                <a:solidFill>
+                  <a:schemeClr val="dk2"/>
+                </a:solidFill>
+                <a:prstDash val="solid"/>
+                <a:miter lim="30395"/>
+                <a:headEnd type="none" w="sm" len="sm"/>
+                <a:tailEnd type="none" w="sm" len="sm"/>
+              </a:ln>
+            </p:spPr>
+            <p:txBody>
+              <a:bodyPr spcFirstLastPara="1" wrap="square" lIns="91425" tIns="91425" rIns="91425" bIns="91425" anchor="ctr" anchorCtr="0">
+                <a:noAutofit/>
+              </a:bodyPr>
+              <a:lstStyle/>
+              <a:p>
+                <a:pPr marL="0" lvl="0" indent="0" algn="l" rtl="0">
+                  <a:spcBef>
+                    <a:spcPts val="0"/>
+                  </a:spcBef>
+                  <a:spcAft>
+                    <a:spcPts val="0"/>
+                  </a:spcAft>
+                  <a:buNone/>
+                </a:pPr>
+                <a:endParaRPr/>
+              </a:p>
+            </p:txBody>
+          </p:sp>
+          <p:sp>
+            <p:nvSpPr>
+              <p:cNvPr id="1138" name="Google Shape;1138;p48"/>
+              <p:cNvSpPr/>
+              <p:nvPr/>
+            </p:nvSpPr>
+            <p:spPr>
+              <a:xfrm>
+                <a:off x="5151575" y="1677821"/>
+                <a:ext cx="707500" cy="308550"/>
+              </a:xfrm>
+              <a:custGeom>
+                <a:avLst/>
+                <a:gdLst/>
+                <a:ahLst/>
+                <a:cxnLst/>
+                <a:rect l="l" t="t" r="r" b="b"/>
+                <a:pathLst>
+                  <a:path w="28300" h="12342" fill="none" extrusionOk="0">
+                    <a:moveTo>
+                      <a:pt x="28299" y="1"/>
+                    </a:moveTo>
+                    <a:lnTo>
+                      <a:pt x="1" y="12341"/>
+                    </a:lnTo>
+                  </a:path>
+                </a:pathLst>
+              </a:custGeom>
+              <a:noFill/>
+              <a:ln w="19000" cap="flat" cmpd="sng">
+                <a:solidFill>
+                  <a:schemeClr val="dk2"/>
+                </a:solidFill>
+                <a:prstDash val="solid"/>
+                <a:miter lim="30395"/>
+                <a:headEnd type="none" w="sm" len="sm"/>
+                <a:tailEnd type="none" w="sm" len="sm"/>
+              </a:ln>
+            </p:spPr>
+            <p:txBody>
+              <a:bodyPr spcFirstLastPara="1" wrap="square" lIns="91425" tIns="91425" rIns="91425" bIns="91425" anchor="ctr" anchorCtr="0">
+                <a:noAutofit/>
+              </a:bodyPr>
+              <a:lstStyle/>
+              <a:p>
+                <a:pPr marL="0" lvl="0" indent="0" algn="l" rtl="0">
+                  <a:spcBef>
+                    <a:spcPts val="0"/>
+                  </a:spcBef>
+                  <a:spcAft>
+                    <a:spcPts val="0"/>
+                  </a:spcAft>
+                  <a:buNone/>
+                </a:pPr>
+                <a:endParaRPr/>
+              </a:p>
+            </p:txBody>
+          </p:sp>
+          <p:sp>
+            <p:nvSpPr>
+              <p:cNvPr id="1139" name="Google Shape;1139;p48"/>
+              <p:cNvSpPr/>
+              <p:nvPr/>
+            </p:nvSpPr>
+            <p:spPr>
+              <a:xfrm>
+                <a:off x="5146250" y="1691496"/>
+                <a:ext cx="718900" cy="281950"/>
+              </a:xfrm>
+              <a:custGeom>
+                <a:avLst/>
+                <a:gdLst/>
+                <a:ahLst/>
+                <a:cxnLst/>
+                <a:rect l="l" t="t" r="r" b="b"/>
+                <a:pathLst>
+                  <a:path w="28756" h="11278" fill="none" extrusionOk="0">
+                    <a:moveTo>
+                      <a:pt x="28755" y="11278"/>
+                    </a:moveTo>
+                    <a:lnTo>
+                      <a:pt x="1" y="1"/>
+                    </a:lnTo>
+                  </a:path>
+                </a:pathLst>
+              </a:custGeom>
+              <a:noFill/>
+              <a:ln w="19000" cap="flat" cmpd="sng">
+                <a:solidFill>
+                  <a:schemeClr val="dk2"/>
+                </a:solidFill>
+                <a:prstDash val="solid"/>
+                <a:miter lim="30395"/>
+                <a:headEnd type="none" w="sm" len="sm"/>
+                <a:tailEnd type="none" w="sm" len="sm"/>
+              </a:ln>
+            </p:spPr>
+            <p:txBody>
+              <a:bodyPr spcFirstLastPara="1" wrap="square" lIns="91425" tIns="91425" rIns="91425" bIns="91425" anchor="ctr" anchorCtr="0">
+                <a:noAutofit/>
+              </a:bodyPr>
+              <a:lstStyle/>
+              <a:p>
+                <a:pPr marL="0" lvl="0" indent="0" algn="l" rtl="0">
+                  <a:spcBef>
+                    <a:spcPts val="0"/>
+                  </a:spcBef>
+                  <a:spcAft>
+                    <a:spcPts val="0"/>
+                  </a:spcAft>
+                  <a:buNone/>
+                </a:pPr>
+                <a:endParaRPr/>
+              </a:p>
+            </p:txBody>
+          </p:sp>
+          <p:sp>
+            <p:nvSpPr>
+              <p:cNvPr id="1140" name="Google Shape;1140;p48"/>
+              <p:cNvSpPr/>
+              <p:nvPr/>
+            </p:nvSpPr>
+            <p:spPr>
+              <a:xfrm>
+                <a:off x="5351425" y="1478746"/>
+                <a:ext cx="309300" cy="707475"/>
+              </a:xfrm>
+              <a:custGeom>
+                <a:avLst/>
+                <a:gdLst/>
+                <a:ahLst/>
+                <a:cxnLst/>
+                <a:rect l="l" t="t" r="r" b="b"/>
+                <a:pathLst>
+                  <a:path w="12372" h="28299" fill="none" extrusionOk="0">
+                    <a:moveTo>
+                      <a:pt x="12372" y="28298"/>
+                    </a:moveTo>
+                    <a:lnTo>
+                      <a:pt x="1" y="0"/>
+                    </a:lnTo>
+                  </a:path>
+                </a:pathLst>
+              </a:custGeom>
+              <a:noFill/>
+              <a:ln w="19000" cap="flat" cmpd="sng">
+                <a:solidFill>
+                  <a:schemeClr val="dk2"/>
+                </a:solidFill>
+                <a:prstDash val="solid"/>
+                <a:miter lim="30395"/>
+                <a:headEnd type="none" w="sm" len="sm"/>
+                <a:tailEnd type="none" w="sm" len="sm"/>
+              </a:ln>
+            </p:spPr>
+            <p:txBody>
+              <a:bodyPr spcFirstLastPara="1" wrap="square" lIns="91425" tIns="91425" rIns="91425" bIns="91425" anchor="ctr" anchorCtr="0">
+                <a:noAutofit/>
+              </a:bodyPr>
+              <a:lstStyle/>
+              <a:p>
+                <a:pPr marL="0" lvl="0" indent="0" algn="l" rtl="0">
+                  <a:spcBef>
+                    <a:spcPts val="0"/>
+                  </a:spcBef>
+                  <a:spcAft>
+                    <a:spcPts val="0"/>
+                  </a:spcAft>
+                  <a:buNone/>
+                </a:pPr>
+                <a:endParaRPr/>
+              </a:p>
+            </p:txBody>
+          </p:sp>
+        </p:grpSp>
+      </p:grpSp>
+    </p:spTree>
+  </p:cSld>
+  <p:clrMapOvr>
+    <a:masterClrMapping/>
+  </p:clrMapOvr>
+</p:sld>
+</file>
+
+<file path=ppt/slides/slide30.xml><?xml version="1.0" encoding="utf-8"?>
+<p:sld xmlns:a="http://schemas.openxmlformats.org/drawingml/2006/main" xmlns:r="http://schemas.openxmlformats.org/officeDocument/2006/relationships" xmlns:p="http://schemas.openxmlformats.org/presentationml/2006/main">
+  <p:cSld>
+    <p:spTree>
+      <p:nvGrpSpPr>
+        <p:cNvPr id="1" name="Shape 2769"/>
+        <p:cNvGrpSpPr/>
+        <p:nvPr/>
+      </p:nvGrpSpPr>
+      <p:grpSpPr>
+        <a:xfrm>
+          <a:off x="0" y="0"/>
+          <a:ext cx="0" cy="0"/>
+          <a:chOff x="0" y="0"/>
+          <a:chExt cx="0" cy="0"/>
+        </a:xfrm>
+      </p:grpSpPr>
+      <p:sp>
+        <p:nvSpPr>
+          <p:cNvPr id="2784" name="Google Shape;2784;p96"/>
+          <p:cNvSpPr txBox="1">
+            <a:spLocks noGrp="1"/>
+          </p:cNvSpPr>
+          <p:nvPr>
+            <p:ph type="title" idx="4294967295"/>
+          </p:nvPr>
+        </p:nvSpPr>
+        <p:spPr>
+          <a:xfrm>
+            <a:off x="720000" y="538422"/>
+            <a:ext cx="7704000" cy="572700"/>
+          </a:xfrm>
+          <a:prstGeom prst="rect">
+            <a:avLst/>
+          </a:prstGeom>
+        </p:spPr>
+        <p:txBody>
+          <a:bodyPr spcFirstLastPara="1" wrap="square" lIns="91425" tIns="91425" rIns="91425" bIns="91425" anchor="ctr" anchorCtr="0">
+            <a:noAutofit/>
+          </a:bodyPr>
+          <a:lstStyle/>
+          <a:p>
+            <a:pPr marL="0" lvl="0" indent="0" algn="l" rtl="0">
+              <a:spcBef>
+                <a:spcPts val="0"/>
+              </a:spcBef>
+              <a:spcAft>
+                <a:spcPts val="0"/>
+              </a:spcAft>
+              <a:buNone/>
+            </a:pPr>
+            <a:r>
+              <a:rPr lang="en"/>
+              <a:t>ALTERNATIVE</a:t>
+            </a:r>
+            <a:endParaRPr/>
+          </a:p>
+        </p:txBody>
+      </p:sp>
+      <p:sp>
+        <p:nvSpPr>
+          <p:cNvPr id="2785" name="Google Shape;2785;p96"/>
+          <p:cNvSpPr txBox="1">
+            <a:spLocks noGrp="1"/>
+          </p:cNvSpPr>
+          <p:nvPr>
+            <p:ph type="body" idx="1"/>
+          </p:nvPr>
+        </p:nvSpPr>
+        <p:spPr>
+          <a:xfrm>
+            <a:off x="726900" y="1259226"/>
+            <a:ext cx="7272112" cy="951238"/>
+          </a:xfrm>
+          <a:prstGeom prst="rect">
+            <a:avLst/>
+          </a:prstGeom>
+        </p:spPr>
+        <p:txBody>
+          <a:bodyPr spcFirstLastPara="1" wrap="square" lIns="91425" tIns="91425" rIns="91425" bIns="91425" anchor="t" anchorCtr="0">
+            <a:noAutofit/>
+          </a:bodyPr>
+          <a:lstStyle/>
+          <a:p>
+            <a:pPr marL="0" lvl="0" indent="0" algn="l" rtl="0">
+              <a:spcBef>
+                <a:spcPts val="0"/>
+              </a:spcBef>
+              <a:spcAft>
+                <a:spcPts val="0"/>
+              </a:spcAft>
+              <a:buNone/>
+            </a:pPr>
+            <a:r>
+              <a:rPr lang="en-US" dirty="0"/>
+              <a:t>As we can see from the average silhouette measure, the algorithm that performs “better” is the DBSCAN, even though only 300 reviews out of 50000 are assigned to a cluster. In the other hand the k-means algorithm have a lower average silhouette but all the reviews are assigned to a cluster.</a:t>
+            </a:r>
+          </a:p>
+        </p:txBody>
+      </p:sp>
+      <p:sp>
+        <p:nvSpPr>
+          <p:cNvPr id="2786" name="Google Shape;2786;p96"/>
+          <p:cNvSpPr txBox="1">
+            <a:spLocks noGrp="1"/>
+          </p:cNvSpPr>
+          <p:nvPr>
+            <p:ph type="title"/>
+          </p:nvPr>
+        </p:nvSpPr>
+        <p:spPr>
+          <a:xfrm>
+            <a:off x="720000" y="538422"/>
+            <a:ext cx="7704000" cy="572700"/>
+          </a:xfrm>
+          <a:prstGeom prst="rect">
+            <a:avLst/>
+          </a:prstGeom>
+        </p:spPr>
+        <p:txBody>
+          <a:bodyPr spcFirstLastPara="1" wrap="square" lIns="91425" tIns="91425" rIns="91425" bIns="91425" anchor="t" anchorCtr="0">
+            <a:noAutofit/>
+          </a:bodyPr>
+          <a:lstStyle/>
+          <a:p>
+            <a:pPr marL="0" lvl="0" indent="0" algn="l" rtl="0">
+              <a:spcBef>
+                <a:spcPts val="0"/>
+              </a:spcBef>
+              <a:spcAft>
+                <a:spcPts val="0"/>
+              </a:spcAft>
+              <a:buNone/>
+            </a:pPr>
+            <a:r>
+              <a:rPr lang="en" sz="2800" dirty="0">
+                <a:solidFill>
+                  <a:schemeClr val="accent4"/>
+                </a:solidFill>
+              </a:rPr>
+              <a:t>CONCLUSIONI CLUSTERING</a:t>
+            </a:r>
+            <a:endParaRPr sz="2800" dirty="0">
+              <a:solidFill>
+                <a:schemeClr val="lt2"/>
+              </a:solidFill>
+            </a:endParaRPr>
+          </a:p>
+        </p:txBody>
+      </p:sp>
+    </p:spTree>
+    <p:extLst>
+      <p:ext uri="{BB962C8B-B14F-4D97-AF65-F5344CB8AC3E}">
+        <p14:creationId xmlns:p14="http://schemas.microsoft.com/office/powerpoint/2010/main" val="3897531110"/>
+      </p:ext>
+    </p:extLst>
+  </p:cSld>
+  <p:clrMapOvr>
+    <a:masterClrMapping/>
+  </p:clrMapOvr>
+</p:sld>
+</file>
+
+<file path=ppt/slides/slide31.xml><?xml version="1.0" encoding="utf-8"?>
+<p:sld xmlns:a="http://schemas.openxmlformats.org/drawingml/2006/main" xmlns:r="http://schemas.openxmlformats.org/officeDocument/2006/relationships" xmlns:p="http://schemas.openxmlformats.org/presentationml/2006/main">
+  <p:cSld>
+    <p:spTree>
+      <p:nvGrpSpPr>
+        <p:cNvPr id="1" name="Shape 2769"/>
+        <p:cNvGrpSpPr/>
+        <p:nvPr/>
+      </p:nvGrpSpPr>
+      <p:grpSpPr>
+        <a:xfrm>
+          <a:off x="0" y="0"/>
+          <a:ext cx="0" cy="0"/>
+          <a:chOff x="0" y="0"/>
+          <a:chExt cx="0" cy="0"/>
+        </a:xfrm>
+      </p:grpSpPr>
+      <p:sp>
+        <p:nvSpPr>
+          <p:cNvPr id="2784" name="Google Shape;2784;p96"/>
+          <p:cNvSpPr txBox="1">
+            <a:spLocks noGrp="1"/>
+          </p:cNvSpPr>
+          <p:nvPr>
+            <p:ph type="title" idx="4294967295"/>
+          </p:nvPr>
+        </p:nvSpPr>
+        <p:spPr>
+          <a:xfrm>
+            <a:off x="720000" y="538422"/>
+            <a:ext cx="7704000" cy="572700"/>
+          </a:xfrm>
+          <a:prstGeom prst="rect">
+            <a:avLst/>
+          </a:prstGeom>
+        </p:spPr>
+        <p:txBody>
+          <a:bodyPr spcFirstLastPara="1" wrap="square" lIns="91425" tIns="91425" rIns="91425" bIns="91425" anchor="ctr" anchorCtr="0">
+            <a:noAutofit/>
+          </a:bodyPr>
+          <a:lstStyle/>
+          <a:p>
+            <a:pPr marL="0" lvl="0" indent="0" algn="l" rtl="0">
+              <a:spcBef>
+                <a:spcPts val="0"/>
+              </a:spcBef>
+              <a:spcAft>
+                <a:spcPts val="0"/>
+              </a:spcAft>
+              <a:buNone/>
+            </a:pPr>
+            <a:r>
+              <a:rPr lang="en"/>
+              <a:t>ALTERNATIVE</a:t>
+            </a:r>
+            <a:endParaRPr/>
+          </a:p>
+        </p:txBody>
+      </p:sp>
+      <p:sp>
+        <p:nvSpPr>
+          <p:cNvPr id="2785" name="Google Shape;2785;p96"/>
+          <p:cNvSpPr txBox="1">
+            <a:spLocks noGrp="1"/>
+          </p:cNvSpPr>
+          <p:nvPr>
+            <p:ph type="body" idx="1"/>
+          </p:nvPr>
+        </p:nvSpPr>
+        <p:spPr>
+          <a:xfrm>
+            <a:off x="726900" y="1259226"/>
+            <a:ext cx="7272112" cy="951238"/>
+          </a:xfrm>
+          <a:prstGeom prst="rect">
+            <a:avLst/>
+          </a:prstGeom>
+        </p:spPr>
+        <p:txBody>
+          <a:bodyPr spcFirstLastPara="1" wrap="square" lIns="91425" tIns="91425" rIns="91425" bIns="91425" anchor="t" anchorCtr="0">
+            <a:noAutofit/>
+          </a:bodyPr>
+          <a:lstStyle/>
+          <a:p>
+            <a:pPr marL="0" lvl="0" indent="0" algn="l" rtl="0">
+              <a:spcBef>
+                <a:spcPts val="0"/>
+              </a:spcBef>
+              <a:spcAft>
+                <a:spcPts val="0"/>
+              </a:spcAft>
+              <a:buNone/>
+            </a:pPr>
+            <a:r>
+              <a:rPr lang="en-US" dirty="0"/>
+              <a:t>We are very satisfied with the classification task; all the classifiers achieved good values of accuracy.</a:t>
+            </a:r>
+          </a:p>
+          <a:p>
+            <a:pPr marL="0" lvl="0" indent="0" algn="l" rtl="0">
+              <a:spcBef>
+                <a:spcPts val="0"/>
+              </a:spcBef>
+              <a:spcAft>
+                <a:spcPts val="0"/>
+              </a:spcAft>
+              <a:buNone/>
+            </a:pPr>
+            <a:endParaRPr lang="en-US" dirty="0"/>
+          </a:p>
+          <a:p>
+            <a:pPr marL="0" lvl="0" indent="0" algn="l" rtl="0">
+              <a:spcBef>
+                <a:spcPts val="0"/>
+              </a:spcBef>
+              <a:spcAft>
+                <a:spcPts val="0"/>
+              </a:spcAft>
+              <a:buNone/>
+            </a:pPr>
+            <a:r>
+              <a:rPr lang="en-US" dirty="0"/>
+              <a:t>The clustering task the results, measured with the average silhouette measure, are not too high, maybe an improvement could be made for the text representation, for example using embeddings like </a:t>
+            </a:r>
+            <a:r>
+              <a:rPr lang="en-US" dirty="0" err="1"/>
+              <a:t>GloVe</a:t>
+            </a:r>
+            <a:r>
+              <a:rPr lang="en-US" dirty="0"/>
+              <a:t> or word2vec.</a:t>
+            </a:r>
+          </a:p>
+        </p:txBody>
+      </p:sp>
+      <p:sp>
+        <p:nvSpPr>
+          <p:cNvPr id="2786" name="Google Shape;2786;p96"/>
+          <p:cNvSpPr txBox="1">
+            <a:spLocks noGrp="1"/>
+          </p:cNvSpPr>
+          <p:nvPr>
+            <p:ph type="title"/>
+          </p:nvPr>
+        </p:nvSpPr>
+        <p:spPr>
+          <a:xfrm>
+            <a:off x="720000" y="538422"/>
+            <a:ext cx="7704000" cy="572700"/>
+          </a:xfrm>
+          <a:prstGeom prst="rect">
+            <a:avLst/>
+          </a:prstGeom>
+        </p:spPr>
+        <p:txBody>
+          <a:bodyPr spcFirstLastPara="1" wrap="square" lIns="91425" tIns="91425" rIns="91425" bIns="91425" anchor="t" anchorCtr="0">
+            <a:noAutofit/>
+          </a:bodyPr>
+          <a:lstStyle/>
+          <a:p>
+            <a:pPr marL="0" lvl="0" indent="0" algn="l" rtl="0">
+              <a:spcBef>
+                <a:spcPts val="0"/>
+              </a:spcBef>
+              <a:spcAft>
+                <a:spcPts val="0"/>
+              </a:spcAft>
+              <a:buNone/>
+            </a:pPr>
+            <a:r>
+              <a:rPr lang="it-IT" sz="2800" dirty="0">
+                <a:solidFill>
+                  <a:schemeClr val="lt2"/>
+                </a:solidFill>
+              </a:rPr>
+              <a:t>CONCLUSIONS</a:t>
+            </a:r>
+            <a:endParaRPr sz="2800" dirty="0">
+              <a:solidFill>
+                <a:schemeClr val="lt2"/>
+              </a:solidFill>
+            </a:endParaRPr>
+          </a:p>
+        </p:txBody>
+      </p:sp>
+    </p:spTree>
+    <p:extLst>
+      <p:ext uri="{BB962C8B-B14F-4D97-AF65-F5344CB8AC3E}">
+        <p14:creationId xmlns:p14="http://schemas.microsoft.com/office/powerpoint/2010/main" val="769498558"/>
+      </p:ext>
+    </p:extLst>
+  </p:cSld>
+  <p:clrMapOvr>
+    <a:masterClrMapping/>
+  </p:clrMapOvr>
+</p:sld>
+</file>
+
+<file path=ppt/slides/slide32.xml><?xml version="1.0" encoding="utf-8"?>
 <p:sld xmlns:a="http://schemas.openxmlformats.org/drawingml/2006/main" xmlns:r="http://schemas.openxmlformats.org/officeDocument/2006/relationships" xmlns:p="http://schemas.openxmlformats.org/presentationml/2006/main">
   <p:cSld>
     <p:spTree>
@@ -45265,180 +48681,6 @@
           <a:chExt cx="0" cy="0"/>
         </a:xfrm>
       </p:grpSpPr>
-      <p:sp>
-        <p:nvSpPr>
-          <p:cNvPr id="2719" name="Google Shape;2719;p95"/>
-          <p:cNvSpPr txBox="1">
-            <a:spLocks noGrp="1"/>
-          </p:cNvSpPr>
-          <p:nvPr>
-            <p:ph type="subTitle" idx="1"/>
-          </p:nvPr>
-        </p:nvSpPr>
-        <p:spPr>
-          <a:xfrm>
-            <a:off x="731475" y="1983425"/>
-            <a:ext cx="3473700" cy="1317000"/>
-          </a:xfrm>
-          <a:prstGeom prst="rect">
-            <a:avLst/>
-          </a:prstGeom>
-        </p:spPr>
-        <p:txBody>
-          <a:bodyPr spcFirstLastPara="1" wrap="square" lIns="91425" tIns="91425" rIns="91425" bIns="91425" anchor="t" anchorCtr="0">
-            <a:noAutofit/>
-          </a:bodyPr>
-          <a:lstStyle/>
-          <a:p>
-            <a:pPr marL="0" lvl="0" indent="0" algn="l" rtl="0">
-              <a:spcBef>
-                <a:spcPts val="0"/>
-              </a:spcBef>
-              <a:spcAft>
-                <a:spcPts val="0"/>
-              </a:spcAft>
-              <a:buNone/>
-            </a:pPr>
-            <a:r>
-              <a:rPr lang="en">
-                <a:solidFill>
-                  <a:schemeClr val="lt1"/>
-                </a:solidFill>
-              </a:rPr>
-              <a:t>Do you have any questions?</a:t>
-            </a:r>
-            <a:endParaRPr>
-              <a:solidFill>
-                <a:schemeClr val="lt1"/>
-              </a:solidFill>
-            </a:endParaRPr>
-          </a:p>
-          <a:p>
-            <a:pPr marL="0" lvl="0" indent="0" algn="l" rtl="0">
-              <a:spcBef>
-                <a:spcPts val="0"/>
-              </a:spcBef>
-              <a:spcAft>
-                <a:spcPts val="0"/>
-              </a:spcAft>
-              <a:buClr>
-                <a:schemeClr val="lt1"/>
-              </a:buClr>
-              <a:buSzPts val="1100"/>
-              <a:buFont typeface="Arial"/>
-              <a:buNone/>
-            </a:pPr>
-            <a:r>
-              <a:rPr lang="en">
-                <a:solidFill>
-                  <a:schemeClr val="lt1"/>
-                </a:solidFill>
-              </a:rPr>
-              <a:t>youremail@freepik.com </a:t>
-            </a:r>
-            <a:endParaRPr>
-              <a:solidFill>
-                <a:schemeClr val="lt1"/>
-              </a:solidFill>
-            </a:endParaRPr>
-          </a:p>
-          <a:p>
-            <a:pPr marL="0" lvl="0" indent="0" algn="l" rtl="0">
-              <a:spcBef>
-                <a:spcPts val="0"/>
-              </a:spcBef>
-              <a:spcAft>
-                <a:spcPts val="0"/>
-              </a:spcAft>
-              <a:buClr>
-                <a:schemeClr val="lt1"/>
-              </a:buClr>
-              <a:buSzPts val="1100"/>
-              <a:buFont typeface="Arial"/>
-              <a:buNone/>
-            </a:pPr>
-            <a:r>
-              <a:rPr lang="en">
-                <a:solidFill>
-                  <a:schemeClr val="lt1"/>
-                </a:solidFill>
-              </a:rPr>
-              <a:t>+91  620 421 838 </a:t>
-            </a:r>
-            <a:endParaRPr>
-              <a:solidFill>
-                <a:schemeClr val="lt1"/>
-              </a:solidFill>
-            </a:endParaRPr>
-          </a:p>
-          <a:p>
-            <a:pPr marL="0" lvl="0" indent="0" algn="l" rtl="0">
-              <a:spcBef>
-                <a:spcPts val="0"/>
-              </a:spcBef>
-              <a:spcAft>
-                <a:spcPts val="0"/>
-              </a:spcAft>
-              <a:buNone/>
-            </a:pPr>
-            <a:r>
-              <a:rPr lang="en">
-                <a:solidFill>
-                  <a:schemeClr val="lt1"/>
-                </a:solidFill>
-              </a:rPr>
-              <a:t>yourcompany.com</a:t>
-            </a:r>
-            <a:endParaRPr>
-              <a:solidFill>
-                <a:schemeClr val="lt1"/>
-              </a:solidFill>
-            </a:endParaRPr>
-          </a:p>
-        </p:txBody>
-      </p:sp>
-      <p:sp>
-        <p:nvSpPr>
-          <p:cNvPr id="2720" name="Google Shape;2720;p95"/>
-          <p:cNvSpPr txBox="1">
-            <a:spLocks noGrp="1"/>
-          </p:cNvSpPr>
-          <p:nvPr>
-            <p:ph type="subTitle" idx="2"/>
-          </p:nvPr>
-        </p:nvSpPr>
-        <p:spPr>
-          <a:xfrm>
-            <a:off x="827549" y="3942925"/>
-            <a:ext cx="3377400" cy="292800"/>
-          </a:xfrm>
-          <a:prstGeom prst="rect">
-            <a:avLst/>
-          </a:prstGeom>
-        </p:spPr>
-        <p:txBody>
-          <a:bodyPr spcFirstLastPara="1" wrap="square" lIns="91425" tIns="91425" rIns="91425" bIns="91425" anchor="ctr" anchorCtr="0">
-            <a:noAutofit/>
-          </a:bodyPr>
-          <a:lstStyle/>
-          <a:p>
-            <a:pPr marL="0" lvl="0" indent="0" algn="l" rtl="0">
-              <a:spcBef>
-                <a:spcPts val="0"/>
-              </a:spcBef>
-              <a:spcAft>
-                <a:spcPts val="0"/>
-              </a:spcAft>
-              <a:buNone/>
-            </a:pPr>
-            <a:r>
-              <a:rPr lang="en"/>
-              <a:t>Please keep this slide for attribution</a:t>
-            </a:r>
-            <a:endParaRPr/>
-          </a:p>
-        </p:txBody>
-      </p:sp>
       <p:sp>
         <p:nvSpPr>
           <p:cNvPr id="2721" name="Google Shape;2721;p95"/>
@@ -45493,3024 +48735,6 @@
               <a:solidFill>
                 <a:schemeClr val="lt2"/>
               </a:solidFill>
-            </a:endParaRPr>
-          </a:p>
-        </p:txBody>
-      </p:sp>
-      <p:grpSp>
-        <p:nvGrpSpPr>
-          <p:cNvPr id="2722" name="Google Shape;2722;p95"/>
-          <p:cNvGrpSpPr/>
-          <p:nvPr/>
-        </p:nvGrpSpPr>
-        <p:grpSpPr>
-          <a:xfrm>
-            <a:off x="832200" y="3301425"/>
-            <a:ext cx="426000" cy="426000"/>
-            <a:chOff x="832200" y="3301425"/>
-            <a:chExt cx="426000" cy="426000"/>
-          </a:xfrm>
-        </p:grpSpPr>
-        <p:sp>
-          <p:nvSpPr>
-            <p:cNvPr id="2723" name="Google Shape;2723;p95"/>
-            <p:cNvSpPr/>
-            <p:nvPr/>
-          </p:nvSpPr>
-          <p:spPr>
-            <a:xfrm>
-              <a:off x="832200" y="3301425"/>
-              <a:ext cx="426000" cy="426000"/>
-            </a:xfrm>
-            <a:prstGeom prst="rect">
-              <a:avLst/>
-            </a:prstGeom>
-            <a:gradFill>
-              <a:gsLst>
-                <a:gs pos="0">
-                  <a:schemeClr val="lt2"/>
-                </a:gs>
-                <a:gs pos="73000">
-                  <a:srgbClr val="C9A2C6"/>
-                </a:gs>
-                <a:gs pos="100000">
-                  <a:srgbClr val="9984D1"/>
-                </a:gs>
-                <a:gs pos="100000">
-                  <a:schemeClr val="dk2"/>
-                </a:gs>
-              </a:gsLst>
-              <a:lin ang="5400700" scaled="0"/>
-            </a:gradFill>
-            <a:ln>
-              <a:noFill/>
-            </a:ln>
-          </p:spPr>
-          <p:txBody>
-            <a:bodyPr spcFirstLastPara="1" wrap="square" lIns="91425" tIns="91425" rIns="91425" bIns="91425" anchor="ctr" anchorCtr="0">
-              <a:noAutofit/>
-            </a:bodyPr>
-            <a:lstStyle/>
-            <a:p>
-              <a:pPr marL="0" lvl="0" indent="0" algn="l" rtl="0">
-                <a:spcBef>
-                  <a:spcPts val="0"/>
-                </a:spcBef>
-                <a:spcAft>
-                  <a:spcPts val="0"/>
-                </a:spcAft>
-                <a:buNone/>
-              </a:pPr>
-              <a:endParaRPr/>
-            </a:p>
-          </p:txBody>
-        </p:sp>
-        <p:sp>
-          <p:nvSpPr>
-            <p:cNvPr id="2724" name="Google Shape;2724;p95"/>
-            <p:cNvSpPr/>
-            <p:nvPr/>
-          </p:nvSpPr>
-          <p:spPr>
-            <a:xfrm>
-              <a:off x="872363" y="3341327"/>
-              <a:ext cx="345674" cy="346056"/>
-            </a:xfrm>
-            <a:custGeom>
-              <a:avLst/>
-              <a:gdLst/>
-              <a:ahLst/>
-              <a:cxnLst/>
-              <a:rect l="l" t="t" r="r" b="b"/>
-              <a:pathLst>
-                <a:path w="10860" h="10872" extrusionOk="0">
-                  <a:moveTo>
-                    <a:pt x="5430" y="1"/>
-                  </a:moveTo>
-                  <a:cubicBezTo>
-                    <a:pt x="3990" y="1"/>
-                    <a:pt x="2608" y="560"/>
-                    <a:pt x="1596" y="1584"/>
-                  </a:cubicBezTo>
-                  <a:cubicBezTo>
-                    <a:pt x="561" y="2620"/>
-                    <a:pt x="1" y="3989"/>
-                    <a:pt x="1" y="5430"/>
-                  </a:cubicBezTo>
-                  <a:cubicBezTo>
-                    <a:pt x="1" y="6561"/>
-                    <a:pt x="346" y="7645"/>
-                    <a:pt x="1001" y="8573"/>
-                  </a:cubicBezTo>
-                  <a:cubicBezTo>
-                    <a:pt x="1632" y="9466"/>
-                    <a:pt x="2513" y="10145"/>
-                    <a:pt x="3537" y="10538"/>
-                  </a:cubicBezTo>
-                  <a:cubicBezTo>
-                    <a:pt x="3559" y="10544"/>
-                    <a:pt x="3579" y="10547"/>
-                    <a:pt x="3599" y="10547"/>
-                  </a:cubicBezTo>
-                  <a:cubicBezTo>
-                    <a:pt x="3656" y="10547"/>
-                    <a:pt x="3704" y="10522"/>
-                    <a:pt x="3740" y="10478"/>
-                  </a:cubicBezTo>
-                  <a:cubicBezTo>
-                    <a:pt x="3763" y="10443"/>
-                    <a:pt x="3763" y="10395"/>
-                    <a:pt x="3763" y="10371"/>
-                  </a:cubicBezTo>
-                  <a:lnTo>
-                    <a:pt x="3763" y="7275"/>
-                  </a:lnTo>
-                  <a:cubicBezTo>
-                    <a:pt x="3763" y="7180"/>
-                    <a:pt x="3692" y="7097"/>
-                    <a:pt x="3585" y="7097"/>
-                  </a:cubicBezTo>
-                  <a:lnTo>
-                    <a:pt x="2156" y="7097"/>
-                  </a:lnTo>
-                  <a:lnTo>
-                    <a:pt x="2156" y="5835"/>
-                  </a:lnTo>
-                  <a:lnTo>
-                    <a:pt x="3585" y="5835"/>
-                  </a:lnTo>
-                  <a:cubicBezTo>
-                    <a:pt x="3680" y="5835"/>
-                    <a:pt x="3763" y="5751"/>
-                    <a:pt x="3763" y="5656"/>
-                  </a:cubicBezTo>
-                  <a:lnTo>
-                    <a:pt x="3763" y="5430"/>
-                  </a:lnTo>
-                  <a:cubicBezTo>
-                    <a:pt x="3763" y="3942"/>
-                    <a:pt x="5180" y="2632"/>
-                    <a:pt x="6799" y="2632"/>
-                  </a:cubicBezTo>
-                  <a:lnTo>
-                    <a:pt x="7550" y="2632"/>
-                  </a:lnTo>
-                  <a:lnTo>
-                    <a:pt x="7550" y="3894"/>
-                  </a:lnTo>
-                  <a:lnTo>
-                    <a:pt x="6799" y="3894"/>
-                  </a:lnTo>
-                  <a:cubicBezTo>
-                    <a:pt x="6311" y="3894"/>
-                    <a:pt x="5883" y="4025"/>
-                    <a:pt x="5561" y="4287"/>
-                  </a:cubicBezTo>
-                  <a:cubicBezTo>
-                    <a:pt x="5228" y="4561"/>
-                    <a:pt x="5025" y="4966"/>
-                    <a:pt x="5025" y="5430"/>
-                  </a:cubicBezTo>
-                  <a:lnTo>
-                    <a:pt x="5025" y="5656"/>
-                  </a:lnTo>
-                  <a:cubicBezTo>
-                    <a:pt x="5025" y="5740"/>
-                    <a:pt x="5109" y="5835"/>
-                    <a:pt x="5204" y="5835"/>
-                  </a:cubicBezTo>
-                  <a:lnTo>
-                    <a:pt x="5883" y="5835"/>
-                  </a:lnTo>
-                  <a:cubicBezTo>
-                    <a:pt x="5966" y="5835"/>
-                    <a:pt x="6061" y="5751"/>
-                    <a:pt x="6061" y="5656"/>
-                  </a:cubicBezTo>
-                  <a:cubicBezTo>
-                    <a:pt x="6061" y="5561"/>
-                    <a:pt x="5978" y="5478"/>
-                    <a:pt x="5883" y="5478"/>
-                  </a:cubicBezTo>
-                  <a:lnTo>
-                    <a:pt x="5371" y="5478"/>
-                  </a:lnTo>
-                  <a:lnTo>
-                    <a:pt x="5371" y="5418"/>
-                  </a:lnTo>
-                  <a:cubicBezTo>
-                    <a:pt x="5371" y="4525"/>
-                    <a:pt x="6145" y="4204"/>
-                    <a:pt x="6799" y="4204"/>
-                  </a:cubicBezTo>
-                  <a:lnTo>
-                    <a:pt x="7704" y="4204"/>
-                  </a:lnTo>
-                  <a:cubicBezTo>
-                    <a:pt x="7800" y="4204"/>
-                    <a:pt x="7883" y="4132"/>
-                    <a:pt x="7883" y="4025"/>
-                  </a:cubicBezTo>
-                  <a:lnTo>
-                    <a:pt x="7883" y="2418"/>
-                  </a:lnTo>
-                  <a:cubicBezTo>
-                    <a:pt x="7883" y="2334"/>
-                    <a:pt x="7811" y="2239"/>
-                    <a:pt x="7704" y="2239"/>
-                  </a:cubicBezTo>
-                  <a:lnTo>
-                    <a:pt x="6799" y="2239"/>
-                  </a:lnTo>
-                  <a:cubicBezTo>
-                    <a:pt x="5966" y="2239"/>
-                    <a:pt x="5121" y="2572"/>
-                    <a:pt x="4466" y="3156"/>
-                  </a:cubicBezTo>
-                  <a:cubicBezTo>
-                    <a:pt x="3799" y="3763"/>
-                    <a:pt x="3418" y="4549"/>
-                    <a:pt x="3418" y="5382"/>
-                  </a:cubicBezTo>
-                  <a:lnTo>
-                    <a:pt x="3418" y="5442"/>
-                  </a:lnTo>
-                  <a:lnTo>
-                    <a:pt x="1989" y="5442"/>
-                  </a:lnTo>
-                  <a:cubicBezTo>
-                    <a:pt x="1906" y="5442"/>
-                    <a:pt x="1811" y="5513"/>
-                    <a:pt x="1811" y="5620"/>
-                  </a:cubicBezTo>
-                  <a:lnTo>
-                    <a:pt x="1811" y="7228"/>
-                  </a:lnTo>
-                  <a:cubicBezTo>
-                    <a:pt x="1811" y="7323"/>
-                    <a:pt x="1894" y="7406"/>
-                    <a:pt x="1989" y="7406"/>
-                  </a:cubicBezTo>
-                  <a:lnTo>
-                    <a:pt x="3418" y="7406"/>
-                  </a:lnTo>
-                  <a:lnTo>
-                    <a:pt x="3418" y="10085"/>
-                  </a:lnTo>
-                  <a:cubicBezTo>
-                    <a:pt x="1561" y="9300"/>
-                    <a:pt x="346" y="7442"/>
-                    <a:pt x="346" y="5418"/>
-                  </a:cubicBezTo>
-                  <a:cubicBezTo>
-                    <a:pt x="346" y="2596"/>
-                    <a:pt x="2620" y="322"/>
-                    <a:pt x="5430" y="322"/>
-                  </a:cubicBezTo>
-                  <a:cubicBezTo>
-                    <a:pt x="8228" y="322"/>
-                    <a:pt x="10526" y="2620"/>
-                    <a:pt x="10526" y="5418"/>
-                  </a:cubicBezTo>
-                  <a:cubicBezTo>
-                    <a:pt x="10526" y="8228"/>
-                    <a:pt x="8240" y="10502"/>
-                    <a:pt x="5430" y="10502"/>
-                  </a:cubicBezTo>
-                  <a:lnTo>
-                    <a:pt x="5371" y="10502"/>
-                  </a:lnTo>
-                  <a:lnTo>
-                    <a:pt x="5371" y="7418"/>
-                  </a:lnTo>
-                  <a:lnTo>
-                    <a:pt x="7728" y="7418"/>
-                  </a:lnTo>
-                  <a:cubicBezTo>
-                    <a:pt x="7811" y="7418"/>
-                    <a:pt x="7907" y="7347"/>
-                    <a:pt x="7907" y="7240"/>
-                  </a:cubicBezTo>
-                  <a:lnTo>
-                    <a:pt x="7907" y="5656"/>
-                  </a:lnTo>
-                  <a:cubicBezTo>
-                    <a:pt x="7907" y="5561"/>
-                    <a:pt x="7823" y="5478"/>
-                    <a:pt x="7728" y="5478"/>
-                  </a:cubicBezTo>
-                  <a:lnTo>
-                    <a:pt x="6728" y="5478"/>
-                  </a:lnTo>
-                  <a:cubicBezTo>
-                    <a:pt x="6633" y="5478"/>
-                    <a:pt x="6549" y="5549"/>
-                    <a:pt x="6549" y="5656"/>
-                  </a:cubicBezTo>
-                  <a:cubicBezTo>
-                    <a:pt x="6549" y="5740"/>
-                    <a:pt x="6621" y="5835"/>
-                    <a:pt x="6728" y="5835"/>
-                  </a:cubicBezTo>
-                  <a:lnTo>
-                    <a:pt x="7561" y="5835"/>
-                  </a:lnTo>
-                  <a:lnTo>
-                    <a:pt x="7561" y="7097"/>
-                  </a:lnTo>
-                  <a:lnTo>
-                    <a:pt x="5204" y="7097"/>
-                  </a:lnTo>
-                  <a:cubicBezTo>
-                    <a:pt x="5121" y="7097"/>
-                    <a:pt x="5025" y="7168"/>
-                    <a:pt x="5025" y="7275"/>
-                  </a:cubicBezTo>
-                  <a:lnTo>
-                    <a:pt x="5025" y="10693"/>
-                  </a:lnTo>
-                  <a:cubicBezTo>
-                    <a:pt x="5025" y="10788"/>
-                    <a:pt x="5109" y="10859"/>
-                    <a:pt x="5192" y="10871"/>
-                  </a:cubicBezTo>
-                  <a:lnTo>
-                    <a:pt x="5430" y="10871"/>
-                  </a:lnTo>
-                  <a:cubicBezTo>
-                    <a:pt x="6871" y="10871"/>
-                    <a:pt x="8240" y="10312"/>
-                    <a:pt x="9276" y="9288"/>
-                  </a:cubicBezTo>
-                  <a:cubicBezTo>
-                    <a:pt x="10300" y="8252"/>
-                    <a:pt x="10859" y="6883"/>
-                    <a:pt x="10859" y="5442"/>
-                  </a:cubicBezTo>
-                  <a:cubicBezTo>
-                    <a:pt x="10859" y="3989"/>
-                    <a:pt x="10300" y="2620"/>
-                    <a:pt x="9276" y="1584"/>
-                  </a:cubicBezTo>
-                  <a:cubicBezTo>
-                    <a:pt x="8240" y="560"/>
-                    <a:pt x="6871" y="1"/>
-                    <a:pt x="5430" y="1"/>
-                  </a:cubicBezTo>
-                  <a:close/>
-                </a:path>
-              </a:pathLst>
-            </a:custGeom>
-            <a:solidFill>
-              <a:schemeClr val="lt1"/>
-            </a:solidFill>
-            <a:ln>
-              <a:noFill/>
-            </a:ln>
-          </p:spPr>
-          <p:txBody>
-            <a:bodyPr spcFirstLastPara="1" wrap="square" lIns="91425" tIns="91425" rIns="91425" bIns="91425" anchor="ctr" anchorCtr="0">
-              <a:noAutofit/>
-            </a:bodyPr>
-            <a:lstStyle/>
-            <a:p>
-              <a:pPr marL="0" lvl="0" indent="0" algn="l" rtl="0">
-                <a:spcBef>
-                  <a:spcPts val="0"/>
-                </a:spcBef>
-                <a:spcAft>
-                  <a:spcPts val="0"/>
-                </a:spcAft>
-                <a:buNone/>
-              </a:pPr>
-              <a:endParaRPr/>
-            </a:p>
-          </p:txBody>
-        </p:sp>
-      </p:grpSp>
-      <p:grpSp>
-        <p:nvGrpSpPr>
-          <p:cNvPr id="2725" name="Google Shape;2725;p95"/>
-          <p:cNvGrpSpPr/>
-          <p:nvPr/>
-        </p:nvGrpSpPr>
-        <p:grpSpPr>
-          <a:xfrm>
-            <a:off x="1568900" y="3303032"/>
-            <a:ext cx="426000" cy="426000"/>
-            <a:chOff x="1568900" y="3303032"/>
-            <a:chExt cx="426000" cy="426000"/>
-          </a:xfrm>
-        </p:grpSpPr>
-        <p:sp>
-          <p:nvSpPr>
-            <p:cNvPr id="2726" name="Google Shape;2726;p95"/>
-            <p:cNvSpPr/>
-            <p:nvPr/>
-          </p:nvSpPr>
-          <p:spPr>
-            <a:xfrm>
-              <a:off x="1568900" y="3303032"/>
-              <a:ext cx="426000" cy="426000"/>
-            </a:xfrm>
-            <a:prstGeom prst="rect">
-              <a:avLst/>
-            </a:prstGeom>
-            <a:gradFill>
-              <a:gsLst>
-                <a:gs pos="0">
-                  <a:schemeClr val="lt2"/>
-                </a:gs>
-                <a:gs pos="73000">
-                  <a:srgbClr val="C9A2C6"/>
-                </a:gs>
-                <a:gs pos="100000">
-                  <a:srgbClr val="9984D1"/>
-                </a:gs>
-                <a:gs pos="100000">
-                  <a:schemeClr val="dk2"/>
-                </a:gs>
-              </a:gsLst>
-              <a:lin ang="5400700" scaled="0"/>
-            </a:gradFill>
-            <a:ln>
-              <a:noFill/>
-            </a:ln>
-          </p:spPr>
-          <p:txBody>
-            <a:bodyPr spcFirstLastPara="1" wrap="square" lIns="91425" tIns="91425" rIns="91425" bIns="91425" anchor="ctr" anchorCtr="0">
-              <a:noAutofit/>
-            </a:bodyPr>
-            <a:lstStyle/>
-            <a:p>
-              <a:pPr marL="0" lvl="0" indent="0" algn="l" rtl="0">
-                <a:spcBef>
-                  <a:spcPts val="0"/>
-                </a:spcBef>
-                <a:spcAft>
-                  <a:spcPts val="0"/>
-                </a:spcAft>
-                <a:buNone/>
-              </a:pPr>
-              <a:endParaRPr/>
-            </a:p>
-          </p:txBody>
-        </p:sp>
-        <p:grpSp>
-          <p:nvGrpSpPr>
-            <p:cNvPr id="2727" name="Google Shape;2727;p95"/>
-            <p:cNvGrpSpPr/>
-            <p:nvPr/>
-          </p:nvGrpSpPr>
-          <p:grpSpPr>
-            <a:xfrm>
-              <a:off x="1608881" y="3341580"/>
-              <a:ext cx="346056" cy="345674"/>
-              <a:chOff x="3303268" y="3817349"/>
-              <a:chExt cx="346056" cy="345674"/>
-            </a:xfrm>
-          </p:grpSpPr>
-          <p:sp>
-            <p:nvSpPr>
-              <p:cNvPr id="2728" name="Google Shape;2728;p95"/>
-              <p:cNvSpPr/>
-              <p:nvPr/>
-            </p:nvSpPr>
-            <p:spPr>
-              <a:xfrm>
-                <a:off x="3303268" y="3817349"/>
-                <a:ext cx="346056" cy="345674"/>
-              </a:xfrm>
-              <a:custGeom>
-                <a:avLst/>
-                <a:gdLst/>
-                <a:ahLst/>
-                <a:cxnLst/>
-                <a:rect l="l" t="t" r="r" b="b"/>
-                <a:pathLst>
-                  <a:path w="10872" h="10860" extrusionOk="0">
-                    <a:moveTo>
-                      <a:pt x="5418" y="334"/>
-                    </a:moveTo>
-                    <a:cubicBezTo>
-                      <a:pt x="8228" y="334"/>
-                      <a:pt x="10514" y="2608"/>
-                      <a:pt x="10514" y="5430"/>
-                    </a:cubicBezTo>
-                    <a:cubicBezTo>
-                      <a:pt x="10514" y="8240"/>
-                      <a:pt x="8228" y="10514"/>
-                      <a:pt x="5418" y="10514"/>
-                    </a:cubicBezTo>
-                    <a:cubicBezTo>
-                      <a:pt x="2608" y="10514"/>
-                      <a:pt x="334" y="8240"/>
-                      <a:pt x="334" y="5430"/>
-                    </a:cubicBezTo>
-                    <a:cubicBezTo>
-                      <a:pt x="334" y="2608"/>
-                      <a:pt x="2608" y="334"/>
-                      <a:pt x="5418" y="334"/>
-                    </a:cubicBezTo>
-                    <a:close/>
-                    <a:moveTo>
-                      <a:pt x="5430" y="1"/>
-                    </a:moveTo>
-                    <a:cubicBezTo>
-                      <a:pt x="3989" y="1"/>
-                      <a:pt x="2620" y="560"/>
-                      <a:pt x="1596" y="1584"/>
-                    </a:cubicBezTo>
-                    <a:cubicBezTo>
-                      <a:pt x="572" y="2620"/>
-                      <a:pt x="1" y="3989"/>
-                      <a:pt x="1" y="5430"/>
-                    </a:cubicBezTo>
-                    <a:cubicBezTo>
-                      <a:pt x="1" y="6871"/>
-                      <a:pt x="572" y="8240"/>
-                      <a:pt x="1596" y="9264"/>
-                    </a:cubicBezTo>
-                    <a:cubicBezTo>
-                      <a:pt x="2620" y="10300"/>
-                      <a:pt x="3989" y="10859"/>
-                      <a:pt x="5430" y="10859"/>
-                    </a:cubicBezTo>
-                    <a:cubicBezTo>
-                      <a:pt x="6883" y="10859"/>
-                      <a:pt x="8252" y="10300"/>
-                      <a:pt x="9276" y="9264"/>
-                    </a:cubicBezTo>
-                    <a:cubicBezTo>
-                      <a:pt x="10300" y="8240"/>
-                      <a:pt x="10871" y="6871"/>
-                      <a:pt x="10871" y="5430"/>
-                    </a:cubicBezTo>
-                    <a:cubicBezTo>
-                      <a:pt x="10871" y="3989"/>
-                      <a:pt x="10300" y="2620"/>
-                      <a:pt x="9276" y="1584"/>
-                    </a:cubicBezTo>
-                    <a:cubicBezTo>
-                      <a:pt x="8252" y="560"/>
-                      <a:pt x="6883" y="1"/>
-                      <a:pt x="5430" y="1"/>
-                    </a:cubicBezTo>
-                    <a:close/>
-                  </a:path>
-                </a:pathLst>
-              </a:custGeom>
-              <a:solidFill>
-                <a:schemeClr val="lt1"/>
-              </a:solidFill>
-              <a:ln>
-                <a:noFill/>
-              </a:ln>
-            </p:spPr>
-            <p:txBody>
-              <a:bodyPr spcFirstLastPara="1" wrap="square" lIns="91425" tIns="91425" rIns="91425" bIns="91425" anchor="ctr" anchorCtr="0">
-                <a:noAutofit/>
-              </a:bodyPr>
-              <a:lstStyle/>
-              <a:p>
-                <a:pPr marL="0" lvl="0" indent="0" algn="l" rtl="0">
-                  <a:spcBef>
-                    <a:spcPts val="0"/>
-                  </a:spcBef>
-                  <a:spcAft>
-                    <a:spcPts val="0"/>
-                  </a:spcAft>
-                  <a:buNone/>
-                </a:pPr>
-                <a:endParaRPr/>
-              </a:p>
-            </p:txBody>
-          </p:sp>
-          <p:sp>
-            <p:nvSpPr>
-              <p:cNvPr id="2729" name="Google Shape;2729;p95"/>
-              <p:cNvSpPr/>
-              <p:nvPr/>
-            </p:nvSpPr>
-            <p:spPr>
-              <a:xfrm>
-                <a:off x="3368074" y="3882537"/>
-                <a:ext cx="215298" cy="215298"/>
-              </a:xfrm>
-              <a:custGeom>
-                <a:avLst/>
-                <a:gdLst/>
-                <a:ahLst/>
-                <a:cxnLst/>
-                <a:rect l="l" t="t" r="r" b="b"/>
-                <a:pathLst>
-                  <a:path w="6764" h="6764" extrusionOk="0">
-                    <a:moveTo>
-                      <a:pt x="5335" y="346"/>
-                    </a:moveTo>
-                    <a:cubicBezTo>
-                      <a:pt x="5930" y="346"/>
-                      <a:pt x="6418" y="834"/>
-                      <a:pt x="6418" y="1429"/>
-                    </a:cubicBezTo>
-                    <a:lnTo>
-                      <a:pt x="6418" y="5335"/>
-                    </a:lnTo>
-                    <a:cubicBezTo>
-                      <a:pt x="6418" y="5930"/>
-                      <a:pt x="5930" y="6418"/>
-                      <a:pt x="5335" y="6418"/>
-                    </a:cubicBezTo>
-                    <a:lnTo>
-                      <a:pt x="1429" y="6418"/>
-                    </a:lnTo>
-                    <a:cubicBezTo>
-                      <a:pt x="834" y="6418"/>
-                      <a:pt x="346" y="5930"/>
-                      <a:pt x="346" y="5335"/>
-                    </a:cubicBezTo>
-                    <a:lnTo>
-                      <a:pt x="346" y="1429"/>
-                    </a:lnTo>
-                    <a:cubicBezTo>
-                      <a:pt x="346" y="834"/>
-                      <a:pt x="834" y="346"/>
-                      <a:pt x="1429" y="346"/>
-                    </a:cubicBezTo>
-                    <a:close/>
-                    <a:moveTo>
-                      <a:pt x="1429" y="1"/>
-                    </a:moveTo>
-                    <a:cubicBezTo>
-                      <a:pt x="644" y="1"/>
-                      <a:pt x="1" y="644"/>
-                      <a:pt x="1" y="1429"/>
-                    </a:cubicBezTo>
-                    <a:lnTo>
-                      <a:pt x="1" y="5335"/>
-                    </a:lnTo>
-                    <a:cubicBezTo>
-                      <a:pt x="1" y="6120"/>
-                      <a:pt x="644" y="6763"/>
-                      <a:pt x="1429" y="6763"/>
-                    </a:cubicBezTo>
-                    <a:lnTo>
-                      <a:pt x="5335" y="6763"/>
-                    </a:lnTo>
-                    <a:cubicBezTo>
-                      <a:pt x="6121" y="6763"/>
-                      <a:pt x="6763" y="6120"/>
-                      <a:pt x="6763" y="5335"/>
-                    </a:cubicBezTo>
-                    <a:lnTo>
-                      <a:pt x="6763" y="1429"/>
-                    </a:lnTo>
-                    <a:cubicBezTo>
-                      <a:pt x="6763" y="644"/>
-                      <a:pt x="6121" y="1"/>
-                      <a:pt x="5335" y="1"/>
-                    </a:cubicBezTo>
-                    <a:close/>
-                  </a:path>
-                </a:pathLst>
-              </a:custGeom>
-              <a:solidFill>
-                <a:schemeClr val="lt1"/>
-              </a:solidFill>
-              <a:ln>
-                <a:noFill/>
-              </a:ln>
-            </p:spPr>
-            <p:txBody>
-              <a:bodyPr spcFirstLastPara="1" wrap="square" lIns="91425" tIns="91425" rIns="91425" bIns="91425" anchor="ctr" anchorCtr="0">
-                <a:noAutofit/>
-              </a:bodyPr>
-              <a:lstStyle/>
-              <a:p>
-                <a:pPr marL="0" lvl="0" indent="0" algn="l" rtl="0">
-                  <a:spcBef>
-                    <a:spcPts val="0"/>
-                  </a:spcBef>
-                  <a:spcAft>
-                    <a:spcPts val="0"/>
-                  </a:spcAft>
-                  <a:buNone/>
-                </a:pPr>
-                <a:endParaRPr/>
-              </a:p>
-            </p:txBody>
-          </p:sp>
-          <p:sp>
-            <p:nvSpPr>
-              <p:cNvPr id="2730" name="Google Shape;2730;p95"/>
-              <p:cNvSpPr/>
-              <p:nvPr/>
-            </p:nvSpPr>
-            <p:spPr>
-              <a:xfrm>
-                <a:off x="3418143" y="3933656"/>
-                <a:ext cx="114811" cy="112742"/>
-              </a:xfrm>
-              <a:custGeom>
-                <a:avLst/>
-                <a:gdLst/>
-                <a:ahLst/>
-                <a:cxnLst/>
-                <a:rect l="l" t="t" r="r" b="b"/>
-                <a:pathLst>
-                  <a:path w="3607" h="3542" extrusionOk="0">
-                    <a:moveTo>
-                      <a:pt x="1822" y="0"/>
-                    </a:moveTo>
-                    <a:cubicBezTo>
-                      <a:pt x="812" y="0"/>
-                      <a:pt x="1" y="851"/>
-                      <a:pt x="59" y="1859"/>
-                    </a:cubicBezTo>
-                    <a:cubicBezTo>
-                      <a:pt x="95" y="2776"/>
-                      <a:pt x="833" y="3502"/>
-                      <a:pt x="1726" y="3538"/>
-                    </a:cubicBezTo>
-                    <a:cubicBezTo>
-                      <a:pt x="1764" y="3541"/>
-                      <a:pt x="1802" y="3542"/>
-                      <a:pt x="1840" y="3542"/>
-                    </a:cubicBezTo>
-                    <a:cubicBezTo>
-                      <a:pt x="2178" y="3542"/>
-                      <a:pt x="2494" y="3447"/>
-                      <a:pt x="2762" y="3276"/>
-                    </a:cubicBezTo>
-                    <a:cubicBezTo>
-                      <a:pt x="2857" y="3217"/>
-                      <a:pt x="2869" y="3086"/>
-                      <a:pt x="2797" y="3014"/>
-                    </a:cubicBezTo>
-                    <a:cubicBezTo>
-                      <a:pt x="2761" y="2978"/>
-                      <a:pt x="2711" y="2964"/>
-                      <a:pt x="2664" y="2964"/>
-                    </a:cubicBezTo>
-                    <a:cubicBezTo>
-                      <a:pt x="2634" y="2964"/>
-                      <a:pt x="2606" y="2969"/>
-                      <a:pt x="2583" y="2979"/>
-                    </a:cubicBezTo>
-                    <a:cubicBezTo>
-                      <a:pt x="2380" y="3096"/>
-                      <a:pt x="2149" y="3185"/>
-                      <a:pt x="1897" y="3185"/>
-                    </a:cubicBezTo>
-                    <a:cubicBezTo>
-                      <a:pt x="1868" y="3185"/>
-                      <a:pt x="1839" y="3183"/>
-                      <a:pt x="1809" y="3181"/>
-                    </a:cubicBezTo>
-                    <a:cubicBezTo>
-                      <a:pt x="1023" y="3169"/>
-                      <a:pt x="380" y="2514"/>
-                      <a:pt x="392" y="1716"/>
-                    </a:cubicBezTo>
-                    <a:cubicBezTo>
-                      <a:pt x="426" y="948"/>
-                      <a:pt x="1028" y="330"/>
-                      <a:pt x="1792" y="330"/>
-                    </a:cubicBezTo>
-                    <a:cubicBezTo>
-                      <a:pt x="1833" y="330"/>
-                      <a:pt x="1874" y="332"/>
-                      <a:pt x="1916" y="335"/>
-                    </a:cubicBezTo>
-                    <a:cubicBezTo>
-                      <a:pt x="2619" y="371"/>
-                      <a:pt x="3190" y="943"/>
-                      <a:pt x="3250" y="1633"/>
-                    </a:cubicBezTo>
-                    <a:cubicBezTo>
-                      <a:pt x="3285" y="1919"/>
-                      <a:pt x="3214" y="2193"/>
-                      <a:pt x="3095" y="2431"/>
-                    </a:cubicBezTo>
-                    <a:cubicBezTo>
-                      <a:pt x="3059" y="2490"/>
-                      <a:pt x="3059" y="2574"/>
-                      <a:pt x="3119" y="2633"/>
-                    </a:cubicBezTo>
-                    <a:cubicBezTo>
-                      <a:pt x="3149" y="2663"/>
-                      <a:pt x="3191" y="2678"/>
-                      <a:pt x="3234" y="2678"/>
-                    </a:cubicBezTo>
-                    <a:cubicBezTo>
-                      <a:pt x="3295" y="2678"/>
-                      <a:pt x="3358" y="2648"/>
-                      <a:pt x="3393" y="2586"/>
-                    </a:cubicBezTo>
-                    <a:cubicBezTo>
-                      <a:pt x="3536" y="2324"/>
-                      <a:pt x="3607" y="2014"/>
-                      <a:pt x="3583" y="1669"/>
-                    </a:cubicBezTo>
-                    <a:cubicBezTo>
-                      <a:pt x="3536" y="764"/>
-                      <a:pt x="2797" y="50"/>
-                      <a:pt x="1904" y="2"/>
-                    </a:cubicBezTo>
-                    <a:cubicBezTo>
-                      <a:pt x="1877" y="1"/>
-                      <a:pt x="1849" y="0"/>
-                      <a:pt x="1822" y="0"/>
-                    </a:cubicBezTo>
-                    <a:close/>
-                  </a:path>
-                </a:pathLst>
-              </a:custGeom>
-              <a:solidFill>
-                <a:schemeClr val="lt1"/>
-              </a:solidFill>
-              <a:ln>
-                <a:noFill/>
-              </a:ln>
-            </p:spPr>
-            <p:txBody>
-              <a:bodyPr spcFirstLastPara="1" wrap="square" lIns="91425" tIns="91425" rIns="91425" bIns="91425" anchor="ctr" anchorCtr="0">
-                <a:noAutofit/>
-              </a:bodyPr>
-              <a:lstStyle/>
-              <a:p>
-                <a:pPr marL="0" lvl="0" indent="0" algn="l" rtl="0">
-                  <a:spcBef>
-                    <a:spcPts val="0"/>
-                  </a:spcBef>
-                  <a:spcAft>
-                    <a:spcPts val="0"/>
-                  </a:spcAft>
-                  <a:buNone/>
-                </a:pPr>
-                <a:endParaRPr/>
-              </a:p>
-            </p:txBody>
-          </p:sp>
-          <p:sp>
-            <p:nvSpPr>
-              <p:cNvPr id="2731" name="Google Shape;2731;p95"/>
-              <p:cNvSpPr/>
-              <p:nvPr/>
-            </p:nvSpPr>
-            <p:spPr>
-              <a:xfrm>
-                <a:off x="3519298" y="3910197"/>
-                <a:ext cx="29570" cy="29220"/>
-              </a:xfrm>
-              <a:custGeom>
-                <a:avLst/>
-                <a:gdLst/>
-                <a:ahLst/>
-                <a:cxnLst/>
-                <a:rect l="l" t="t" r="r" b="b"/>
-                <a:pathLst>
-                  <a:path w="929" h="918" extrusionOk="0">
-                    <a:moveTo>
-                      <a:pt x="465" y="1"/>
-                    </a:moveTo>
-                    <a:cubicBezTo>
-                      <a:pt x="203" y="1"/>
-                      <a:pt x="0" y="203"/>
-                      <a:pt x="0" y="453"/>
-                    </a:cubicBezTo>
-                    <a:cubicBezTo>
-                      <a:pt x="0" y="715"/>
-                      <a:pt x="203" y="918"/>
-                      <a:pt x="465" y="918"/>
-                    </a:cubicBezTo>
-                    <a:cubicBezTo>
-                      <a:pt x="715" y="918"/>
-                      <a:pt x="929" y="715"/>
-                      <a:pt x="929" y="453"/>
-                    </a:cubicBezTo>
-                    <a:cubicBezTo>
-                      <a:pt x="929" y="203"/>
-                      <a:pt x="715" y="1"/>
-                      <a:pt x="465" y="1"/>
-                    </a:cubicBezTo>
-                    <a:close/>
-                  </a:path>
-                </a:pathLst>
-              </a:custGeom>
-              <a:solidFill>
-                <a:schemeClr val="lt1"/>
-              </a:solidFill>
-              <a:ln>
-                <a:noFill/>
-              </a:ln>
-            </p:spPr>
-            <p:txBody>
-              <a:bodyPr spcFirstLastPara="1" wrap="square" lIns="91425" tIns="91425" rIns="91425" bIns="91425" anchor="ctr" anchorCtr="0">
-                <a:noAutofit/>
-              </a:bodyPr>
-              <a:lstStyle/>
-              <a:p>
-                <a:pPr marL="0" lvl="0" indent="0" algn="l" rtl="0">
-                  <a:spcBef>
-                    <a:spcPts val="0"/>
-                  </a:spcBef>
-                  <a:spcAft>
-                    <a:spcPts val="0"/>
-                  </a:spcAft>
-                  <a:buNone/>
-                </a:pPr>
-                <a:endParaRPr/>
-              </a:p>
-            </p:txBody>
-          </p:sp>
-        </p:grpSp>
-      </p:grpSp>
-      <p:grpSp>
-        <p:nvGrpSpPr>
-          <p:cNvPr id="2732" name="Google Shape;2732;p95"/>
-          <p:cNvGrpSpPr/>
-          <p:nvPr/>
-        </p:nvGrpSpPr>
-        <p:grpSpPr>
-          <a:xfrm>
-            <a:off x="2305613" y="3301432"/>
-            <a:ext cx="426000" cy="426000"/>
-            <a:chOff x="2305613" y="3301432"/>
-            <a:chExt cx="426000" cy="426000"/>
-          </a:xfrm>
-        </p:grpSpPr>
-        <p:sp>
-          <p:nvSpPr>
-            <p:cNvPr id="2733" name="Google Shape;2733;p95"/>
-            <p:cNvSpPr/>
-            <p:nvPr/>
-          </p:nvSpPr>
-          <p:spPr>
-            <a:xfrm>
-              <a:off x="2305613" y="3301432"/>
-              <a:ext cx="426000" cy="426000"/>
-            </a:xfrm>
-            <a:prstGeom prst="rect">
-              <a:avLst/>
-            </a:prstGeom>
-            <a:gradFill>
-              <a:gsLst>
-                <a:gs pos="0">
-                  <a:schemeClr val="lt2"/>
-                </a:gs>
-                <a:gs pos="73000">
-                  <a:srgbClr val="C9A2C6"/>
-                </a:gs>
-                <a:gs pos="100000">
-                  <a:srgbClr val="9984D1"/>
-                </a:gs>
-                <a:gs pos="100000">
-                  <a:schemeClr val="dk2"/>
-                </a:gs>
-              </a:gsLst>
-              <a:lin ang="5400700" scaled="0"/>
-            </a:gradFill>
-            <a:ln>
-              <a:noFill/>
-            </a:ln>
-          </p:spPr>
-          <p:txBody>
-            <a:bodyPr spcFirstLastPara="1" wrap="square" lIns="91425" tIns="91425" rIns="91425" bIns="91425" anchor="ctr" anchorCtr="0">
-              <a:noAutofit/>
-            </a:bodyPr>
-            <a:lstStyle/>
-            <a:p>
-              <a:pPr marL="0" lvl="0" indent="0" algn="l" rtl="0">
-                <a:spcBef>
-                  <a:spcPts val="0"/>
-                </a:spcBef>
-                <a:spcAft>
-                  <a:spcPts val="0"/>
-                </a:spcAft>
-                <a:buNone/>
-              </a:pPr>
-              <a:endParaRPr/>
-            </a:p>
-          </p:txBody>
-        </p:sp>
-        <p:grpSp>
-          <p:nvGrpSpPr>
-            <p:cNvPr id="2734" name="Google Shape;2734;p95"/>
-            <p:cNvGrpSpPr/>
-            <p:nvPr/>
-          </p:nvGrpSpPr>
-          <p:grpSpPr>
-            <a:xfrm>
-              <a:off x="2345580" y="3341593"/>
-              <a:ext cx="346056" cy="345674"/>
-              <a:chOff x="3752358" y="3817349"/>
-              <a:chExt cx="346056" cy="345674"/>
-            </a:xfrm>
-          </p:grpSpPr>
-          <p:sp>
-            <p:nvSpPr>
-              <p:cNvPr id="2735" name="Google Shape;2735;p95"/>
-              <p:cNvSpPr/>
-              <p:nvPr/>
-            </p:nvSpPr>
-            <p:spPr>
-              <a:xfrm>
-                <a:off x="3752358" y="3817349"/>
-                <a:ext cx="346056" cy="345674"/>
-              </a:xfrm>
-              <a:custGeom>
-                <a:avLst/>
-                <a:gdLst/>
-                <a:ahLst/>
-                <a:cxnLst/>
-                <a:rect l="l" t="t" r="r" b="b"/>
-                <a:pathLst>
-                  <a:path w="10872" h="10860" extrusionOk="0">
-                    <a:moveTo>
-                      <a:pt x="5430" y="334"/>
-                    </a:moveTo>
-                    <a:cubicBezTo>
-                      <a:pt x="8252" y="334"/>
-                      <a:pt x="10526" y="2608"/>
-                      <a:pt x="10526" y="5430"/>
-                    </a:cubicBezTo>
-                    <a:cubicBezTo>
-                      <a:pt x="10526" y="8240"/>
-                      <a:pt x="8228" y="10514"/>
-                      <a:pt x="5430" y="10514"/>
-                    </a:cubicBezTo>
-                    <a:cubicBezTo>
-                      <a:pt x="2620" y="10514"/>
-                      <a:pt x="346" y="8240"/>
-                      <a:pt x="346" y="5430"/>
-                    </a:cubicBezTo>
-                    <a:cubicBezTo>
-                      <a:pt x="346" y="2608"/>
-                      <a:pt x="2620" y="334"/>
-                      <a:pt x="5430" y="334"/>
-                    </a:cubicBezTo>
-                    <a:close/>
-                    <a:moveTo>
-                      <a:pt x="5430" y="1"/>
-                    </a:moveTo>
-                    <a:cubicBezTo>
-                      <a:pt x="3989" y="1"/>
-                      <a:pt x="2620" y="560"/>
-                      <a:pt x="1596" y="1584"/>
-                    </a:cubicBezTo>
-                    <a:cubicBezTo>
-                      <a:pt x="572" y="2620"/>
-                      <a:pt x="1" y="3989"/>
-                      <a:pt x="1" y="5430"/>
-                    </a:cubicBezTo>
-                    <a:cubicBezTo>
-                      <a:pt x="1" y="6871"/>
-                      <a:pt x="572" y="8240"/>
-                      <a:pt x="1596" y="9264"/>
-                    </a:cubicBezTo>
-                    <a:cubicBezTo>
-                      <a:pt x="2620" y="10300"/>
-                      <a:pt x="3989" y="10859"/>
-                      <a:pt x="5430" y="10859"/>
-                    </a:cubicBezTo>
-                    <a:cubicBezTo>
-                      <a:pt x="6882" y="10859"/>
-                      <a:pt x="8252" y="10300"/>
-                      <a:pt x="9276" y="9264"/>
-                    </a:cubicBezTo>
-                    <a:cubicBezTo>
-                      <a:pt x="10300" y="8240"/>
-                      <a:pt x="10871" y="6871"/>
-                      <a:pt x="10871" y="5430"/>
-                    </a:cubicBezTo>
-                    <a:cubicBezTo>
-                      <a:pt x="10871" y="3989"/>
-                      <a:pt x="10300" y="2620"/>
-                      <a:pt x="9276" y="1584"/>
-                    </a:cubicBezTo>
-                    <a:cubicBezTo>
-                      <a:pt x="8252" y="560"/>
-                      <a:pt x="6882" y="1"/>
-                      <a:pt x="5430" y="1"/>
-                    </a:cubicBezTo>
-                    <a:close/>
-                  </a:path>
-                </a:pathLst>
-              </a:custGeom>
-              <a:solidFill>
-                <a:schemeClr val="lt1"/>
-              </a:solidFill>
-              <a:ln>
-                <a:noFill/>
-              </a:ln>
-            </p:spPr>
-            <p:txBody>
-              <a:bodyPr spcFirstLastPara="1" wrap="square" lIns="91425" tIns="91425" rIns="91425" bIns="91425" anchor="ctr" anchorCtr="0">
-                <a:noAutofit/>
-              </a:bodyPr>
-              <a:lstStyle/>
-              <a:p>
-                <a:pPr marL="0" lvl="0" indent="0" algn="l" rtl="0">
-                  <a:spcBef>
-                    <a:spcPts val="0"/>
-                  </a:spcBef>
-                  <a:spcAft>
-                    <a:spcPts val="0"/>
-                  </a:spcAft>
-                  <a:buNone/>
-                </a:pPr>
-                <a:endParaRPr/>
-              </a:p>
-            </p:txBody>
-          </p:sp>
-          <p:sp>
-            <p:nvSpPr>
-              <p:cNvPr id="2736" name="Google Shape;2736;p95"/>
-              <p:cNvSpPr/>
-              <p:nvPr/>
-            </p:nvSpPr>
-            <p:spPr>
-              <a:xfrm>
-                <a:off x="3831933" y="3955682"/>
-                <a:ext cx="47809" cy="120540"/>
-              </a:xfrm>
-              <a:custGeom>
-                <a:avLst/>
-                <a:gdLst/>
-                <a:ahLst/>
-                <a:cxnLst/>
-                <a:rect l="l" t="t" r="r" b="b"/>
-                <a:pathLst>
-                  <a:path w="1502" h="3787" extrusionOk="0">
-                    <a:moveTo>
-                      <a:pt x="1168" y="346"/>
-                    </a:moveTo>
-                    <a:lnTo>
-                      <a:pt x="1168" y="3430"/>
-                    </a:lnTo>
-                    <a:lnTo>
-                      <a:pt x="358" y="3430"/>
-                    </a:lnTo>
-                    <a:lnTo>
-                      <a:pt x="358" y="346"/>
-                    </a:lnTo>
-                    <a:close/>
-                    <a:moveTo>
-                      <a:pt x="180" y="1"/>
-                    </a:moveTo>
-                    <a:cubicBezTo>
-                      <a:pt x="96" y="1"/>
-                      <a:pt x="1" y="72"/>
-                      <a:pt x="1" y="179"/>
-                    </a:cubicBezTo>
-                    <a:lnTo>
-                      <a:pt x="1" y="3608"/>
-                    </a:lnTo>
-                    <a:cubicBezTo>
-                      <a:pt x="1" y="3703"/>
-                      <a:pt x="72" y="3787"/>
-                      <a:pt x="180" y="3787"/>
-                    </a:cubicBezTo>
-                    <a:lnTo>
-                      <a:pt x="1323" y="3787"/>
-                    </a:lnTo>
-                    <a:cubicBezTo>
-                      <a:pt x="1418" y="3787"/>
-                      <a:pt x="1501" y="3715"/>
-                      <a:pt x="1501" y="3608"/>
-                    </a:cubicBezTo>
-                    <a:lnTo>
-                      <a:pt x="1501" y="179"/>
-                    </a:lnTo>
-                    <a:cubicBezTo>
-                      <a:pt x="1501" y="72"/>
-                      <a:pt x="1430" y="1"/>
-                      <a:pt x="1323" y="1"/>
-                    </a:cubicBezTo>
-                    <a:close/>
-                  </a:path>
-                </a:pathLst>
-              </a:custGeom>
-              <a:solidFill>
-                <a:schemeClr val="lt1"/>
-              </a:solidFill>
-              <a:ln>
-                <a:noFill/>
-              </a:ln>
-            </p:spPr>
-            <p:txBody>
-              <a:bodyPr spcFirstLastPara="1" wrap="square" lIns="91425" tIns="91425" rIns="91425" bIns="91425" anchor="ctr" anchorCtr="0">
-                <a:noAutofit/>
-              </a:bodyPr>
-              <a:lstStyle/>
-              <a:p>
-                <a:pPr marL="0" lvl="0" indent="0" algn="l" rtl="0">
-                  <a:spcBef>
-                    <a:spcPts val="0"/>
-                  </a:spcBef>
-                  <a:spcAft>
-                    <a:spcPts val="0"/>
-                  </a:spcAft>
-                  <a:buNone/>
-                </a:pPr>
-                <a:endParaRPr/>
-              </a:p>
-            </p:txBody>
-          </p:sp>
-          <p:sp>
-            <p:nvSpPr>
-              <p:cNvPr id="2737" name="Google Shape;2737;p95"/>
-              <p:cNvSpPr/>
-              <p:nvPr/>
-            </p:nvSpPr>
-            <p:spPr>
-              <a:xfrm>
-                <a:off x="3824739" y="3890112"/>
-                <a:ext cx="55002" cy="55002"/>
-              </a:xfrm>
-              <a:custGeom>
-                <a:avLst/>
-                <a:gdLst/>
-                <a:ahLst/>
-                <a:cxnLst/>
-                <a:rect l="l" t="t" r="r" b="b"/>
-                <a:pathLst>
-                  <a:path w="1728" h="1728" extrusionOk="0">
-                    <a:moveTo>
-                      <a:pt x="870" y="334"/>
-                    </a:moveTo>
-                    <a:cubicBezTo>
-                      <a:pt x="1156" y="334"/>
-                      <a:pt x="1394" y="572"/>
-                      <a:pt x="1394" y="846"/>
-                    </a:cubicBezTo>
-                    <a:cubicBezTo>
-                      <a:pt x="1394" y="1132"/>
-                      <a:pt x="1156" y="1370"/>
-                      <a:pt x="870" y="1370"/>
-                    </a:cubicBezTo>
-                    <a:cubicBezTo>
-                      <a:pt x="584" y="1370"/>
-                      <a:pt x="346" y="1132"/>
-                      <a:pt x="346" y="846"/>
-                    </a:cubicBezTo>
-                    <a:cubicBezTo>
-                      <a:pt x="346" y="572"/>
-                      <a:pt x="584" y="334"/>
-                      <a:pt x="870" y="334"/>
-                    </a:cubicBezTo>
-                    <a:close/>
-                    <a:moveTo>
-                      <a:pt x="870" y="1"/>
-                    </a:moveTo>
-                    <a:cubicBezTo>
-                      <a:pt x="394" y="1"/>
-                      <a:pt x="1" y="394"/>
-                      <a:pt x="1" y="870"/>
-                    </a:cubicBezTo>
-                    <a:cubicBezTo>
-                      <a:pt x="1" y="1346"/>
-                      <a:pt x="394" y="1727"/>
-                      <a:pt x="870" y="1727"/>
-                    </a:cubicBezTo>
-                    <a:cubicBezTo>
-                      <a:pt x="1346" y="1727"/>
-                      <a:pt x="1727" y="1334"/>
-                      <a:pt x="1727" y="870"/>
-                    </a:cubicBezTo>
-                    <a:cubicBezTo>
-                      <a:pt x="1727" y="394"/>
-                      <a:pt x="1346" y="1"/>
-                      <a:pt x="870" y="1"/>
-                    </a:cubicBezTo>
-                    <a:close/>
-                  </a:path>
-                </a:pathLst>
-              </a:custGeom>
-              <a:solidFill>
-                <a:schemeClr val="lt1"/>
-              </a:solidFill>
-              <a:ln>
-                <a:noFill/>
-              </a:ln>
-            </p:spPr>
-            <p:txBody>
-              <a:bodyPr spcFirstLastPara="1" wrap="square" lIns="91425" tIns="91425" rIns="91425" bIns="91425" anchor="ctr" anchorCtr="0">
-                <a:noAutofit/>
-              </a:bodyPr>
-              <a:lstStyle/>
-              <a:p>
-                <a:pPr marL="0" lvl="0" indent="0" algn="l" rtl="0">
-                  <a:spcBef>
-                    <a:spcPts val="0"/>
-                  </a:spcBef>
-                  <a:spcAft>
-                    <a:spcPts val="0"/>
-                  </a:spcAft>
-                  <a:buNone/>
-                </a:pPr>
-                <a:endParaRPr/>
-              </a:p>
-            </p:txBody>
-          </p:sp>
-          <p:sp>
-            <p:nvSpPr>
-              <p:cNvPr id="2738" name="Google Shape;2738;p95"/>
-              <p:cNvSpPr/>
-              <p:nvPr/>
-            </p:nvSpPr>
-            <p:spPr>
-              <a:xfrm>
-                <a:off x="3904696" y="3955682"/>
-                <a:ext cx="128148" cy="120540"/>
-              </a:xfrm>
-              <a:custGeom>
-                <a:avLst/>
-                <a:gdLst/>
-                <a:ahLst/>
-                <a:cxnLst/>
-                <a:rect l="l" t="t" r="r" b="b"/>
-                <a:pathLst>
-                  <a:path w="4026" h="3787" extrusionOk="0">
-                    <a:moveTo>
-                      <a:pt x="191" y="1"/>
-                    </a:moveTo>
-                    <a:cubicBezTo>
-                      <a:pt x="96" y="1"/>
-                      <a:pt x="1" y="72"/>
-                      <a:pt x="1" y="179"/>
-                    </a:cubicBezTo>
-                    <a:lnTo>
-                      <a:pt x="1" y="3608"/>
-                    </a:lnTo>
-                    <a:cubicBezTo>
-                      <a:pt x="1" y="3703"/>
-                      <a:pt x="84" y="3787"/>
-                      <a:pt x="191" y="3787"/>
-                    </a:cubicBezTo>
-                    <a:lnTo>
-                      <a:pt x="1334" y="3787"/>
-                    </a:lnTo>
-                    <a:cubicBezTo>
-                      <a:pt x="1418" y="3787"/>
-                      <a:pt x="1513" y="3715"/>
-                      <a:pt x="1513" y="3608"/>
-                    </a:cubicBezTo>
-                    <a:lnTo>
-                      <a:pt x="1513" y="2382"/>
-                    </a:lnTo>
-                    <a:cubicBezTo>
-                      <a:pt x="1513" y="1977"/>
-                      <a:pt x="1596" y="1501"/>
-                      <a:pt x="2037" y="1501"/>
-                    </a:cubicBezTo>
-                    <a:cubicBezTo>
-                      <a:pt x="2347" y="1501"/>
-                      <a:pt x="2477" y="1763"/>
-                      <a:pt x="2525" y="2060"/>
-                    </a:cubicBezTo>
-                    <a:cubicBezTo>
-                      <a:pt x="2537" y="2156"/>
-                      <a:pt x="2608" y="2215"/>
-                      <a:pt x="2692" y="2215"/>
-                    </a:cubicBezTo>
-                    <a:cubicBezTo>
-                      <a:pt x="2787" y="2215"/>
-                      <a:pt x="2870" y="2120"/>
-                      <a:pt x="2847" y="2025"/>
-                    </a:cubicBezTo>
-                    <a:cubicBezTo>
-                      <a:pt x="2763" y="1465"/>
-                      <a:pt x="2477" y="1155"/>
-                      <a:pt x="2013" y="1155"/>
-                    </a:cubicBezTo>
-                    <a:cubicBezTo>
-                      <a:pt x="1465" y="1155"/>
-                      <a:pt x="1156" y="1608"/>
-                      <a:pt x="1156" y="2382"/>
-                    </a:cubicBezTo>
-                    <a:lnTo>
-                      <a:pt x="1156" y="3430"/>
-                    </a:lnTo>
-                    <a:lnTo>
-                      <a:pt x="346" y="3430"/>
-                    </a:lnTo>
-                    <a:lnTo>
-                      <a:pt x="346" y="358"/>
-                    </a:lnTo>
-                    <a:lnTo>
-                      <a:pt x="918" y="358"/>
-                    </a:lnTo>
-                    <a:lnTo>
-                      <a:pt x="918" y="572"/>
-                    </a:lnTo>
-                    <a:cubicBezTo>
-                      <a:pt x="918" y="632"/>
-                      <a:pt x="930" y="679"/>
-                      <a:pt x="977" y="715"/>
-                    </a:cubicBezTo>
-                    <a:cubicBezTo>
-                      <a:pt x="1007" y="733"/>
-                      <a:pt x="1043" y="742"/>
-                      <a:pt x="1078" y="742"/>
-                    </a:cubicBezTo>
-                    <a:cubicBezTo>
-                      <a:pt x="1114" y="742"/>
-                      <a:pt x="1150" y="733"/>
-                      <a:pt x="1180" y="715"/>
-                    </a:cubicBezTo>
-                    <a:cubicBezTo>
-                      <a:pt x="1477" y="477"/>
-                      <a:pt x="1835" y="358"/>
-                      <a:pt x="2227" y="358"/>
-                    </a:cubicBezTo>
-                    <a:cubicBezTo>
-                      <a:pt x="3204" y="358"/>
-                      <a:pt x="3656" y="1191"/>
-                      <a:pt x="3656" y="2001"/>
-                    </a:cubicBezTo>
-                    <a:lnTo>
-                      <a:pt x="3656" y="3430"/>
-                    </a:lnTo>
-                    <a:lnTo>
-                      <a:pt x="2847" y="3430"/>
-                    </a:lnTo>
-                    <a:lnTo>
-                      <a:pt x="2847" y="2870"/>
-                    </a:lnTo>
-                    <a:cubicBezTo>
-                      <a:pt x="2847" y="2775"/>
-                      <a:pt x="2775" y="2703"/>
-                      <a:pt x="2692" y="2703"/>
-                    </a:cubicBezTo>
-                    <a:cubicBezTo>
-                      <a:pt x="2597" y="2703"/>
-                      <a:pt x="2525" y="2775"/>
-                      <a:pt x="2525" y="2870"/>
-                    </a:cubicBezTo>
-                    <a:lnTo>
-                      <a:pt x="2525" y="3596"/>
-                    </a:lnTo>
-                    <a:cubicBezTo>
-                      <a:pt x="2525" y="3691"/>
-                      <a:pt x="2597" y="3775"/>
-                      <a:pt x="2704" y="3775"/>
-                    </a:cubicBezTo>
-                    <a:lnTo>
-                      <a:pt x="3847" y="3775"/>
-                    </a:lnTo>
-                    <a:cubicBezTo>
-                      <a:pt x="3942" y="3775"/>
-                      <a:pt x="4025" y="3703"/>
-                      <a:pt x="4025" y="3596"/>
-                    </a:cubicBezTo>
-                    <a:lnTo>
-                      <a:pt x="4025" y="1989"/>
-                    </a:lnTo>
-                    <a:cubicBezTo>
-                      <a:pt x="4025" y="810"/>
-                      <a:pt x="3299" y="1"/>
-                      <a:pt x="2239" y="1"/>
-                    </a:cubicBezTo>
-                    <a:cubicBezTo>
-                      <a:pt x="1894" y="1"/>
-                      <a:pt x="1573" y="84"/>
-                      <a:pt x="1275" y="251"/>
-                    </a:cubicBezTo>
-                    <a:lnTo>
-                      <a:pt x="1275" y="179"/>
-                    </a:lnTo>
-                    <a:cubicBezTo>
-                      <a:pt x="1275" y="84"/>
-                      <a:pt x="1204" y="1"/>
-                      <a:pt x="1096" y="1"/>
-                    </a:cubicBezTo>
-                    <a:close/>
-                  </a:path>
-                </a:pathLst>
-              </a:custGeom>
-              <a:solidFill>
-                <a:schemeClr val="lt1"/>
-              </a:solidFill>
-              <a:ln>
-                <a:noFill/>
-              </a:ln>
-            </p:spPr>
-            <p:txBody>
-              <a:bodyPr spcFirstLastPara="1" wrap="square" lIns="91425" tIns="91425" rIns="91425" bIns="91425" anchor="ctr" anchorCtr="0">
-                <a:noAutofit/>
-              </a:bodyPr>
-              <a:lstStyle/>
-              <a:p>
-                <a:pPr marL="0" lvl="0" indent="0" algn="l" rtl="0">
-                  <a:spcBef>
-                    <a:spcPts val="0"/>
-                  </a:spcBef>
-                  <a:spcAft>
-                    <a:spcPts val="0"/>
-                  </a:spcAft>
-                  <a:buNone/>
-                </a:pPr>
-                <a:endParaRPr/>
-              </a:p>
-            </p:txBody>
-          </p:sp>
-        </p:grpSp>
-      </p:grpSp>
-      <p:grpSp>
-        <p:nvGrpSpPr>
-          <p:cNvPr id="2739" name="Google Shape;2739;p95"/>
-          <p:cNvGrpSpPr/>
-          <p:nvPr/>
-        </p:nvGrpSpPr>
-        <p:grpSpPr>
-          <a:xfrm>
-            <a:off x="3042300" y="3301432"/>
-            <a:ext cx="426000" cy="426000"/>
-            <a:chOff x="3042300" y="3301432"/>
-            <a:chExt cx="426000" cy="426000"/>
-          </a:xfrm>
-        </p:grpSpPr>
-        <p:sp>
-          <p:nvSpPr>
-            <p:cNvPr id="2740" name="Google Shape;2740;p95"/>
-            <p:cNvSpPr/>
-            <p:nvPr/>
-          </p:nvSpPr>
-          <p:spPr>
-            <a:xfrm>
-              <a:off x="3042300" y="3301432"/>
-              <a:ext cx="426000" cy="426000"/>
-            </a:xfrm>
-            <a:prstGeom prst="rect">
-              <a:avLst/>
-            </a:prstGeom>
-            <a:gradFill>
-              <a:gsLst>
-                <a:gs pos="0">
-                  <a:schemeClr val="lt2"/>
-                </a:gs>
-                <a:gs pos="73000">
-                  <a:srgbClr val="C9A2C6"/>
-                </a:gs>
-                <a:gs pos="100000">
-                  <a:srgbClr val="9984D1"/>
-                </a:gs>
-                <a:gs pos="100000">
-                  <a:schemeClr val="dk2"/>
-                </a:gs>
-              </a:gsLst>
-              <a:lin ang="5400700" scaled="0"/>
-            </a:gradFill>
-            <a:ln>
-              <a:noFill/>
-            </a:ln>
-          </p:spPr>
-          <p:txBody>
-            <a:bodyPr spcFirstLastPara="1" wrap="square" lIns="91425" tIns="91425" rIns="91425" bIns="91425" anchor="ctr" anchorCtr="0">
-              <a:noAutofit/>
-            </a:bodyPr>
-            <a:lstStyle/>
-            <a:p>
-              <a:pPr marL="0" lvl="0" indent="0" algn="l" rtl="0">
-                <a:spcBef>
-                  <a:spcPts val="0"/>
-                </a:spcBef>
-                <a:spcAft>
-                  <a:spcPts val="0"/>
-                </a:spcAft>
-                <a:buNone/>
-              </a:pPr>
-              <a:endParaRPr/>
-            </a:p>
-          </p:txBody>
-        </p:sp>
-        <p:grpSp>
-          <p:nvGrpSpPr>
-            <p:cNvPr id="2741" name="Google Shape;2741;p95"/>
-            <p:cNvGrpSpPr/>
-            <p:nvPr/>
-          </p:nvGrpSpPr>
-          <p:grpSpPr>
-            <a:xfrm>
-              <a:off x="3082316" y="3341593"/>
-              <a:ext cx="346024" cy="345674"/>
-              <a:chOff x="4201447" y="3817349"/>
-              <a:chExt cx="346024" cy="345674"/>
-            </a:xfrm>
-          </p:grpSpPr>
-          <p:sp>
-            <p:nvSpPr>
-              <p:cNvPr id="2742" name="Google Shape;2742;p95"/>
-              <p:cNvSpPr/>
-              <p:nvPr/>
-            </p:nvSpPr>
-            <p:spPr>
-              <a:xfrm>
-                <a:off x="4201447" y="3817349"/>
-                <a:ext cx="346024" cy="345674"/>
-              </a:xfrm>
-              <a:custGeom>
-                <a:avLst/>
-                <a:gdLst/>
-                <a:ahLst/>
-                <a:cxnLst/>
-                <a:rect l="l" t="t" r="r" b="b"/>
-                <a:pathLst>
-                  <a:path w="10871" h="10860" extrusionOk="0">
-                    <a:moveTo>
-                      <a:pt x="5430" y="334"/>
-                    </a:moveTo>
-                    <a:cubicBezTo>
-                      <a:pt x="8252" y="334"/>
-                      <a:pt x="10526" y="2608"/>
-                      <a:pt x="10526" y="5430"/>
-                    </a:cubicBezTo>
-                    <a:cubicBezTo>
-                      <a:pt x="10526" y="8240"/>
-                      <a:pt x="8252" y="10514"/>
-                      <a:pt x="5430" y="10514"/>
-                    </a:cubicBezTo>
-                    <a:cubicBezTo>
-                      <a:pt x="2620" y="10514"/>
-                      <a:pt x="346" y="8240"/>
-                      <a:pt x="346" y="5430"/>
-                    </a:cubicBezTo>
-                    <a:cubicBezTo>
-                      <a:pt x="346" y="2608"/>
-                      <a:pt x="2620" y="334"/>
-                      <a:pt x="5430" y="334"/>
-                    </a:cubicBezTo>
-                    <a:close/>
-                    <a:moveTo>
-                      <a:pt x="5430" y="1"/>
-                    </a:moveTo>
-                    <a:cubicBezTo>
-                      <a:pt x="3989" y="1"/>
-                      <a:pt x="2620" y="560"/>
-                      <a:pt x="1596" y="1584"/>
-                    </a:cubicBezTo>
-                    <a:cubicBezTo>
-                      <a:pt x="572" y="2620"/>
-                      <a:pt x="1" y="3989"/>
-                      <a:pt x="1" y="5430"/>
-                    </a:cubicBezTo>
-                    <a:cubicBezTo>
-                      <a:pt x="1" y="6871"/>
-                      <a:pt x="572" y="8240"/>
-                      <a:pt x="1596" y="9264"/>
-                    </a:cubicBezTo>
-                    <a:cubicBezTo>
-                      <a:pt x="2620" y="10300"/>
-                      <a:pt x="3989" y="10859"/>
-                      <a:pt x="5430" y="10859"/>
-                    </a:cubicBezTo>
-                    <a:cubicBezTo>
-                      <a:pt x="6882" y="10859"/>
-                      <a:pt x="8252" y="10300"/>
-                      <a:pt x="9276" y="9264"/>
-                    </a:cubicBezTo>
-                    <a:cubicBezTo>
-                      <a:pt x="10299" y="8240"/>
-                      <a:pt x="10871" y="6871"/>
-                      <a:pt x="10871" y="5430"/>
-                    </a:cubicBezTo>
-                    <a:cubicBezTo>
-                      <a:pt x="10871" y="3989"/>
-                      <a:pt x="10299" y="2620"/>
-                      <a:pt x="9276" y="1584"/>
-                    </a:cubicBezTo>
-                    <a:cubicBezTo>
-                      <a:pt x="8252" y="560"/>
-                      <a:pt x="6882" y="1"/>
-                      <a:pt x="5430" y="1"/>
-                    </a:cubicBezTo>
-                    <a:close/>
-                  </a:path>
-                </a:pathLst>
-              </a:custGeom>
-              <a:solidFill>
-                <a:schemeClr val="lt1"/>
-              </a:solidFill>
-              <a:ln>
-                <a:noFill/>
-              </a:ln>
-            </p:spPr>
-            <p:txBody>
-              <a:bodyPr spcFirstLastPara="1" wrap="square" lIns="91425" tIns="91425" rIns="91425" bIns="91425" anchor="ctr" anchorCtr="0">
-                <a:noAutofit/>
-              </a:bodyPr>
-              <a:lstStyle/>
-              <a:p>
-                <a:pPr marL="0" lvl="0" indent="0" algn="l" rtl="0">
-                  <a:spcBef>
-                    <a:spcPts val="0"/>
-                  </a:spcBef>
-                  <a:spcAft>
-                    <a:spcPts val="0"/>
-                  </a:spcAft>
-                  <a:buNone/>
-                </a:pPr>
-                <a:endParaRPr/>
-              </a:p>
-            </p:txBody>
-          </p:sp>
-          <p:sp>
-            <p:nvSpPr>
-              <p:cNvPr id="2743" name="Google Shape;2743;p95"/>
-              <p:cNvSpPr/>
-              <p:nvPr/>
-            </p:nvSpPr>
-            <p:spPr>
-              <a:xfrm>
-                <a:off x="4271569" y="3904531"/>
-                <a:ext cx="227394" cy="185728"/>
-              </a:xfrm>
-              <a:custGeom>
-                <a:avLst/>
-                <a:gdLst/>
-                <a:ahLst/>
-                <a:cxnLst/>
-                <a:rect l="l" t="t" r="r" b="b"/>
-                <a:pathLst>
-                  <a:path w="7144" h="5835" extrusionOk="0">
-                    <a:moveTo>
-                      <a:pt x="4620" y="0"/>
-                    </a:moveTo>
-                    <a:cubicBezTo>
-                      <a:pt x="3727" y="0"/>
-                      <a:pt x="2977" y="691"/>
-                      <a:pt x="2905" y="1572"/>
-                    </a:cubicBezTo>
-                    <a:cubicBezTo>
-                      <a:pt x="2727" y="1548"/>
-                      <a:pt x="2358" y="1441"/>
-                      <a:pt x="2262" y="1405"/>
-                    </a:cubicBezTo>
-                    <a:cubicBezTo>
-                      <a:pt x="1643" y="1203"/>
-                      <a:pt x="1072" y="810"/>
-                      <a:pt x="631" y="322"/>
-                    </a:cubicBezTo>
-                    <a:cubicBezTo>
-                      <a:pt x="596" y="298"/>
-                      <a:pt x="572" y="274"/>
-                      <a:pt x="524" y="262"/>
-                    </a:cubicBezTo>
-                    <a:cubicBezTo>
-                      <a:pt x="517" y="261"/>
-                      <a:pt x="509" y="260"/>
-                      <a:pt x="501" y="260"/>
-                    </a:cubicBezTo>
-                    <a:cubicBezTo>
-                      <a:pt x="436" y="260"/>
-                      <a:pt x="367" y="304"/>
-                      <a:pt x="346" y="357"/>
-                    </a:cubicBezTo>
-                    <a:cubicBezTo>
-                      <a:pt x="238" y="572"/>
-                      <a:pt x="179" y="810"/>
-                      <a:pt x="179" y="1048"/>
-                    </a:cubicBezTo>
-                    <a:cubicBezTo>
-                      <a:pt x="179" y="1393"/>
-                      <a:pt x="286" y="1727"/>
-                      <a:pt x="476" y="1977"/>
-                    </a:cubicBezTo>
-                    <a:cubicBezTo>
-                      <a:pt x="466" y="1975"/>
-                      <a:pt x="456" y="1974"/>
-                      <a:pt x="446" y="1974"/>
-                    </a:cubicBezTo>
-                    <a:cubicBezTo>
-                      <a:pt x="397" y="1974"/>
-                      <a:pt x="349" y="1997"/>
-                      <a:pt x="310" y="2036"/>
-                    </a:cubicBezTo>
-                    <a:cubicBezTo>
-                      <a:pt x="286" y="2060"/>
-                      <a:pt x="286" y="2108"/>
-                      <a:pt x="274" y="2143"/>
-                    </a:cubicBezTo>
-                    <a:lnTo>
-                      <a:pt x="274" y="2203"/>
-                    </a:lnTo>
-                    <a:cubicBezTo>
-                      <a:pt x="274" y="2655"/>
-                      <a:pt x="476" y="3072"/>
-                      <a:pt x="822" y="3358"/>
-                    </a:cubicBezTo>
-                    <a:cubicBezTo>
-                      <a:pt x="786" y="3370"/>
-                      <a:pt x="774" y="3405"/>
-                      <a:pt x="762" y="3417"/>
-                    </a:cubicBezTo>
-                    <a:cubicBezTo>
-                      <a:pt x="750" y="3465"/>
-                      <a:pt x="727" y="3513"/>
-                      <a:pt x="750" y="3548"/>
-                    </a:cubicBezTo>
-                    <a:cubicBezTo>
-                      <a:pt x="893" y="4024"/>
-                      <a:pt x="1262" y="4405"/>
-                      <a:pt x="1727" y="4548"/>
-                    </a:cubicBezTo>
-                    <a:cubicBezTo>
-                      <a:pt x="1310" y="4798"/>
-                      <a:pt x="834" y="4941"/>
-                      <a:pt x="334" y="4941"/>
-                    </a:cubicBezTo>
-                    <a:lnTo>
-                      <a:pt x="191" y="4941"/>
-                    </a:lnTo>
-                    <a:cubicBezTo>
-                      <a:pt x="107" y="4941"/>
-                      <a:pt x="36" y="5001"/>
-                      <a:pt x="12" y="5084"/>
-                    </a:cubicBezTo>
-                    <a:cubicBezTo>
-                      <a:pt x="0" y="5156"/>
-                      <a:pt x="48" y="5239"/>
-                      <a:pt x="107" y="5263"/>
-                    </a:cubicBezTo>
-                    <a:cubicBezTo>
-                      <a:pt x="727" y="5632"/>
-                      <a:pt x="1465" y="5834"/>
-                      <a:pt x="2191" y="5834"/>
-                    </a:cubicBezTo>
-                    <a:cubicBezTo>
-                      <a:pt x="3072" y="5834"/>
-                      <a:pt x="3905" y="5560"/>
-                      <a:pt x="4596" y="5060"/>
-                    </a:cubicBezTo>
-                    <a:cubicBezTo>
-                      <a:pt x="4691" y="5001"/>
-                      <a:pt x="4691" y="4858"/>
-                      <a:pt x="4620" y="4786"/>
-                    </a:cubicBezTo>
-                    <a:cubicBezTo>
-                      <a:pt x="4587" y="4754"/>
-                      <a:pt x="4544" y="4735"/>
-                      <a:pt x="4499" y="4735"/>
-                    </a:cubicBezTo>
-                    <a:cubicBezTo>
-                      <a:pt x="4463" y="4735"/>
-                      <a:pt x="4426" y="4748"/>
-                      <a:pt x="4394" y="4775"/>
-                    </a:cubicBezTo>
-                    <a:cubicBezTo>
-                      <a:pt x="3763" y="5215"/>
-                      <a:pt x="3013" y="5489"/>
-                      <a:pt x="2191" y="5489"/>
-                    </a:cubicBezTo>
-                    <a:cubicBezTo>
-                      <a:pt x="1727" y="5489"/>
-                      <a:pt x="1262" y="5394"/>
-                      <a:pt x="846" y="5239"/>
-                    </a:cubicBezTo>
-                    <a:cubicBezTo>
-                      <a:pt x="1369" y="5144"/>
-                      <a:pt x="1846" y="4917"/>
-                      <a:pt x="2262" y="4584"/>
-                    </a:cubicBezTo>
-                    <a:cubicBezTo>
-                      <a:pt x="2310" y="4536"/>
-                      <a:pt x="2334" y="4477"/>
-                      <a:pt x="2322" y="4417"/>
-                    </a:cubicBezTo>
-                    <a:cubicBezTo>
-                      <a:pt x="2310" y="4346"/>
-                      <a:pt x="2239" y="4286"/>
-                      <a:pt x="2155" y="4286"/>
-                    </a:cubicBezTo>
-                    <a:cubicBezTo>
-                      <a:pt x="1739" y="4263"/>
-                      <a:pt x="1369" y="4048"/>
-                      <a:pt x="1167" y="3691"/>
-                    </a:cubicBezTo>
-                    <a:cubicBezTo>
-                      <a:pt x="1250" y="3691"/>
-                      <a:pt x="1358" y="3667"/>
-                      <a:pt x="1441" y="3643"/>
-                    </a:cubicBezTo>
-                    <a:cubicBezTo>
-                      <a:pt x="1524" y="3632"/>
-                      <a:pt x="1584" y="3572"/>
-                      <a:pt x="1584" y="3489"/>
-                    </a:cubicBezTo>
-                    <a:cubicBezTo>
-                      <a:pt x="1596" y="3405"/>
-                      <a:pt x="1536" y="3334"/>
-                      <a:pt x="1441" y="3298"/>
-                    </a:cubicBezTo>
-                    <a:cubicBezTo>
-                      <a:pt x="1000" y="3191"/>
-                      <a:pt x="667" y="2822"/>
-                      <a:pt x="596" y="2381"/>
-                    </a:cubicBezTo>
-                    <a:lnTo>
-                      <a:pt x="596" y="2381"/>
-                    </a:lnTo>
-                    <a:cubicBezTo>
-                      <a:pt x="727" y="2405"/>
-                      <a:pt x="869" y="2417"/>
-                      <a:pt x="1000" y="2417"/>
-                    </a:cubicBezTo>
-                    <a:cubicBezTo>
-                      <a:pt x="1084" y="2417"/>
-                      <a:pt x="1143" y="2358"/>
-                      <a:pt x="1167" y="2274"/>
-                    </a:cubicBezTo>
-                    <a:cubicBezTo>
-                      <a:pt x="1179" y="2203"/>
-                      <a:pt x="1131" y="2143"/>
-                      <a:pt x="1072" y="2108"/>
-                    </a:cubicBezTo>
-                    <a:cubicBezTo>
-                      <a:pt x="703" y="1881"/>
-                      <a:pt x="476" y="1488"/>
-                      <a:pt x="476" y="1048"/>
-                    </a:cubicBezTo>
-                    <a:cubicBezTo>
-                      <a:pt x="476" y="953"/>
-                      <a:pt x="488" y="846"/>
-                      <a:pt x="524" y="738"/>
-                    </a:cubicBezTo>
-                    <a:cubicBezTo>
-                      <a:pt x="965" y="1191"/>
-                      <a:pt x="1524" y="1524"/>
-                      <a:pt x="2120" y="1727"/>
-                    </a:cubicBezTo>
-                    <a:cubicBezTo>
-                      <a:pt x="2120" y="1727"/>
-                      <a:pt x="2715" y="1905"/>
-                      <a:pt x="2929" y="1917"/>
-                    </a:cubicBezTo>
-                    <a:lnTo>
-                      <a:pt x="3024" y="1917"/>
-                    </a:lnTo>
-                    <a:cubicBezTo>
-                      <a:pt x="3096" y="1917"/>
-                      <a:pt x="3167" y="1869"/>
-                      <a:pt x="3191" y="1798"/>
-                    </a:cubicBezTo>
-                    <a:cubicBezTo>
-                      <a:pt x="3203" y="1786"/>
-                      <a:pt x="3203" y="1750"/>
-                      <a:pt x="3203" y="1738"/>
-                    </a:cubicBezTo>
-                    <a:lnTo>
-                      <a:pt x="3203" y="1703"/>
-                    </a:lnTo>
-                    <a:cubicBezTo>
-                      <a:pt x="3203" y="953"/>
-                      <a:pt x="3810" y="334"/>
-                      <a:pt x="4572" y="334"/>
-                    </a:cubicBezTo>
-                    <a:cubicBezTo>
-                      <a:pt x="4941" y="334"/>
-                      <a:pt x="5287" y="488"/>
-                      <a:pt x="5549" y="750"/>
-                    </a:cubicBezTo>
-                    <a:cubicBezTo>
-                      <a:pt x="5585" y="787"/>
-                      <a:pt x="5621" y="802"/>
-                      <a:pt x="5663" y="802"/>
-                    </a:cubicBezTo>
-                    <a:cubicBezTo>
-                      <a:pt x="5676" y="802"/>
-                      <a:pt x="5689" y="801"/>
-                      <a:pt x="5703" y="798"/>
-                    </a:cubicBezTo>
-                    <a:cubicBezTo>
-                      <a:pt x="5882" y="762"/>
-                      <a:pt x="6049" y="738"/>
-                      <a:pt x="6203" y="679"/>
-                    </a:cubicBezTo>
-                    <a:lnTo>
-                      <a:pt x="6203" y="679"/>
-                    </a:lnTo>
-                    <a:cubicBezTo>
-                      <a:pt x="6120" y="762"/>
-                      <a:pt x="6013" y="857"/>
-                      <a:pt x="5894" y="917"/>
-                    </a:cubicBezTo>
-                    <a:cubicBezTo>
-                      <a:pt x="5822" y="965"/>
-                      <a:pt x="5787" y="1048"/>
-                      <a:pt x="5822" y="1143"/>
-                    </a:cubicBezTo>
-                    <a:cubicBezTo>
-                      <a:pt x="5846" y="1203"/>
-                      <a:pt x="5930" y="1250"/>
-                      <a:pt x="6001" y="1250"/>
-                    </a:cubicBezTo>
-                    <a:cubicBezTo>
-                      <a:pt x="6144" y="1227"/>
-                      <a:pt x="6287" y="1215"/>
-                      <a:pt x="6418" y="1167"/>
-                    </a:cubicBezTo>
-                    <a:lnTo>
-                      <a:pt x="6418" y="1167"/>
-                    </a:lnTo>
-                    <a:cubicBezTo>
-                      <a:pt x="6299" y="1286"/>
-                      <a:pt x="6168" y="1405"/>
-                      <a:pt x="6013" y="1512"/>
-                    </a:cubicBezTo>
-                    <a:cubicBezTo>
-                      <a:pt x="5965" y="1548"/>
-                      <a:pt x="5941" y="1608"/>
-                      <a:pt x="5941" y="1655"/>
-                    </a:cubicBezTo>
-                    <a:lnTo>
-                      <a:pt x="5941" y="1679"/>
-                    </a:lnTo>
-                    <a:lnTo>
-                      <a:pt x="5941" y="1703"/>
-                    </a:lnTo>
-                    <a:lnTo>
-                      <a:pt x="5941" y="1727"/>
-                    </a:lnTo>
-                    <a:cubicBezTo>
-                      <a:pt x="5941" y="2691"/>
-                      <a:pt x="5572" y="3572"/>
-                      <a:pt x="4977" y="4227"/>
-                    </a:cubicBezTo>
-                    <a:cubicBezTo>
-                      <a:pt x="4918" y="4298"/>
-                      <a:pt x="4918" y="4405"/>
-                      <a:pt x="4977" y="4465"/>
-                    </a:cubicBezTo>
-                    <a:cubicBezTo>
-                      <a:pt x="5011" y="4499"/>
-                      <a:pt x="5053" y="4514"/>
-                      <a:pt x="5096" y="4514"/>
-                    </a:cubicBezTo>
-                    <a:cubicBezTo>
-                      <a:pt x="5143" y="4514"/>
-                      <a:pt x="5190" y="4496"/>
-                      <a:pt x="5227" y="4465"/>
-                    </a:cubicBezTo>
-                    <a:cubicBezTo>
-                      <a:pt x="5894" y="3715"/>
-                      <a:pt x="6263" y="2762"/>
-                      <a:pt x="6287" y="1750"/>
-                    </a:cubicBezTo>
-                    <a:cubicBezTo>
-                      <a:pt x="6596" y="1524"/>
-                      <a:pt x="6846" y="1250"/>
-                      <a:pt x="7061" y="917"/>
-                    </a:cubicBezTo>
-                    <a:cubicBezTo>
-                      <a:pt x="7144" y="857"/>
-                      <a:pt x="7132" y="750"/>
-                      <a:pt x="7061" y="715"/>
-                    </a:cubicBezTo>
-                    <a:cubicBezTo>
-                      <a:pt x="7029" y="683"/>
-                      <a:pt x="6987" y="667"/>
-                      <a:pt x="6937" y="667"/>
-                    </a:cubicBezTo>
-                    <a:cubicBezTo>
-                      <a:pt x="6912" y="667"/>
-                      <a:pt x="6886" y="671"/>
-                      <a:pt x="6858" y="679"/>
-                    </a:cubicBezTo>
-                    <a:cubicBezTo>
-                      <a:pt x="6775" y="726"/>
-                      <a:pt x="6680" y="750"/>
-                      <a:pt x="6596" y="786"/>
-                    </a:cubicBezTo>
-                    <a:cubicBezTo>
-                      <a:pt x="6680" y="667"/>
-                      <a:pt x="6763" y="512"/>
-                      <a:pt x="6823" y="369"/>
-                    </a:cubicBezTo>
-                    <a:cubicBezTo>
-                      <a:pt x="6834" y="310"/>
-                      <a:pt x="6834" y="238"/>
-                      <a:pt x="6787" y="191"/>
-                    </a:cubicBezTo>
-                    <a:cubicBezTo>
-                      <a:pt x="6750" y="153"/>
-                      <a:pt x="6703" y="135"/>
-                      <a:pt x="6659" y="135"/>
-                    </a:cubicBezTo>
-                    <a:cubicBezTo>
-                      <a:pt x="6632" y="135"/>
-                      <a:pt x="6607" y="142"/>
-                      <a:pt x="6584" y="155"/>
-                    </a:cubicBezTo>
-                    <a:cubicBezTo>
-                      <a:pt x="6322" y="310"/>
-                      <a:pt x="6061" y="393"/>
-                      <a:pt x="5775" y="441"/>
-                    </a:cubicBezTo>
-                    <a:cubicBezTo>
-                      <a:pt x="5465" y="143"/>
-                      <a:pt x="5048" y="0"/>
-                      <a:pt x="4620" y="0"/>
-                    </a:cubicBezTo>
-                    <a:close/>
-                  </a:path>
-                </a:pathLst>
-              </a:custGeom>
-              <a:solidFill>
-                <a:schemeClr val="lt1"/>
-              </a:solidFill>
-              <a:ln>
-                <a:noFill/>
-              </a:ln>
-            </p:spPr>
-            <p:txBody>
-              <a:bodyPr spcFirstLastPara="1" wrap="square" lIns="91425" tIns="91425" rIns="91425" bIns="91425" anchor="ctr" anchorCtr="0">
-                <a:noAutofit/>
-              </a:bodyPr>
-              <a:lstStyle/>
-              <a:p>
-                <a:pPr marL="0" lvl="0" indent="0" algn="l" rtl="0">
-                  <a:spcBef>
-                    <a:spcPts val="0"/>
-                  </a:spcBef>
-                  <a:spcAft>
-                    <a:spcPts val="0"/>
-                  </a:spcAft>
-                  <a:buNone/>
-                </a:pPr>
-                <a:endParaRPr/>
-              </a:p>
-            </p:txBody>
-          </p:sp>
-        </p:grpSp>
-      </p:grpSp>
-      <p:grpSp>
-        <p:nvGrpSpPr>
-          <p:cNvPr id="2744" name="Google Shape;2744;p95"/>
-          <p:cNvGrpSpPr/>
-          <p:nvPr/>
-        </p:nvGrpSpPr>
-        <p:grpSpPr>
-          <a:xfrm>
-            <a:off x="3779025" y="3301432"/>
-            <a:ext cx="426000" cy="426000"/>
-            <a:chOff x="3779025" y="3301432"/>
-            <a:chExt cx="426000" cy="426000"/>
-          </a:xfrm>
-        </p:grpSpPr>
-        <p:sp>
-          <p:nvSpPr>
-            <p:cNvPr id="2745" name="Google Shape;2745;p95"/>
-            <p:cNvSpPr/>
-            <p:nvPr/>
-          </p:nvSpPr>
-          <p:spPr>
-            <a:xfrm>
-              <a:off x="3779025" y="3301432"/>
-              <a:ext cx="426000" cy="426000"/>
-            </a:xfrm>
-            <a:prstGeom prst="rect">
-              <a:avLst/>
-            </a:prstGeom>
-            <a:gradFill>
-              <a:gsLst>
-                <a:gs pos="0">
-                  <a:schemeClr val="lt2"/>
-                </a:gs>
-                <a:gs pos="73000">
-                  <a:srgbClr val="C9A2C6"/>
-                </a:gs>
-                <a:gs pos="100000">
-                  <a:srgbClr val="9984D1"/>
-                </a:gs>
-                <a:gs pos="100000">
-                  <a:schemeClr val="dk2"/>
-                </a:gs>
-              </a:gsLst>
-              <a:lin ang="5400700" scaled="0"/>
-            </a:gradFill>
-            <a:ln>
-              <a:noFill/>
-            </a:ln>
-          </p:spPr>
-          <p:txBody>
-            <a:bodyPr spcFirstLastPara="1" wrap="square" lIns="91425" tIns="91425" rIns="91425" bIns="91425" anchor="ctr" anchorCtr="0">
-              <a:noAutofit/>
-            </a:bodyPr>
-            <a:lstStyle/>
-            <a:p>
-              <a:pPr marL="0" lvl="0" indent="0" algn="l" rtl="0">
-                <a:spcBef>
-                  <a:spcPts val="0"/>
-                </a:spcBef>
-                <a:spcAft>
-                  <a:spcPts val="0"/>
-                </a:spcAft>
-                <a:buNone/>
-              </a:pPr>
-              <a:endParaRPr/>
-            </a:p>
-          </p:txBody>
-        </p:sp>
-        <p:grpSp>
-          <p:nvGrpSpPr>
-            <p:cNvPr id="2746" name="Google Shape;2746;p95"/>
-            <p:cNvGrpSpPr/>
-            <p:nvPr/>
-          </p:nvGrpSpPr>
-          <p:grpSpPr>
-            <a:xfrm>
-              <a:off x="3818996" y="3341593"/>
-              <a:ext cx="346056" cy="345674"/>
-              <a:chOff x="2238181" y="4120624"/>
-              <a:chExt cx="346056" cy="345674"/>
-            </a:xfrm>
-          </p:grpSpPr>
-          <p:grpSp>
-            <p:nvGrpSpPr>
-              <p:cNvPr id="2747" name="Google Shape;2747;p95"/>
-              <p:cNvGrpSpPr/>
-              <p:nvPr/>
-            </p:nvGrpSpPr>
-            <p:grpSpPr>
-              <a:xfrm>
-                <a:off x="2309155" y="4177413"/>
-                <a:ext cx="203862" cy="231903"/>
-                <a:chOff x="1512725" y="258500"/>
-                <a:chExt cx="4570900" cy="5199625"/>
-              </a:xfrm>
-            </p:grpSpPr>
-            <p:sp>
-              <p:nvSpPr>
-                <p:cNvPr id="2748" name="Google Shape;2748;p95"/>
-                <p:cNvSpPr/>
-                <p:nvPr/>
-              </p:nvSpPr>
-              <p:spPr>
-                <a:xfrm>
-                  <a:off x="1512725" y="2700900"/>
-                  <a:ext cx="2654475" cy="2757225"/>
-                </a:xfrm>
-                <a:custGeom>
-                  <a:avLst/>
-                  <a:gdLst/>
-                  <a:ahLst/>
-                  <a:cxnLst/>
-                  <a:rect l="l" t="t" r="r" b="b"/>
-                  <a:pathLst>
-                    <a:path w="106179" h="110289" extrusionOk="0">
-                      <a:moveTo>
-                        <a:pt x="19199" y="1"/>
-                      </a:moveTo>
-                      <a:cubicBezTo>
-                        <a:pt x="18076" y="1"/>
-                        <a:pt x="16954" y="466"/>
-                        <a:pt x="16148" y="1404"/>
-                      </a:cubicBezTo>
-                      <a:cubicBezTo>
-                        <a:pt x="5840" y="13310"/>
-                        <a:pt x="1" y="28739"/>
-                        <a:pt x="33" y="44494"/>
-                      </a:cubicBezTo>
-                      <a:cubicBezTo>
-                        <a:pt x="33" y="62077"/>
-                        <a:pt x="6916" y="78582"/>
-                        <a:pt x="19442" y="91010"/>
-                      </a:cubicBezTo>
-                      <a:cubicBezTo>
-                        <a:pt x="31968" y="103439"/>
-                        <a:pt x="48572" y="110289"/>
-                        <a:pt x="66252" y="110289"/>
-                      </a:cubicBezTo>
-                      <a:cubicBezTo>
-                        <a:pt x="69546" y="110289"/>
-                        <a:pt x="72939" y="110060"/>
-                        <a:pt x="76201" y="109571"/>
-                      </a:cubicBezTo>
-                      <a:cubicBezTo>
-                        <a:pt x="86248" y="108071"/>
-                        <a:pt x="95675" y="104352"/>
-                        <a:pt x="103895" y="98643"/>
-                      </a:cubicBezTo>
-                      <a:cubicBezTo>
-                        <a:pt x="105983" y="97208"/>
-                        <a:pt x="106179" y="94272"/>
-                        <a:pt x="104417" y="92478"/>
-                      </a:cubicBezTo>
-                      <a:cubicBezTo>
-                        <a:pt x="104384" y="92348"/>
-                        <a:pt x="104384" y="92315"/>
-                        <a:pt x="104352" y="92315"/>
-                      </a:cubicBezTo>
-                      <a:cubicBezTo>
-                        <a:pt x="103555" y="91537"/>
-                        <a:pt x="102517" y="91128"/>
-                        <a:pt x="101470" y="91128"/>
-                      </a:cubicBezTo>
-                      <a:cubicBezTo>
-                        <a:pt x="100673" y="91128"/>
-                        <a:pt x="99870" y="91365"/>
-                        <a:pt x="99165" y="91859"/>
-                      </a:cubicBezTo>
-                      <a:cubicBezTo>
-                        <a:pt x="91956" y="96849"/>
-                        <a:pt x="83769" y="100111"/>
-                        <a:pt x="74994" y="101416"/>
-                      </a:cubicBezTo>
-                      <a:cubicBezTo>
-                        <a:pt x="72091" y="101808"/>
-                        <a:pt x="69155" y="102069"/>
-                        <a:pt x="66252" y="102069"/>
-                      </a:cubicBezTo>
-                      <a:cubicBezTo>
-                        <a:pt x="50757" y="102069"/>
-                        <a:pt x="36176" y="96066"/>
-                        <a:pt x="25216" y="85171"/>
-                      </a:cubicBezTo>
-                      <a:cubicBezTo>
-                        <a:pt x="14256" y="74309"/>
-                        <a:pt x="8221" y="59826"/>
-                        <a:pt x="8188" y="44462"/>
-                      </a:cubicBezTo>
-                      <a:cubicBezTo>
-                        <a:pt x="8188" y="30664"/>
-                        <a:pt x="13277" y="17126"/>
-                        <a:pt x="22313" y="6721"/>
-                      </a:cubicBezTo>
-                      <a:cubicBezTo>
-                        <a:pt x="23650" y="5188"/>
-                        <a:pt x="23650" y="2904"/>
-                        <a:pt x="22248" y="1404"/>
-                      </a:cubicBezTo>
-                      <a:lnTo>
-                        <a:pt x="22215" y="1338"/>
-                      </a:lnTo>
-                      <a:cubicBezTo>
-                        <a:pt x="21407" y="449"/>
-                        <a:pt x="20302" y="1"/>
-                        <a:pt x="19199" y="1"/>
-                      </a:cubicBezTo>
-                      <a:close/>
-                    </a:path>
-                  </a:pathLst>
-                </a:custGeom>
-                <a:solidFill>
-                  <a:schemeClr val="lt1"/>
-                </a:solidFill>
-                <a:ln>
-                  <a:noFill/>
-                </a:ln>
-              </p:spPr>
-              <p:txBody>
-                <a:bodyPr spcFirstLastPara="1" wrap="square" lIns="91425" tIns="91425" rIns="91425" bIns="91425" anchor="ctr" anchorCtr="0">
-                  <a:noAutofit/>
-                </a:bodyPr>
-                <a:lstStyle/>
-                <a:p>
-                  <a:pPr marL="0" lvl="0" indent="0" algn="l" rtl="0">
-                    <a:spcBef>
-                      <a:spcPts val="0"/>
-                    </a:spcBef>
-                    <a:spcAft>
-                      <a:spcPts val="0"/>
-                    </a:spcAft>
-                    <a:buNone/>
-                  </a:pPr>
-                  <a:endParaRPr/>
-                </a:p>
-              </p:txBody>
-            </p:sp>
-            <p:sp>
-              <p:nvSpPr>
-                <p:cNvPr id="2749" name="Google Shape;2749;p95"/>
-                <p:cNvSpPr/>
-                <p:nvPr/>
-              </p:nvSpPr>
-              <p:spPr>
-                <a:xfrm>
-                  <a:off x="2323325" y="258500"/>
-                  <a:ext cx="3760300" cy="4390225"/>
-                </a:xfrm>
-                <a:custGeom>
-                  <a:avLst/>
-                  <a:gdLst/>
-                  <a:ahLst/>
-                  <a:cxnLst/>
-                  <a:rect l="l" t="t" r="r" b="b"/>
-                  <a:pathLst>
-                    <a:path w="150412" h="175609" extrusionOk="0">
-                      <a:moveTo>
-                        <a:pt x="63610" y="0"/>
-                      </a:moveTo>
-                      <a:cubicBezTo>
-                        <a:pt x="61359" y="0"/>
-                        <a:pt x="59532" y="1827"/>
-                        <a:pt x="59532" y="4078"/>
-                      </a:cubicBezTo>
-                      <a:lnTo>
-                        <a:pt x="59532" y="93228"/>
-                      </a:lnTo>
-                      <a:lnTo>
-                        <a:pt x="59467" y="142060"/>
-                      </a:lnTo>
-                      <a:cubicBezTo>
-                        <a:pt x="59467" y="153020"/>
-                        <a:pt x="52421" y="162741"/>
-                        <a:pt x="41950" y="166199"/>
-                      </a:cubicBezTo>
-                      <a:cubicBezTo>
-                        <a:pt x="39320" y="167047"/>
-                        <a:pt x="36616" y="167503"/>
-                        <a:pt x="33881" y="167503"/>
-                      </a:cubicBezTo>
-                      <a:cubicBezTo>
-                        <a:pt x="33462" y="167503"/>
-                        <a:pt x="33042" y="167493"/>
-                        <a:pt x="32621" y="167471"/>
-                      </a:cubicBezTo>
-                      <a:cubicBezTo>
-                        <a:pt x="19181" y="166818"/>
-                        <a:pt x="8515" y="155793"/>
-                        <a:pt x="8319" y="142419"/>
-                      </a:cubicBezTo>
-                      <a:cubicBezTo>
-                        <a:pt x="8221" y="135569"/>
-                        <a:pt x="10798" y="129143"/>
-                        <a:pt x="15593" y="124250"/>
-                      </a:cubicBezTo>
-                      <a:cubicBezTo>
-                        <a:pt x="20454" y="119291"/>
-                        <a:pt x="26978" y="116584"/>
-                        <a:pt x="33926" y="116584"/>
-                      </a:cubicBezTo>
-                      <a:cubicBezTo>
-                        <a:pt x="36633" y="116584"/>
-                        <a:pt x="39373" y="117041"/>
-                        <a:pt x="41983" y="117889"/>
-                      </a:cubicBezTo>
-                      <a:cubicBezTo>
-                        <a:pt x="42399" y="118019"/>
-                        <a:pt x="42825" y="118082"/>
-                        <a:pt x="43246" y="118082"/>
-                      </a:cubicBezTo>
-                      <a:cubicBezTo>
-                        <a:pt x="44409" y="118082"/>
-                        <a:pt x="45540" y="117600"/>
-                        <a:pt x="46354" y="116714"/>
-                      </a:cubicBezTo>
-                      <a:cubicBezTo>
-                        <a:pt x="47006" y="115931"/>
-                        <a:pt x="47332" y="114920"/>
-                        <a:pt x="47332" y="113909"/>
-                      </a:cubicBezTo>
-                      <a:lnTo>
-                        <a:pt x="47332" y="81028"/>
-                      </a:lnTo>
-                      <a:cubicBezTo>
-                        <a:pt x="47332" y="79038"/>
-                        <a:pt x="45865" y="77277"/>
-                        <a:pt x="43875" y="76983"/>
-                      </a:cubicBezTo>
-                      <a:cubicBezTo>
-                        <a:pt x="40547" y="76494"/>
-                        <a:pt x="37220" y="76233"/>
-                        <a:pt x="33926" y="76233"/>
-                      </a:cubicBezTo>
-                      <a:cubicBezTo>
-                        <a:pt x="26651" y="76233"/>
-                        <a:pt x="19638" y="77407"/>
-                        <a:pt x="12984" y="79593"/>
-                      </a:cubicBezTo>
-                      <a:cubicBezTo>
-                        <a:pt x="10831" y="80311"/>
-                        <a:pt x="9820" y="82724"/>
-                        <a:pt x="10831" y="84780"/>
-                      </a:cubicBezTo>
-                      <a:lnTo>
-                        <a:pt x="10831" y="84812"/>
-                      </a:lnTo>
-                      <a:cubicBezTo>
-                        <a:pt x="10961" y="85008"/>
-                        <a:pt x="11092" y="85269"/>
-                        <a:pt x="11157" y="85465"/>
-                      </a:cubicBezTo>
-                      <a:cubicBezTo>
-                        <a:pt x="11790" y="86730"/>
-                        <a:pt x="13091" y="87485"/>
-                        <a:pt x="14435" y="87485"/>
-                      </a:cubicBezTo>
-                      <a:cubicBezTo>
-                        <a:pt x="14823" y="87485"/>
-                        <a:pt x="15214" y="87423"/>
-                        <a:pt x="15593" y="87291"/>
-                      </a:cubicBezTo>
-                      <a:cubicBezTo>
-                        <a:pt x="21400" y="85367"/>
-                        <a:pt x="27565" y="84388"/>
-                        <a:pt x="33860" y="84388"/>
-                      </a:cubicBezTo>
-                      <a:cubicBezTo>
-                        <a:pt x="35622" y="84388"/>
-                        <a:pt x="37383" y="84486"/>
-                        <a:pt x="39145" y="84649"/>
-                      </a:cubicBezTo>
-                      <a:lnTo>
-                        <a:pt x="39145" y="108853"/>
-                      </a:lnTo>
-                      <a:cubicBezTo>
-                        <a:pt x="37383" y="108592"/>
-                        <a:pt x="35622" y="108462"/>
-                        <a:pt x="33860" y="108462"/>
-                      </a:cubicBezTo>
-                      <a:cubicBezTo>
-                        <a:pt x="24727" y="108462"/>
-                        <a:pt x="16180" y="112050"/>
-                        <a:pt x="9787" y="118541"/>
-                      </a:cubicBezTo>
-                      <a:cubicBezTo>
-                        <a:pt x="3426" y="124967"/>
-                        <a:pt x="1" y="133481"/>
-                        <a:pt x="99" y="142549"/>
-                      </a:cubicBezTo>
-                      <a:cubicBezTo>
-                        <a:pt x="360" y="160197"/>
-                        <a:pt x="14452" y="174712"/>
-                        <a:pt x="32164" y="175561"/>
-                      </a:cubicBezTo>
-                      <a:cubicBezTo>
-                        <a:pt x="32758" y="175593"/>
-                        <a:pt x="33351" y="175609"/>
-                        <a:pt x="33941" y="175609"/>
-                      </a:cubicBezTo>
-                      <a:cubicBezTo>
-                        <a:pt x="37530" y="175609"/>
-                        <a:pt x="41044" y="175018"/>
-                        <a:pt x="44462" y="173897"/>
-                      </a:cubicBezTo>
-                      <a:cubicBezTo>
-                        <a:pt x="58325" y="169330"/>
-                        <a:pt x="67622" y="156543"/>
-                        <a:pt x="67622" y="142027"/>
-                      </a:cubicBezTo>
-                      <a:lnTo>
-                        <a:pt x="67687" y="93163"/>
-                      </a:lnTo>
-                      <a:lnTo>
-                        <a:pt x="67687" y="8155"/>
-                      </a:lnTo>
-                      <a:lnTo>
-                        <a:pt x="78321" y="8155"/>
-                      </a:lnTo>
-                      <a:cubicBezTo>
-                        <a:pt x="81697" y="8133"/>
-                        <a:pt x="85305" y="8095"/>
-                        <a:pt x="88344" y="8095"/>
-                      </a:cubicBezTo>
-                      <a:cubicBezTo>
-                        <a:pt x="89709" y="8095"/>
-                        <a:pt x="90960" y="8103"/>
-                        <a:pt x="92022" y="8123"/>
-                      </a:cubicBezTo>
-                      <a:cubicBezTo>
-                        <a:pt x="93098" y="21073"/>
-                        <a:pt x="98643" y="33110"/>
-                        <a:pt x="107973" y="42374"/>
-                      </a:cubicBezTo>
-                      <a:cubicBezTo>
-                        <a:pt x="117269" y="51573"/>
-                        <a:pt x="129339" y="57053"/>
-                        <a:pt x="142256" y="58031"/>
-                      </a:cubicBezTo>
-                      <a:cubicBezTo>
-                        <a:pt x="142256" y="64131"/>
-                        <a:pt x="142289" y="76005"/>
-                        <a:pt x="142354" y="82333"/>
-                      </a:cubicBezTo>
-                      <a:cubicBezTo>
-                        <a:pt x="133155" y="81876"/>
-                        <a:pt x="124250" y="79821"/>
-                        <a:pt x="115769" y="76233"/>
-                      </a:cubicBezTo>
-                      <a:cubicBezTo>
-                        <a:pt x="109506" y="73624"/>
-                        <a:pt x="103700" y="70198"/>
-                        <a:pt x="98350" y="66088"/>
-                      </a:cubicBezTo>
-                      <a:cubicBezTo>
-                        <a:pt x="97610" y="65524"/>
-                        <a:pt x="96719" y="65238"/>
-                        <a:pt x="95830" y="65238"/>
-                      </a:cubicBezTo>
-                      <a:cubicBezTo>
-                        <a:pt x="95229" y="65238"/>
-                        <a:pt x="94629" y="65369"/>
-                        <a:pt x="94077" y="65632"/>
-                      </a:cubicBezTo>
-                      <a:cubicBezTo>
-                        <a:pt x="92674" y="66284"/>
-                        <a:pt x="91793" y="67752"/>
-                        <a:pt x="91793" y="69318"/>
-                      </a:cubicBezTo>
-                      <a:lnTo>
-                        <a:pt x="91956" y="142354"/>
-                      </a:lnTo>
-                      <a:cubicBezTo>
-                        <a:pt x="91891" y="150443"/>
-                        <a:pt x="90195" y="158272"/>
-                        <a:pt x="86966" y="165514"/>
-                      </a:cubicBezTo>
-                      <a:cubicBezTo>
-                        <a:pt x="86150" y="167308"/>
-                        <a:pt x="86802" y="169428"/>
-                        <a:pt x="88433" y="170472"/>
-                      </a:cubicBezTo>
-                      <a:cubicBezTo>
-                        <a:pt x="88466" y="170472"/>
-                        <a:pt x="88466" y="170505"/>
-                        <a:pt x="88531" y="170505"/>
-                      </a:cubicBezTo>
-                      <a:cubicBezTo>
-                        <a:pt x="89214" y="170960"/>
-                        <a:pt x="89984" y="171174"/>
-                        <a:pt x="90744" y="171174"/>
-                      </a:cubicBezTo>
-                      <a:cubicBezTo>
-                        <a:pt x="92271" y="171174"/>
-                        <a:pt x="93760" y="170311"/>
-                        <a:pt x="94436" y="168808"/>
-                      </a:cubicBezTo>
-                      <a:cubicBezTo>
-                        <a:pt x="98089" y="160555"/>
-                        <a:pt x="100046" y="151650"/>
-                        <a:pt x="100111" y="142354"/>
-                      </a:cubicBezTo>
-                      <a:lnTo>
-                        <a:pt x="99850" y="77049"/>
-                      </a:lnTo>
-                      <a:lnTo>
-                        <a:pt x="99850" y="77049"/>
-                      </a:lnTo>
-                      <a:cubicBezTo>
-                        <a:pt x="103895" y="79593"/>
-                        <a:pt x="108071" y="81844"/>
-                        <a:pt x="112474" y="83670"/>
-                      </a:cubicBezTo>
-                      <a:cubicBezTo>
-                        <a:pt x="123206" y="88205"/>
-                        <a:pt x="134591" y="90521"/>
-                        <a:pt x="146301" y="90521"/>
-                      </a:cubicBezTo>
-                      <a:cubicBezTo>
-                        <a:pt x="147410" y="90521"/>
-                        <a:pt x="148454" y="90097"/>
-                        <a:pt x="149237" y="89346"/>
-                      </a:cubicBezTo>
-                      <a:cubicBezTo>
-                        <a:pt x="149987" y="88563"/>
-                        <a:pt x="150411" y="87552"/>
-                        <a:pt x="150411" y="86443"/>
-                      </a:cubicBezTo>
-                      <a:lnTo>
-                        <a:pt x="150379" y="70231"/>
-                      </a:lnTo>
-                      <a:lnTo>
-                        <a:pt x="150313" y="54345"/>
-                      </a:lnTo>
-                      <a:cubicBezTo>
-                        <a:pt x="150281" y="49974"/>
-                        <a:pt x="146301" y="49942"/>
-                        <a:pt x="146236" y="49942"/>
-                      </a:cubicBezTo>
-                      <a:cubicBezTo>
-                        <a:pt x="120955" y="49942"/>
-                        <a:pt x="100177" y="29358"/>
-                        <a:pt x="99981" y="4045"/>
-                      </a:cubicBezTo>
-                      <a:cubicBezTo>
-                        <a:pt x="99981" y="2121"/>
-                        <a:pt x="98546" y="131"/>
-                        <a:pt x="95903" y="0"/>
-                      </a:cubicBezTo>
-                      <a:close/>
-                    </a:path>
-                  </a:pathLst>
-                </a:custGeom>
-                <a:solidFill>
-                  <a:schemeClr val="lt1"/>
-                </a:solidFill>
-                <a:ln>
-                  <a:noFill/>
-                </a:ln>
-              </p:spPr>
-              <p:txBody>
-                <a:bodyPr spcFirstLastPara="1" wrap="square" lIns="91425" tIns="91425" rIns="91425" bIns="91425" anchor="ctr" anchorCtr="0">
-                  <a:noAutofit/>
-                </a:bodyPr>
-                <a:lstStyle/>
-                <a:p>
-                  <a:pPr marL="0" lvl="0" indent="0" algn="l" rtl="0">
-                    <a:spcBef>
-                      <a:spcPts val="0"/>
-                    </a:spcBef>
-                    <a:spcAft>
-                      <a:spcPts val="0"/>
-                    </a:spcAft>
-                    <a:buNone/>
-                  </a:pPr>
-                  <a:endParaRPr/>
-                </a:p>
-              </p:txBody>
-            </p:sp>
-          </p:grpSp>
-          <p:sp>
-            <p:nvSpPr>
-              <p:cNvPr id="2750" name="Google Shape;2750;p95"/>
-              <p:cNvSpPr/>
-              <p:nvPr/>
-            </p:nvSpPr>
-            <p:spPr>
-              <a:xfrm>
-                <a:off x="2238181" y="4120624"/>
-                <a:ext cx="346056" cy="345674"/>
-              </a:xfrm>
-              <a:custGeom>
-                <a:avLst/>
-                <a:gdLst/>
-                <a:ahLst/>
-                <a:cxnLst/>
-                <a:rect l="l" t="t" r="r" b="b"/>
-                <a:pathLst>
-                  <a:path w="10872" h="10860" extrusionOk="0">
-                    <a:moveTo>
-                      <a:pt x="5418" y="334"/>
-                    </a:moveTo>
-                    <a:cubicBezTo>
-                      <a:pt x="8228" y="334"/>
-                      <a:pt x="10514" y="2608"/>
-                      <a:pt x="10514" y="5430"/>
-                    </a:cubicBezTo>
-                    <a:cubicBezTo>
-                      <a:pt x="10514" y="8240"/>
-                      <a:pt x="8228" y="10514"/>
-                      <a:pt x="5418" y="10514"/>
-                    </a:cubicBezTo>
-                    <a:cubicBezTo>
-                      <a:pt x="2608" y="10514"/>
-                      <a:pt x="334" y="8240"/>
-                      <a:pt x="334" y="5430"/>
-                    </a:cubicBezTo>
-                    <a:cubicBezTo>
-                      <a:pt x="334" y="2608"/>
-                      <a:pt x="2608" y="334"/>
-                      <a:pt x="5418" y="334"/>
-                    </a:cubicBezTo>
-                    <a:close/>
-                    <a:moveTo>
-                      <a:pt x="5430" y="1"/>
-                    </a:moveTo>
-                    <a:cubicBezTo>
-                      <a:pt x="3989" y="1"/>
-                      <a:pt x="2620" y="560"/>
-                      <a:pt x="1596" y="1584"/>
-                    </a:cubicBezTo>
-                    <a:cubicBezTo>
-                      <a:pt x="572" y="2620"/>
-                      <a:pt x="1" y="3989"/>
-                      <a:pt x="1" y="5430"/>
-                    </a:cubicBezTo>
-                    <a:cubicBezTo>
-                      <a:pt x="1" y="6871"/>
-                      <a:pt x="572" y="8240"/>
-                      <a:pt x="1596" y="9264"/>
-                    </a:cubicBezTo>
-                    <a:cubicBezTo>
-                      <a:pt x="2620" y="10300"/>
-                      <a:pt x="3989" y="10859"/>
-                      <a:pt x="5430" y="10859"/>
-                    </a:cubicBezTo>
-                    <a:cubicBezTo>
-                      <a:pt x="6883" y="10859"/>
-                      <a:pt x="8252" y="10300"/>
-                      <a:pt x="9276" y="9264"/>
-                    </a:cubicBezTo>
-                    <a:cubicBezTo>
-                      <a:pt x="10300" y="8240"/>
-                      <a:pt x="10871" y="6871"/>
-                      <a:pt x="10871" y="5430"/>
-                    </a:cubicBezTo>
-                    <a:cubicBezTo>
-                      <a:pt x="10871" y="3989"/>
-                      <a:pt x="10300" y="2620"/>
-                      <a:pt x="9276" y="1584"/>
-                    </a:cubicBezTo>
-                    <a:cubicBezTo>
-                      <a:pt x="8252" y="560"/>
-                      <a:pt x="6883" y="1"/>
-                      <a:pt x="5430" y="1"/>
-                    </a:cubicBezTo>
-                    <a:close/>
-                  </a:path>
-                </a:pathLst>
-              </a:custGeom>
-              <a:solidFill>
-                <a:schemeClr val="lt1"/>
-              </a:solidFill>
-              <a:ln>
-                <a:noFill/>
-              </a:ln>
-            </p:spPr>
-            <p:txBody>
-              <a:bodyPr spcFirstLastPara="1" wrap="square" lIns="91425" tIns="91425" rIns="91425" bIns="91425" anchor="ctr" anchorCtr="0">
-                <a:noAutofit/>
-              </a:bodyPr>
-              <a:lstStyle/>
-              <a:p>
-                <a:pPr marL="0" lvl="0" indent="0" algn="l" rtl="0">
-                  <a:spcBef>
-                    <a:spcPts val="0"/>
-                  </a:spcBef>
-                  <a:spcAft>
-                    <a:spcPts val="0"/>
-                  </a:spcAft>
-                  <a:buNone/>
-                </a:pPr>
-                <a:endParaRPr/>
-              </a:p>
-            </p:txBody>
-          </p:sp>
-        </p:grpSp>
-      </p:grpSp>
-      <p:sp>
-        <p:nvSpPr>
-          <p:cNvPr id="2751" name="Google Shape;2751;p95"/>
-          <p:cNvSpPr txBox="1"/>
-          <p:nvPr/>
-        </p:nvSpPr>
-        <p:spPr>
-          <a:xfrm>
-            <a:off x="720000" y="302125"/>
-            <a:ext cx="2229600" cy="236400"/>
-          </a:xfrm>
-          <a:prstGeom prst="rect">
-            <a:avLst/>
-          </a:prstGeom>
-          <a:noFill/>
-          <a:ln>
-            <a:noFill/>
-          </a:ln>
-        </p:spPr>
-        <p:txBody>
-          <a:bodyPr spcFirstLastPara="1" wrap="square" lIns="91425" tIns="91425" rIns="91425" bIns="91425" anchor="ctr" anchorCtr="0">
-            <a:noAutofit/>
-          </a:bodyPr>
-          <a:lstStyle/>
-          <a:p>
-            <a:pPr marL="0" lvl="0" indent="0" algn="l" rtl="0">
-              <a:spcBef>
-                <a:spcPts val="0"/>
-              </a:spcBef>
-              <a:spcAft>
-                <a:spcPts val="0"/>
-              </a:spcAft>
-              <a:buNone/>
-            </a:pPr>
-            <a:r>
-              <a:rPr lang="en" sz="1000" b="1">
-                <a:solidFill>
-                  <a:schemeClr val="lt1"/>
-                </a:solidFill>
-                <a:latin typeface="Assistant"/>
-                <a:ea typeface="Assistant"/>
-                <a:cs typeface="Assistant"/>
-                <a:sym typeface="Assistant"/>
-              </a:rPr>
-              <a:t>INTERNAL CONTROL</a:t>
-            </a:r>
-            <a:endParaRPr sz="1000" b="1">
-              <a:solidFill>
-                <a:schemeClr val="lt1"/>
-              </a:solidFill>
-              <a:latin typeface="Assistant"/>
-              <a:ea typeface="Assistant"/>
-              <a:cs typeface="Assistant"/>
-              <a:sym typeface="Assistant"/>
-            </a:endParaRPr>
-          </a:p>
-        </p:txBody>
-      </p:sp>
-      <p:sp>
-        <p:nvSpPr>
-          <p:cNvPr id="2752" name="Google Shape;2752;p95"/>
-          <p:cNvSpPr txBox="1"/>
-          <p:nvPr/>
-        </p:nvSpPr>
-        <p:spPr>
-          <a:xfrm>
-            <a:off x="3457200" y="302125"/>
-            <a:ext cx="2229600" cy="236400"/>
-          </a:xfrm>
-          <a:prstGeom prst="rect">
-            <a:avLst/>
-          </a:prstGeom>
-          <a:noFill/>
-          <a:ln>
-            <a:noFill/>
-          </a:ln>
-        </p:spPr>
-        <p:txBody>
-          <a:bodyPr spcFirstLastPara="1" wrap="square" lIns="91425" tIns="91425" rIns="91425" bIns="91425" anchor="ctr" anchorCtr="0">
-            <a:noAutofit/>
-          </a:bodyPr>
-          <a:lstStyle/>
-          <a:p>
-            <a:pPr marL="0" lvl="0" indent="0" algn="ctr" rtl="0">
-              <a:spcBef>
-                <a:spcPts val="0"/>
-              </a:spcBef>
-              <a:spcAft>
-                <a:spcPts val="0"/>
-              </a:spcAft>
-              <a:buNone/>
-            </a:pPr>
-            <a:r>
-              <a:rPr lang="en" sz="1000" b="1">
-                <a:solidFill>
-                  <a:schemeClr val="lt1"/>
-                </a:solidFill>
-                <a:latin typeface="Assistant"/>
-                <a:ea typeface="Assistant"/>
-                <a:cs typeface="Assistant"/>
-                <a:sym typeface="Assistant"/>
-              </a:rPr>
-              <a:t>BY SLIDESGO</a:t>
-            </a:r>
-            <a:endParaRPr sz="1000" b="1">
-              <a:solidFill>
-                <a:schemeClr val="lt1"/>
-              </a:solidFill>
-              <a:latin typeface="Assistant"/>
-              <a:ea typeface="Assistant"/>
-              <a:cs typeface="Assistant"/>
-              <a:sym typeface="Assistant"/>
-            </a:endParaRPr>
-          </a:p>
-        </p:txBody>
-      </p:sp>
-      <p:sp>
-        <p:nvSpPr>
-          <p:cNvPr id="2753" name="Google Shape;2753;p95"/>
-          <p:cNvSpPr txBox="1"/>
-          <p:nvPr/>
-        </p:nvSpPr>
-        <p:spPr>
-          <a:xfrm>
-            <a:off x="6194400" y="302125"/>
-            <a:ext cx="2229600" cy="236400"/>
-          </a:xfrm>
-          <a:prstGeom prst="rect">
-            <a:avLst/>
-          </a:prstGeom>
-          <a:noFill/>
-          <a:ln>
-            <a:noFill/>
-          </a:ln>
-        </p:spPr>
-        <p:txBody>
-          <a:bodyPr spcFirstLastPara="1" wrap="square" lIns="91425" tIns="91425" rIns="91425" bIns="91425" anchor="ctr" anchorCtr="0">
-            <a:noAutofit/>
-          </a:bodyPr>
-          <a:lstStyle/>
-          <a:p>
-            <a:pPr marL="0" lvl="0" indent="0" algn="r" rtl="0">
-              <a:spcBef>
-                <a:spcPts val="0"/>
-              </a:spcBef>
-              <a:spcAft>
-                <a:spcPts val="0"/>
-              </a:spcAft>
-              <a:buNone/>
-            </a:pPr>
-            <a:r>
-              <a:rPr lang="en" sz="1000" b="1">
-                <a:solidFill>
-                  <a:schemeClr val="lt1"/>
-                </a:solidFill>
-                <a:latin typeface="Assistant"/>
-                <a:ea typeface="Assistant"/>
-                <a:cs typeface="Assistant"/>
-                <a:sym typeface="Assistant"/>
-              </a:rPr>
-              <a:t>CONSULTING TOOLKIT</a:t>
-            </a:r>
-            <a:endParaRPr sz="1000" b="1">
-              <a:solidFill>
-                <a:schemeClr val="lt1"/>
-              </a:solidFill>
-              <a:latin typeface="Assistant"/>
-              <a:ea typeface="Assistant"/>
-              <a:cs typeface="Assistant"/>
-              <a:sym typeface="Assistant"/>
             </a:endParaRPr>
           </a:p>
         </p:txBody>
@@ -49312,1291 +49536,58 @@
           </p:txBody>
         </p:sp>
       </p:grpSp>
-    </p:spTree>
-  </p:cSld>
-  <p:clrMapOvr>
-    <a:masterClrMapping/>
-  </p:clrMapOvr>
-</p:sld>
-</file>
-
-<file path=ppt/slides/slide3.xml><?xml version="1.0" encoding="utf-8"?>
-<p:sld xmlns:a="http://schemas.openxmlformats.org/drawingml/2006/main" xmlns:r="http://schemas.openxmlformats.org/officeDocument/2006/relationships" xmlns:p="http://schemas.openxmlformats.org/presentationml/2006/main">
-  <p:cSld>
-    <p:spTree>
-      <p:nvGrpSpPr>
-        <p:cNvPr id="1" name="Shape 1110"/>
-        <p:cNvGrpSpPr/>
-        <p:nvPr/>
-      </p:nvGrpSpPr>
-      <p:grpSpPr>
-        <a:xfrm>
-          <a:off x="0" y="0"/>
-          <a:ext cx="0" cy="0"/>
-          <a:chOff x="0" y="0"/>
-          <a:chExt cx="0" cy="0"/>
-        </a:xfrm>
-      </p:grpSpPr>
       <p:sp>
         <p:nvSpPr>
-          <p:cNvPr id="1111" name="Google Shape;1111;p48"/>
-          <p:cNvSpPr txBox="1">
-            <a:spLocks noGrp="1"/>
-          </p:cNvSpPr>
-          <p:nvPr>
-            <p:ph type="title"/>
-          </p:nvPr>
+          <p:cNvPr id="8" name="Rettangolo 7">
+            <a:extLst>
+              <a:ext uri="{FF2B5EF4-FFF2-40B4-BE49-F238E27FC236}">
+                <a16:creationId xmlns:a16="http://schemas.microsoft.com/office/drawing/2014/main" id="{BB321E40-3338-8D0E-A6DF-208C2E54C981}"/>
+              </a:ext>
+            </a:extLst>
+          </p:cNvPr>
+          <p:cNvSpPr/>
+          <p:nvPr/>
         </p:nvSpPr>
         <p:spPr>
           <a:xfrm>
-            <a:off x="4715875" y="1332162"/>
-            <a:ext cx="3436500" cy="1249200"/>
+            <a:off x="735189" y="4442791"/>
+            <a:ext cx="6874402" cy="208722"/>
           </a:xfrm>
           <a:prstGeom prst="rect">
             <a:avLst/>
           </a:prstGeom>
+          <a:solidFill>
+            <a:srgbClr val="202222"/>
+          </a:solidFill>
+          <a:ln>
+            <a:noFill/>
+          </a:ln>
         </p:spPr>
+        <p:style>
+          <a:lnRef idx="2">
+            <a:schemeClr val="accent1">
+              <a:shade val="50000"/>
+            </a:schemeClr>
+          </a:lnRef>
+          <a:fillRef idx="1">
+            <a:schemeClr val="accent1"/>
+          </a:fillRef>
+          <a:effectRef idx="0">
+            <a:schemeClr val="accent1"/>
+          </a:effectRef>
+          <a:fontRef idx="minor">
+            <a:schemeClr val="lt1"/>
+          </a:fontRef>
+        </p:style>
         <p:txBody>
-          <a:bodyPr spcFirstLastPara="1" wrap="square" lIns="91425" tIns="91425" rIns="91425" bIns="91425" anchor="ctr" anchorCtr="0">
-            <a:noAutofit/>
-          </a:bodyPr>
+          <a:bodyPr rtlCol="0" anchor="ctr"/>
           <a:lstStyle/>
           <a:p>
-            <a:pPr marL="0" lvl="0" indent="0" algn="l" rtl="0">
-              <a:spcBef>
-                <a:spcPts val="0"/>
-              </a:spcBef>
-              <a:spcAft>
-                <a:spcPts val="0"/>
-              </a:spcAft>
-              <a:buNone/>
-            </a:pPr>
-            <a:r>
-              <a:rPr lang="it-IT" dirty="0">
-                <a:solidFill>
-                  <a:schemeClr val="accent4"/>
-                </a:solidFill>
-              </a:rPr>
-              <a:t>Pr</a:t>
-            </a:r>
-            <a:r>
-              <a:rPr lang="en" dirty="0" err="1">
-                <a:solidFill>
-                  <a:schemeClr val="accent4"/>
-                </a:solidFill>
-              </a:rPr>
-              <a:t>oject</a:t>
-            </a:r>
-            <a:r>
-              <a:rPr lang="en" dirty="0">
-                <a:solidFill>
-                  <a:schemeClr val="accent4"/>
-                </a:solidFill>
-              </a:rPr>
-              <a:t> details</a:t>
-            </a:r>
-            <a:endParaRPr dirty="0">
-              <a:solidFill>
-                <a:schemeClr val="lt2"/>
-              </a:solidFill>
-            </a:endParaRPr>
+            <a:pPr algn="ctr"/>
+            <a:endParaRPr lang="en-US"/>
           </a:p>
         </p:txBody>
       </p:sp>
-      <p:sp>
-        <p:nvSpPr>
-          <p:cNvPr id="1112" name="Google Shape;1112;p48"/>
-          <p:cNvSpPr txBox="1">
-            <a:spLocks noGrp="1"/>
-          </p:cNvSpPr>
-          <p:nvPr>
-            <p:ph type="subTitle" idx="1"/>
-          </p:nvPr>
-        </p:nvSpPr>
-        <p:spPr>
-          <a:xfrm>
-            <a:off x="4715875" y="2637600"/>
-            <a:ext cx="3436500" cy="1533900"/>
-          </a:xfrm>
-          <a:prstGeom prst="rect">
-            <a:avLst/>
-          </a:prstGeom>
-        </p:spPr>
-        <p:txBody>
-          <a:bodyPr spcFirstLastPara="1" wrap="square" lIns="91425" tIns="91425" rIns="91425" bIns="91425" anchor="t" anchorCtr="0">
-            <a:noAutofit/>
-          </a:bodyPr>
-          <a:lstStyle/>
-          <a:p>
-            <a:pPr marL="0" lvl="0" indent="0" algn="l" rtl="0">
-              <a:spcBef>
-                <a:spcPts val="0"/>
-              </a:spcBef>
-              <a:spcAft>
-                <a:spcPts val="0"/>
-              </a:spcAft>
-              <a:buNone/>
-            </a:pPr>
-            <a:r>
-              <a:rPr lang="it-IT" dirty="0"/>
-              <a:t>The project </a:t>
-            </a:r>
-            <a:r>
-              <a:rPr lang="it-IT" dirty="0" err="1"/>
-              <a:t>is</a:t>
-            </a:r>
-            <a:r>
-              <a:rPr lang="it-IT" dirty="0"/>
-              <a:t> </a:t>
-            </a:r>
-            <a:r>
-              <a:rPr lang="it-IT" dirty="0" err="1"/>
-              <a:t>divided</a:t>
-            </a:r>
-            <a:r>
-              <a:rPr lang="it-IT" dirty="0"/>
-              <a:t> in </a:t>
-            </a:r>
-            <a:r>
-              <a:rPr lang="it-IT" dirty="0" err="1"/>
-              <a:t>two</a:t>
-            </a:r>
-            <a:r>
-              <a:rPr lang="it-IT" dirty="0"/>
-              <a:t> tasks:</a:t>
-            </a:r>
-          </a:p>
-          <a:p>
-            <a:pPr marL="457200" lvl="0" indent="-304800" algn="l" rtl="0">
-              <a:spcBef>
-                <a:spcPts val="1000"/>
-              </a:spcBef>
-              <a:spcAft>
-                <a:spcPts val="0"/>
-              </a:spcAft>
-              <a:buClr>
-                <a:schemeClr val="dk2"/>
-              </a:buClr>
-              <a:buSzPts val="1200"/>
-              <a:buFont typeface="Assistant"/>
-              <a:buChar char="■"/>
-            </a:pPr>
-            <a:r>
-              <a:rPr lang="it-IT" sz="1600" dirty="0">
-                <a:uFill>
-                  <a:noFill/>
-                </a:uFill>
-              </a:rPr>
-              <a:t>Text </a:t>
-            </a:r>
-            <a:r>
-              <a:rPr lang="it-IT" sz="1600" dirty="0" err="1">
-                <a:uFill>
-                  <a:noFill/>
-                </a:uFill>
-              </a:rPr>
-              <a:t>classification</a:t>
-            </a:r>
-            <a:endParaRPr lang="it-IT" sz="1600" dirty="0"/>
-          </a:p>
-          <a:p>
-            <a:pPr marL="457200" lvl="0" indent="-304800" algn="l" rtl="0">
-              <a:spcBef>
-                <a:spcPts val="0"/>
-              </a:spcBef>
-              <a:spcAft>
-                <a:spcPts val="0"/>
-              </a:spcAft>
-              <a:buClr>
-                <a:schemeClr val="dk2"/>
-              </a:buClr>
-              <a:buSzPts val="1200"/>
-              <a:buFont typeface="Assistant"/>
-              <a:buChar char="■"/>
-            </a:pPr>
-            <a:r>
-              <a:rPr lang="it-IT" sz="1600" dirty="0">
-                <a:uFill>
-                  <a:noFill/>
-                </a:uFill>
-              </a:rPr>
-              <a:t>Text clustering</a:t>
-            </a:r>
-            <a:endParaRPr lang="it-IT" dirty="0"/>
-          </a:p>
-          <a:p>
-            <a:pPr marL="0" lvl="0" indent="0" algn="l" rtl="0">
-              <a:spcBef>
-                <a:spcPts val="0"/>
-              </a:spcBef>
-              <a:spcAft>
-                <a:spcPts val="0"/>
-              </a:spcAft>
-              <a:buNone/>
-            </a:pPr>
-            <a:endParaRPr lang="it-IT" dirty="0"/>
-          </a:p>
-          <a:p>
-            <a:pPr marL="285750" lvl="0" indent="-285750" algn="l" rtl="0">
-              <a:spcBef>
-                <a:spcPts val="0"/>
-              </a:spcBef>
-              <a:spcAft>
-                <a:spcPts val="0"/>
-              </a:spcAft>
-              <a:buFont typeface="Arial" panose="020B0604020202020204" pitchFamily="34" charset="0"/>
-              <a:buChar char="•"/>
-            </a:pPr>
-            <a:endParaRPr dirty="0"/>
-          </a:p>
-        </p:txBody>
-      </p:sp>
-      <p:grpSp>
-        <p:nvGrpSpPr>
-          <p:cNvPr id="1113" name="Google Shape;1113;p48"/>
-          <p:cNvGrpSpPr/>
-          <p:nvPr/>
-        </p:nvGrpSpPr>
-        <p:grpSpPr>
-          <a:xfrm>
-            <a:off x="516854" y="902877"/>
-            <a:ext cx="3697846" cy="3337747"/>
-            <a:chOff x="1740732" y="712175"/>
-            <a:chExt cx="4287854" cy="3870300"/>
-          </a:xfrm>
-        </p:grpSpPr>
-        <p:grpSp>
-          <p:nvGrpSpPr>
-            <p:cNvPr id="1114" name="Google Shape;1114;p48"/>
-            <p:cNvGrpSpPr/>
-            <p:nvPr/>
-          </p:nvGrpSpPr>
-          <p:grpSpPr>
-            <a:xfrm>
-              <a:off x="2341558" y="712175"/>
-              <a:ext cx="3381042" cy="3870300"/>
-              <a:chOff x="2341558" y="712175"/>
-              <a:chExt cx="3381042" cy="3870300"/>
-            </a:xfrm>
-          </p:grpSpPr>
-          <p:cxnSp>
-            <p:nvCxnSpPr>
-              <p:cNvPr id="1115" name="Google Shape;1115;p48"/>
-              <p:cNvCxnSpPr/>
-              <p:nvPr/>
-            </p:nvCxnSpPr>
-            <p:spPr>
-              <a:xfrm>
-                <a:off x="2341558" y="712175"/>
-                <a:ext cx="0" cy="3870300"/>
-              </a:xfrm>
-              <a:prstGeom prst="straightConnector1">
-                <a:avLst/>
-              </a:prstGeom>
-              <a:noFill/>
-              <a:ln w="9525" cap="flat" cmpd="sng">
-                <a:solidFill>
-                  <a:schemeClr val="dk2"/>
-                </a:solidFill>
-                <a:prstDash val="solid"/>
-                <a:round/>
-                <a:headEnd type="none" w="med" len="med"/>
-                <a:tailEnd type="none" w="med" len="med"/>
-              </a:ln>
-            </p:spPr>
-          </p:cxnSp>
-          <p:cxnSp>
-            <p:nvCxnSpPr>
-              <p:cNvPr id="1116" name="Google Shape;1116;p48"/>
-              <p:cNvCxnSpPr/>
-              <p:nvPr/>
-            </p:nvCxnSpPr>
-            <p:spPr>
-              <a:xfrm>
-                <a:off x="3017767" y="712175"/>
-                <a:ext cx="0" cy="3870300"/>
-              </a:xfrm>
-              <a:prstGeom prst="straightConnector1">
-                <a:avLst/>
-              </a:prstGeom>
-              <a:noFill/>
-              <a:ln w="9525" cap="flat" cmpd="sng">
-                <a:solidFill>
-                  <a:schemeClr val="dk2"/>
-                </a:solidFill>
-                <a:prstDash val="solid"/>
-                <a:round/>
-                <a:headEnd type="none" w="med" len="med"/>
-                <a:tailEnd type="none" w="med" len="med"/>
-              </a:ln>
-            </p:spPr>
-          </p:cxnSp>
-          <p:cxnSp>
-            <p:nvCxnSpPr>
-              <p:cNvPr id="1117" name="Google Shape;1117;p48"/>
-              <p:cNvCxnSpPr/>
-              <p:nvPr/>
-            </p:nvCxnSpPr>
-            <p:spPr>
-              <a:xfrm>
-                <a:off x="3693975" y="712175"/>
-                <a:ext cx="0" cy="3870300"/>
-              </a:xfrm>
-              <a:prstGeom prst="straightConnector1">
-                <a:avLst/>
-              </a:prstGeom>
-              <a:noFill/>
-              <a:ln w="9525" cap="flat" cmpd="sng">
-                <a:solidFill>
-                  <a:schemeClr val="dk2"/>
-                </a:solidFill>
-                <a:prstDash val="solid"/>
-                <a:round/>
-                <a:headEnd type="none" w="med" len="med"/>
-                <a:tailEnd type="none" w="med" len="med"/>
-              </a:ln>
-            </p:spPr>
-          </p:cxnSp>
-          <p:cxnSp>
-            <p:nvCxnSpPr>
-              <p:cNvPr id="1118" name="Google Shape;1118;p48"/>
-              <p:cNvCxnSpPr/>
-              <p:nvPr/>
-            </p:nvCxnSpPr>
-            <p:spPr>
-              <a:xfrm>
-                <a:off x="4370183" y="712175"/>
-                <a:ext cx="0" cy="3870300"/>
-              </a:xfrm>
-              <a:prstGeom prst="straightConnector1">
-                <a:avLst/>
-              </a:prstGeom>
-              <a:noFill/>
-              <a:ln w="9525" cap="flat" cmpd="sng">
-                <a:solidFill>
-                  <a:schemeClr val="dk2"/>
-                </a:solidFill>
-                <a:prstDash val="solid"/>
-                <a:round/>
-                <a:headEnd type="none" w="med" len="med"/>
-                <a:tailEnd type="none" w="med" len="med"/>
-              </a:ln>
-            </p:spPr>
-          </p:cxnSp>
-          <p:cxnSp>
-            <p:nvCxnSpPr>
-              <p:cNvPr id="1119" name="Google Shape;1119;p48"/>
-              <p:cNvCxnSpPr/>
-              <p:nvPr/>
-            </p:nvCxnSpPr>
-            <p:spPr>
-              <a:xfrm>
-                <a:off x="5046392" y="712175"/>
-                <a:ext cx="0" cy="3870300"/>
-              </a:xfrm>
-              <a:prstGeom prst="straightConnector1">
-                <a:avLst/>
-              </a:prstGeom>
-              <a:noFill/>
-              <a:ln w="9525" cap="flat" cmpd="sng">
-                <a:solidFill>
-                  <a:schemeClr val="dk2"/>
-                </a:solidFill>
-                <a:prstDash val="solid"/>
-                <a:round/>
-                <a:headEnd type="none" w="med" len="med"/>
-                <a:tailEnd type="none" w="med" len="med"/>
-              </a:ln>
-            </p:spPr>
-          </p:cxnSp>
-          <p:cxnSp>
-            <p:nvCxnSpPr>
-              <p:cNvPr id="1120" name="Google Shape;1120;p48"/>
-              <p:cNvCxnSpPr/>
-              <p:nvPr/>
-            </p:nvCxnSpPr>
-            <p:spPr>
-              <a:xfrm>
-                <a:off x="5722600" y="712175"/>
-                <a:ext cx="0" cy="3870300"/>
-              </a:xfrm>
-              <a:prstGeom prst="straightConnector1">
-                <a:avLst/>
-              </a:prstGeom>
-              <a:noFill/>
-              <a:ln w="9525" cap="flat" cmpd="sng">
-                <a:solidFill>
-                  <a:schemeClr val="dk2"/>
-                </a:solidFill>
-                <a:prstDash val="solid"/>
-                <a:round/>
-                <a:headEnd type="none" w="med" len="med"/>
-                <a:tailEnd type="none" w="med" len="med"/>
-              </a:ln>
-            </p:spPr>
-          </p:cxnSp>
-        </p:grpSp>
-        <p:grpSp>
-          <p:nvGrpSpPr>
-            <p:cNvPr id="1121" name="Google Shape;1121;p48"/>
-            <p:cNvGrpSpPr/>
-            <p:nvPr/>
-          </p:nvGrpSpPr>
-          <p:grpSpPr>
-            <a:xfrm rot="5400000">
-              <a:off x="2532242" y="516414"/>
-              <a:ext cx="2704835" cy="4287854"/>
-              <a:chOff x="2341561" y="712175"/>
-              <a:chExt cx="2704835" cy="3535500"/>
-            </a:xfrm>
-          </p:grpSpPr>
-          <p:cxnSp>
-            <p:nvCxnSpPr>
-              <p:cNvPr id="1122" name="Google Shape;1122;p48"/>
-              <p:cNvCxnSpPr/>
-              <p:nvPr/>
-            </p:nvCxnSpPr>
-            <p:spPr>
-              <a:xfrm>
-                <a:off x="2341561" y="712175"/>
-                <a:ext cx="0" cy="3535500"/>
-              </a:xfrm>
-              <a:prstGeom prst="straightConnector1">
-                <a:avLst/>
-              </a:prstGeom>
-              <a:noFill/>
-              <a:ln w="9525" cap="flat" cmpd="sng">
-                <a:solidFill>
-                  <a:schemeClr val="dk2"/>
-                </a:solidFill>
-                <a:prstDash val="solid"/>
-                <a:round/>
-                <a:headEnd type="none" w="med" len="med"/>
-                <a:tailEnd type="none" w="med" len="med"/>
-              </a:ln>
-            </p:spPr>
-          </p:cxnSp>
-          <p:cxnSp>
-            <p:nvCxnSpPr>
-              <p:cNvPr id="1123" name="Google Shape;1123;p48"/>
-              <p:cNvCxnSpPr/>
-              <p:nvPr/>
-            </p:nvCxnSpPr>
-            <p:spPr>
-              <a:xfrm>
-                <a:off x="3017770" y="712175"/>
-                <a:ext cx="0" cy="3535500"/>
-              </a:xfrm>
-              <a:prstGeom prst="straightConnector1">
-                <a:avLst/>
-              </a:prstGeom>
-              <a:noFill/>
-              <a:ln w="9525" cap="flat" cmpd="sng">
-                <a:solidFill>
-                  <a:schemeClr val="dk2"/>
-                </a:solidFill>
-                <a:prstDash val="solid"/>
-                <a:round/>
-                <a:headEnd type="none" w="med" len="med"/>
-                <a:tailEnd type="none" w="med" len="med"/>
-              </a:ln>
-            </p:spPr>
-          </p:cxnSp>
-          <p:cxnSp>
-            <p:nvCxnSpPr>
-              <p:cNvPr id="1124" name="Google Shape;1124;p48"/>
-              <p:cNvCxnSpPr/>
-              <p:nvPr/>
-            </p:nvCxnSpPr>
-            <p:spPr>
-              <a:xfrm>
-                <a:off x="3693979" y="712175"/>
-                <a:ext cx="0" cy="3535500"/>
-              </a:xfrm>
-              <a:prstGeom prst="straightConnector1">
-                <a:avLst/>
-              </a:prstGeom>
-              <a:noFill/>
-              <a:ln w="9525" cap="flat" cmpd="sng">
-                <a:solidFill>
-                  <a:schemeClr val="dk2"/>
-                </a:solidFill>
-                <a:prstDash val="solid"/>
-                <a:round/>
-                <a:headEnd type="none" w="med" len="med"/>
-                <a:tailEnd type="none" w="med" len="med"/>
-              </a:ln>
-            </p:spPr>
-          </p:cxnSp>
-          <p:cxnSp>
-            <p:nvCxnSpPr>
-              <p:cNvPr id="1125" name="Google Shape;1125;p48"/>
-              <p:cNvCxnSpPr/>
-              <p:nvPr/>
-            </p:nvCxnSpPr>
-            <p:spPr>
-              <a:xfrm>
-                <a:off x="4370188" y="712175"/>
-                <a:ext cx="0" cy="3535500"/>
-              </a:xfrm>
-              <a:prstGeom prst="straightConnector1">
-                <a:avLst/>
-              </a:prstGeom>
-              <a:noFill/>
-              <a:ln w="9525" cap="flat" cmpd="sng">
-                <a:solidFill>
-                  <a:schemeClr val="dk2"/>
-                </a:solidFill>
-                <a:prstDash val="solid"/>
-                <a:round/>
-                <a:headEnd type="none" w="med" len="med"/>
-                <a:tailEnd type="none" w="med" len="med"/>
-              </a:ln>
-            </p:spPr>
-          </p:cxnSp>
-          <p:cxnSp>
-            <p:nvCxnSpPr>
-              <p:cNvPr id="1126" name="Google Shape;1126;p48"/>
-              <p:cNvCxnSpPr/>
-              <p:nvPr/>
-            </p:nvCxnSpPr>
-            <p:spPr>
-              <a:xfrm>
-                <a:off x="5046396" y="712175"/>
-                <a:ext cx="0" cy="3535500"/>
-              </a:xfrm>
-              <a:prstGeom prst="straightConnector1">
-                <a:avLst/>
-              </a:prstGeom>
-              <a:noFill/>
-              <a:ln w="9525" cap="flat" cmpd="sng">
-                <a:solidFill>
-                  <a:schemeClr val="dk2"/>
-                </a:solidFill>
-                <a:prstDash val="solid"/>
-                <a:round/>
-                <a:headEnd type="none" w="med" len="med"/>
-                <a:tailEnd type="none" w="med" len="med"/>
-              </a:ln>
-            </p:spPr>
-          </p:cxnSp>
-        </p:grpSp>
-      </p:grpSp>
-      <p:grpSp>
-        <p:nvGrpSpPr>
-          <p:cNvPr id="1127" name="Google Shape;1127;p48"/>
-          <p:cNvGrpSpPr/>
-          <p:nvPr/>
-        </p:nvGrpSpPr>
-        <p:grpSpPr>
-          <a:xfrm>
-            <a:off x="1075024" y="2616028"/>
-            <a:ext cx="1081611" cy="1083828"/>
-            <a:chOff x="1200100" y="2959772"/>
-            <a:chExt cx="791230" cy="792793"/>
-          </a:xfrm>
-        </p:grpSpPr>
-        <p:sp>
-          <p:nvSpPr>
-            <p:cNvPr id="1128" name="Google Shape;1128;p48"/>
-            <p:cNvSpPr/>
-            <p:nvPr/>
-          </p:nvSpPr>
-          <p:spPr>
-            <a:xfrm>
-              <a:off x="1593763" y="2959772"/>
-              <a:ext cx="397566" cy="397542"/>
-            </a:xfrm>
-            <a:custGeom>
-              <a:avLst/>
-              <a:gdLst/>
-              <a:ahLst/>
-              <a:cxnLst/>
-              <a:rect l="l" t="t" r="r" b="b"/>
-              <a:pathLst>
-                <a:path w="9514" h="9514" extrusionOk="0">
-                  <a:moveTo>
-                    <a:pt x="9514" y="0"/>
-                  </a:moveTo>
-                  <a:cubicBezTo>
-                    <a:pt x="4255" y="0"/>
-                    <a:pt x="0" y="4255"/>
-                    <a:pt x="0" y="9514"/>
-                  </a:cubicBezTo>
-                  <a:lnTo>
-                    <a:pt x="9514" y="9514"/>
-                  </a:lnTo>
-                  <a:lnTo>
-                    <a:pt x="9514" y="0"/>
-                  </a:lnTo>
-                  <a:close/>
-                </a:path>
-              </a:pathLst>
-            </a:custGeom>
-            <a:solidFill>
-              <a:schemeClr val="lt2"/>
-            </a:solidFill>
-            <a:ln>
-              <a:noFill/>
-            </a:ln>
-          </p:spPr>
-          <p:txBody>
-            <a:bodyPr spcFirstLastPara="1" wrap="square" lIns="91425" tIns="91425" rIns="91425" bIns="91425" anchor="ctr" anchorCtr="0">
-              <a:noAutofit/>
-            </a:bodyPr>
-            <a:lstStyle/>
-            <a:p>
-              <a:pPr marL="0" lvl="0" indent="0" algn="l" rtl="0">
-                <a:spcBef>
-                  <a:spcPts val="0"/>
-                </a:spcBef>
-                <a:spcAft>
-                  <a:spcPts val="0"/>
-                </a:spcAft>
-                <a:buNone/>
-              </a:pPr>
-              <a:endParaRPr/>
-            </a:p>
-          </p:txBody>
-        </p:sp>
-        <p:sp>
-          <p:nvSpPr>
-            <p:cNvPr id="1129" name="Google Shape;1129;p48"/>
-            <p:cNvSpPr/>
-            <p:nvPr/>
-          </p:nvSpPr>
-          <p:spPr>
-            <a:xfrm>
-              <a:off x="1200100" y="3353686"/>
-              <a:ext cx="398862" cy="398880"/>
-            </a:xfrm>
-            <a:custGeom>
-              <a:avLst/>
-              <a:gdLst/>
-              <a:ahLst/>
-              <a:cxnLst/>
-              <a:rect l="l" t="t" r="r" b="b"/>
-              <a:pathLst>
-                <a:path w="9545" h="9546" extrusionOk="0">
-                  <a:moveTo>
-                    <a:pt x="0" y="1"/>
-                  </a:moveTo>
-                  <a:lnTo>
-                    <a:pt x="0" y="9545"/>
-                  </a:lnTo>
-                  <a:cubicBezTo>
-                    <a:pt x="5289" y="9545"/>
-                    <a:pt x="9545" y="5290"/>
-                    <a:pt x="9545" y="1"/>
-                  </a:cubicBezTo>
-                  <a:close/>
-                </a:path>
-              </a:pathLst>
-            </a:custGeom>
-            <a:gradFill>
-              <a:gsLst>
-                <a:gs pos="0">
-                  <a:schemeClr val="lt2"/>
-                </a:gs>
-                <a:gs pos="100000">
-                  <a:schemeClr val="dk2"/>
-                </a:gs>
-              </a:gsLst>
-              <a:lin ang="5400012" scaled="0"/>
-            </a:gradFill>
-            <a:ln>
-              <a:noFill/>
-            </a:ln>
-          </p:spPr>
-          <p:txBody>
-            <a:bodyPr spcFirstLastPara="1" wrap="square" lIns="91425" tIns="91425" rIns="91425" bIns="91425" anchor="ctr" anchorCtr="0">
-              <a:noAutofit/>
-            </a:bodyPr>
-            <a:lstStyle/>
-            <a:p>
-              <a:pPr marL="0" lvl="0" indent="0" algn="l" rtl="0">
-                <a:spcBef>
-                  <a:spcPts val="0"/>
-                </a:spcBef>
-                <a:spcAft>
-                  <a:spcPts val="0"/>
-                </a:spcAft>
-                <a:buNone/>
-              </a:pPr>
-              <a:endParaRPr/>
-            </a:p>
-          </p:txBody>
-        </p:sp>
-      </p:grpSp>
-      <p:grpSp>
-        <p:nvGrpSpPr>
-          <p:cNvPr id="1130" name="Google Shape;1130;p48"/>
-          <p:cNvGrpSpPr/>
-          <p:nvPr/>
-        </p:nvGrpSpPr>
-        <p:grpSpPr>
-          <a:xfrm>
-            <a:off x="2819375" y="1478162"/>
-            <a:ext cx="1057050" cy="1057800"/>
-            <a:chOff x="2027375" y="1011125"/>
-            <a:chExt cx="1057050" cy="1057800"/>
-          </a:xfrm>
-        </p:grpSpPr>
-        <p:sp>
-          <p:nvSpPr>
-            <p:cNvPr id="1131" name="Google Shape;1131;p48"/>
-            <p:cNvSpPr/>
-            <p:nvPr/>
-          </p:nvSpPr>
-          <p:spPr>
-            <a:xfrm>
-              <a:off x="2027375" y="1011125"/>
-              <a:ext cx="1057050" cy="1057800"/>
-            </a:xfrm>
-            <a:custGeom>
-              <a:avLst/>
-              <a:gdLst/>
-              <a:ahLst/>
-              <a:cxnLst/>
-              <a:rect l="l" t="t" r="r" b="b"/>
-              <a:pathLst>
-                <a:path w="42282" h="42312" extrusionOk="0">
-                  <a:moveTo>
-                    <a:pt x="1" y="1"/>
-                  </a:moveTo>
-                  <a:lnTo>
-                    <a:pt x="1" y="42311"/>
-                  </a:lnTo>
-                  <a:lnTo>
-                    <a:pt x="42281" y="42311"/>
-                  </a:lnTo>
-                  <a:lnTo>
-                    <a:pt x="42281" y="1"/>
-                  </a:lnTo>
-                  <a:close/>
-                </a:path>
-              </a:pathLst>
-            </a:custGeom>
-            <a:gradFill>
-              <a:gsLst>
-                <a:gs pos="0">
-                  <a:schemeClr val="lt2"/>
-                </a:gs>
-                <a:gs pos="73000">
-                  <a:srgbClr val="C9A2C6"/>
-                </a:gs>
-                <a:gs pos="87000">
-                  <a:srgbClr val="9984D1"/>
-                </a:gs>
-                <a:gs pos="100000">
-                  <a:schemeClr val="dk2"/>
-                </a:gs>
-              </a:gsLst>
-              <a:lin ang="5400012" scaled="0"/>
-            </a:gradFill>
-            <a:ln>
-              <a:noFill/>
-            </a:ln>
-          </p:spPr>
-          <p:txBody>
-            <a:bodyPr spcFirstLastPara="1" wrap="square" lIns="91425" tIns="91425" rIns="91425" bIns="91425" anchor="ctr" anchorCtr="0">
-              <a:noAutofit/>
-            </a:bodyPr>
-            <a:lstStyle/>
-            <a:p>
-              <a:pPr marL="0" lvl="0" indent="0" algn="l" rtl="0">
-                <a:spcBef>
-                  <a:spcPts val="0"/>
-                </a:spcBef>
-                <a:spcAft>
-                  <a:spcPts val="0"/>
-                </a:spcAft>
-                <a:buNone/>
-              </a:pPr>
-              <a:endParaRPr/>
-            </a:p>
-          </p:txBody>
-        </p:sp>
-        <p:grpSp>
-          <p:nvGrpSpPr>
-            <p:cNvPr id="1132" name="Google Shape;1132;p48"/>
-            <p:cNvGrpSpPr/>
-            <p:nvPr/>
-          </p:nvGrpSpPr>
-          <p:grpSpPr>
-            <a:xfrm>
-              <a:off x="2170250" y="1172696"/>
-              <a:ext cx="772075" cy="772825"/>
-              <a:chOff x="5119675" y="1446071"/>
-              <a:chExt cx="772075" cy="772825"/>
-            </a:xfrm>
-          </p:grpSpPr>
-          <p:sp>
-            <p:nvSpPr>
-              <p:cNvPr id="1133" name="Google Shape;1133;p48"/>
-              <p:cNvSpPr/>
-              <p:nvPr/>
-            </p:nvSpPr>
-            <p:spPr>
-              <a:xfrm>
-                <a:off x="5505700" y="1446071"/>
-                <a:ext cx="25" cy="772825"/>
-              </a:xfrm>
-              <a:custGeom>
-                <a:avLst/>
-                <a:gdLst/>
-                <a:ahLst/>
-                <a:cxnLst/>
-                <a:rect l="l" t="t" r="r" b="b"/>
-                <a:pathLst>
-                  <a:path w="1" h="30913" fill="none" extrusionOk="0">
-                    <a:moveTo>
-                      <a:pt x="0" y="0"/>
-                    </a:moveTo>
-                    <a:lnTo>
-                      <a:pt x="0" y="30912"/>
-                    </a:lnTo>
-                  </a:path>
-                </a:pathLst>
-              </a:custGeom>
-              <a:noFill/>
-              <a:ln w="19000" cap="flat" cmpd="sng">
-                <a:solidFill>
-                  <a:schemeClr val="dk2"/>
-                </a:solidFill>
-                <a:prstDash val="solid"/>
-                <a:miter lim="30395"/>
-                <a:headEnd type="none" w="sm" len="sm"/>
-                <a:tailEnd type="none" w="sm" len="sm"/>
-              </a:ln>
-            </p:spPr>
-            <p:txBody>
-              <a:bodyPr spcFirstLastPara="1" wrap="square" lIns="91425" tIns="91425" rIns="91425" bIns="91425" anchor="ctr" anchorCtr="0">
-                <a:noAutofit/>
-              </a:bodyPr>
-              <a:lstStyle/>
-              <a:p>
-                <a:pPr marL="0" lvl="0" indent="0" algn="l" rtl="0">
-                  <a:spcBef>
-                    <a:spcPts val="0"/>
-                  </a:spcBef>
-                  <a:spcAft>
-                    <a:spcPts val="0"/>
-                  </a:spcAft>
-                  <a:buNone/>
-                </a:pPr>
-                <a:endParaRPr/>
-              </a:p>
-            </p:txBody>
-          </p:sp>
-          <p:sp>
-            <p:nvSpPr>
-              <p:cNvPr id="1134" name="Google Shape;1134;p48"/>
-              <p:cNvSpPr/>
-              <p:nvPr/>
-            </p:nvSpPr>
-            <p:spPr>
-              <a:xfrm>
-                <a:off x="5232125" y="1559271"/>
-                <a:ext cx="546400" cy="546400"/>
-              </a:xfrm>
-              <a:custGeom>
-                <a:avLst/>
-                <a:gdLst/>
-                <a:ahLst/>
-                <a:cxnLst/>
-                <a:rect l="l" t="t" r="r" b="b"/>
-                <a:pathLst>
-                  <a:path w="21856" h="21856" fill="none" extrusionOk="0">
-                    <a:moveTo>
-                      <a:pt x="21855" y="1"/>
-                    </a:moveTo>
-                    <a:lnTo>
-                      <a:pt x="1" y="21855"/>
-                    </a:lnTo>
-                  </a:path>
-                </a:pathLst>
-              </a:custGeom>
-              <a:noFill/>
-              <a:ln w="19000" cap="flat" cmpd="sng">
-                <a:solidFill>
-                  <a:schemeClr val="dk2"/>
-                </a:solidFill>
-                <a:prstDash val="solid"/>
-                <a:miter lim="30395"/>
-                <a:headEnd type="none" w="sm" len="sm"/>
-                <a:tailEnd type="none" w="sm" len="sm"/>
-              </a:ln>
-            </p:spPr>
-            <p:txBody>
-              <a:bodyPr spcFirstLastPara="1" wrap="square" lIns="91425" tIns="91425" rIns="91425" bIns="91425" anchor="ctr" anchorCtr="0">
-                <a:noAutofit/>
-              </a:bodyPr>
-              <a:lstStyle/>
-              <a:p>
-                <a:pPr marL="0" lvl="0" indent="0" algn="l" rtl="0">
-                  <a:spcBef>
-                    <a:spcPts val="0"/>
-                  </a:spcBef>
-                  <a:spcAft>
-                    <a:spcPts val="0"/>
-                  </a:spcAft>
-                  <a:buNone/>
-                </a:pPr>
-                <a:endParaRPr/>
-              </a:p>
-            </p:txBody>
-          </p:sp>
-          <p:sp>
-            <p:nvSpPr>
-              <p:cNvPr id="1135" name="Google Shape;1135;p48"/>
-              <p:cNvSpPr/>
-              <p:nvPr/>
-            </p:nvSpPr>
-            <p:spPr>
-              <a:xfrm>
-                <a:off x="5119675" y="1832846"/>
-                <a:ext cx="772075" cy="25"/>
-              </a:xfrm>
-              <a:custGeom>
-                <a:avLst/>
-                <a:gdLst/>
-                <a:ahLst/>
-                <a:cxnLst/>
-                <a:rect l="l" t="t" r="r" b="b"/>
-                <a:pathLst>
-                  <a:path w="30883" h="1" fill="none" extrusionOk="0">
-                    <a:moveTo>
-                      <a:pt x="30882" y="0"/>
-                    </a:moveTo>
-                    <a:lnTo>
-                      <a:pt x="0" y="0"/>
-                    </a:lnTo>
-                  </a:path>
-                </a:pathLst>
-              </a:custGeom>
-              <a:noFill/>
-              <a:ln w="19000" cap="flat" cmpd="sng">
-                <a:solidFill>
-                  <a:schemeClr val="dk2"/>
-                </a:solidFill>
-                <a:prstDash val="solid"/>
-                <a:miter lim="30395"/>
-                <a:headEnd type="none" w="sm" len="sm"/>
-                <a:tailEnd type="none" w="sm" len="sm"/>
-              </a:ln>
-            </p:spPr>
-            <p:txBody>
-              <a:bodyPr spcFirstLastPara="1" wrap="square" lIns="91425" tIns="91425" rIns="91425" bIns="91425" anchor="ctr" anchorCtr="0">
-                <a:noAutofit/>
-              </a:bodyPr>
-              <a:lstStyle/>
-              <a:p>
-                <a:pPr marL="0" lvl="0" indent="0" algn="l" rtl="0">
-                  <a:spcBef>
-                    <a:spcPts val="0"/>
-                  </a:spcBef>
-                  <a:spcAft>
-                    <a:spcPts val="0"/>
-                  </a:spcAft>
-                  <a:buNone/>
-                </a:pPr>
-                <a:endParaRPr/>
-              </a:p>
-            </p:txBody>
-          </p:sp>
-          <p:sp>
-            <p:nvSpPr>
-              <p:cNvPr id="1136" name="Google Shape;1136;p48"/>
-              <p:cNvSpPr/>
-              <p:nvPr/>
-            </p:nvSpPr>
-            <p:spPr>
-              <a:xfrm>
-                <a:off x="5232125" y="1559271"/>
-                <a:ext cx="546400" cy="546400"/>
-              </a:xfrm>
-              <a:custGeom>
-                <a:avLst/>
-                <a:gdLst/>
-                <a:ahLst/>
-                <a:cxnLst/>
-                <a:rect l="l" t="t" r="r" b="b"/>
-                <a:pathLst>
-                  <a:path w="21856" h="21856" fill="none" extrusionOk="0">
-                    <a:moveTo>
-                      <a:pt x="21855" y="21855"/>
-                    </a:moveTo>
-                    <a:lnTo>
-                      <a:pt x="1" y="1"/>
-                    </a:lnTo>
-                  </a:path>
-                </a:pathLst>
-              </a:custGeom>
-              <a:noFill/>
-              <a:ln w="19000" cap="flat" cmpd="sng">
-                <a:solidFill>
-                  <a:schemeClr val="dk2"/>
-                </a:solidFill>
-                <a:prstDash val="solid"/>
-                <a:miter lim="30395"/>
-                <a:headEnd type="none" w="sm" len="sm"/>
-                <a:tailEnd type="none" w="sm" len="sm"/>
-              </a:ln>
-            </p:spPr>
-            <p:txBody>
-              <a:bodyPr spcFirstLastPara="1" wrap="square" lIns="91425" tIns="91425" rIns="91425" bIns="91425" anchor="ctr" anchorCtr="0">
-                <a:noAutofit/>
-              </a:bodyPr>
-              <a:lstStyle/>
-              <a:p>
-                <a:pPr marL="0" lvl="0" indent="0" algn="l" rtl="0">
-                  <a:spcBef>
-                    <a:spcPts val="0"/>
-                  </a:spcBef>
-                  <a:spcAft>
-                    <a:spcPts val="0"/>
-                  </a:spcAft>
-                  <a:buNone/>
-                </a:pPr>
-                <a:endParaRPr/>
-              </a:p>
-            </p:txBody>
-          </p:sp>
-          <p:sp>
-            <p:nvSpPr>
-              <p:cNvPr id="1137" name="Google Shape;1137;p48"/>
-              <p:cNvSpPr/>
-              <p:nvPr/>
-            </p:nvSpPr>
-            <p:spPr>
-              <a:xfrm>
-                <a:off x="5364350" y="1472646"/>
-                <a:ext cx="282700" cy="719650"/>
-              </a:xfrm>
-              <a:custGeom>
-                <a:avLst/>
-                <a:gdLst/>
-                <a:ahLst/>
-                <a:cxnLst/>
-                <a:rect l="l" t="t" r="r" b="b"/>
-                <a:pathLst>
-                  <a:path w="11308" h="28786" fill="none" extrusionOk="0">
-                    <a:moveTo>
-                      <a:pt x="11308" y="1"/>
-                    </a:moveTo>
-                    <a:lnTo>
-                      <a:pt x="0" y="28785"/>
-                    </a:lnTo>
-                  </a:path>
-                </a:pathLst>
-              </a:custGeom>
-              <a:noFill/>
-              <a:ln w="19000" cap="flat" cmpd="sng">
-                <a:solidFill>
-                  <a:schemeClr val="dk2"/>
-                </a:solidFill>
-                <a:prstDash val="solid"/>
-                <a:miter lim="30395"/>
-                <a:headEnd type="none" w="sm" len="sm"/>
-                <a:tailEnd type="none" w="sm" len="sm"/>
-              </a:ln>
-            </p:spPr>
-            <p:txBody>
-              <a:bodyPr spcFirstLastPara="1" wrap="square" lIns="91425" tIns="91425" rIns="91425" bIns="91425" anchor="ctr" anchorCtr="0">
-                <a:noAutofit/>
-              </a:bodyPr>
-              <a:lstStyle/>
-              <a:p>
-                <a:pPr marL="0" lvl="0" indent="0" algn="l" rtl="0">
-                  <a:spcBef>
-                    <a:spcPts val="0"/>
-                  </a:spcBef>
-                  <a:spcAft>
-                    <a:spcPts val="0"/>
-                  </a:spcAft>
-                  <a:buNone/>
-                </a:pPr>
-                <a:endParaRPr/>
-              </a:p>
-            </p:txBody>
-          </p:sp>
-          <p:sp>
-            <p:nvSpPr>
-              <p:cNvPr id="1138" name="Google Shape;1138;p48"/>
-              <p:cNvSpPr/>
-              <p:nvPr/>
-            </p:nvSpPr>
-            <p:spPr>
-              <a:xfrm>
-                <a:off x="5151575" y="1677821"/>
-                <a:ext cx="707500" cy="308550"/>
-              </a:xfrm>
-              <a:custGeom>
-                <a:avLst/>
-                <a:gdLst/>
-                <a:ahLst/>
-                <a:cxnLst/>
-                <a:rect l="l" t="t" r="r" b="b"/>
-                <a:pathLst>
-                  <a:path w="28300" h="12342" fill="none" extrusionOk="0">
-                    <a:moveTo>
-                      <a:pt x="28299" y="1"/>
-                    </a:moveTo>
-                    <a:lnTo>
-                      <a:pt x="1" y="12341"/>
-                    </a:lnTo>
-                  </a:path>
-                </a:pathLst>
-              </a:custGeom>
-              <a:noFill/>
-              <a:ln w="19000" cap="flat" cmpd="sng">
-                <a:solidFill>
-                  <a:schemeClr val="dk2"/>
-                </a:solidFill>
-                <a:prstDash val="solid"/>
-                <a:miter lim="30395"/>
-                <a:headEnd type="none" w="sm" len="sm"/>
-                <a:tailEnd type="none" w="sm" len="sm"/>
-              </a:ln>
-            </p:spPr>
-            <p:txBody>
-              <a:bodyPr spcFirstLastPara="1" wrap="square" lIns="91425" tIns="91425" rIns="91425" bIns="91425" anchor="ctr" anchorCtr="0">
-                <a:noAutofit/>
-              </a:bodyPr>
-              <a:lstStyle/>
-              <a:p>
-                <a:pPr marL="0" lvl="0" indent="0" algn="l" rtl="0">
-                  <a:spcBef>
-                    <a:spcPts val="0"/>
-                  </a:spcBef>
-                  <a:spcAft>
-                    <a:spcPts val="0"/>
-                  </a:spcAft>
-                  <a:buNone/>
-                </a:pPr>
-                <a:endParaRPr/>
-              </a:p>
-            </p:txBody>
-          </p:sp>
-          <p:sp>
-            <p:nvSpPr>
-              <p:cNvPr id="1139" name="Google Shape;1139;p48"/>
-              <p:cNvSpPr/>
-              <p:nvPr/>
-            </p:nvSpPr>
-            <p:spPr>
-              <a:xfrm>
-                <a:off x="5146250" y="1691496"/>
-                <a:ext cx="718900" cy="281950"/>
-              </a:xfrm>
-              <a:custGeom>
-                <a:avLst/>
-                <a:gdLst/>
-                <a:ahLst/>
-                <a:cxnLst/>
-                <a:rect l="l" t="t" r="r" b="b"/>
-                <a:pathLst>
-                  <a:path w="28756" h="11278" fill="none" extrusionOk="0">
-                    <a:moveTo>
-                      <a:pt x="28755" y="11278"/>
-                    </a:moveTo>
-                    <a:lnTo>
-                      <a:pt x="1" y="1"/>
-                    </a:lnTo>
-                  </a:path>
-                </a:pathLst>
-              </a:custGeom>
-              <a:noFill/>
-              <a:ln w="19000" cap="flat" cmpd="sng">
-                <a:solidFill>
-                  <a:schemeClr val="dk2"/>
-                </a:solidFill>
-                <a:prstDash val="solid"/>
-                <a:miter lim="30395"/>
-                <a:headEnd type="none" w="sm" len="sm"/>
-                <a:tailEnd type="none" w="sm" len="sm"/>
-              </a:ln>
-            </p:spPr>
-            <p:txBody>
-              <a:bodyPr spcFirstLastPara="1" wrap="square" lIns="91425" tIns="91425" rIns="91425" bIns="91425" anchor="ctr" anchorCtr="0">
-                <a:noAutofit/>
-              </a:bodyPr>
-              <a:lstStyle/>
-              <a:p>
-                <a:pPr marL="0" lvl="0" indent="0" algn="l" rtl="0">
-                  <a:spcBef>
-                    <a:spcPts val="0"/>
-                  </a:spcBef>
-                  <a:spcAft>
-                    <a:spcPts val="0"/>
-                  </a:spcAft>
-                  <a:buNone/>
-                </a:pPr>
-                <a:endParaRPr/>
-              </a:p>
-            </p:txBody>
-          </p:sp>
-          <p:sp>
-            <p:nvSpPr>
-              <p:cNvPr id="1140" name="Google Shape;1140;p48"/>
-              <p:cNvSpPr/>
-              <p:nvPr/>
-            </p:nvSpPr>
-            <p:spPr>
-              <a:xfrm>
-                <a:off x="5351425" y="1478746"/>
-                <a:ext cx="309300" cy="707475"/>
-              </a:xfrm>
-              <a:custGeom>
-                <a:avLst/>
-                <a:gdLst/>
-                <a:ahLst/>
-                <a:cxnLst/>
-                <a:rect l="l" t="t" r="r" b="b"/>
-                <a:pathLst>
-                  <a:path w="12372" h="28299" fill="none" extrusionOk="0">
-                    <a:moveTo>
-                      <a:pt x="12372" y="28298"/>
-                    </a:moveTo>
-                    <a:lnTo>
-                      <a:pt x="1" y="0"/>
-                    </a:lnTo>
-                  </a:path>
-                </a:pathLst>
-              </a:custGeom>
-              <a:noFill/>
-              <a:ln w="19000" cap="flat" cmpd="sng">
-                <a:solidFill>
-                  <a:schemeClr val="dk2"/>
-                </a:solidFill>
-                <a:prstDash val="solid"/>
-                <a:miter lim="30395"/>
-                <a:headEnd type="none" w="sm" len="sm"/>
-                <a:tailEnd type="none" w="sm" len="sm"/>
-              </a:ln>
-            </p:spPr>
-            <p:txBody>
-              <a:bodyPr spcFirstLastPara="1" wrap="square" lIns="91425" tIns="91425" rIns="91425" bIns="91425" anchor="ctr" anchorCtr="0">
-                <a:noAutofit/>
-              </a:bodyPr>
-              <a:lstStyle/>
-              <a:p>
-                <a:pPr marL="0" lvl="0" indent="0" algn="l" rtl="0">
-                  <a:spcBef>
-                    <a:spcPts val="0"/>
-                  </a:spcBef>
-                  <a:spcAft>
-                    <a:spcPts val="0"/>
-                  </a:spcAft>
-                  <a:buNone/>
-                </a:pPr>
-                <a:endParaRPr/>
-              </a:p>
-            </p:txBody>
-          </p:sp>
-        </p:grpSp>
-      </p:grpSp>
     </p:spTree>
   </p:cSld>
   <p:clrMapOvr>
@@ -51194,34 +50185,9 @@
               <a:buNone/>
             </a:pPr>
             <a:r>
-              <a:rPr lang="it-IT" dirty="0"/>
-              <a:t>The dataset </a:t>
+              <a:rPr lang="en-US" dirty="0"/>
+              <a:t>The dataset used for the project is the «IMDB Reviews» dataset(Kaggle link)</a:t>
             </a:r>
-            <a:r>
-              <a:rPr lang="it-IT" dirty="0" err="1"/>
-              <a:t>used</a:t>
-            </a:r>
-            <a:r>
-              <a:rPr lang="it-IT" dirty="0"/>
-              <a:t> for the project </a:t>
-            </a:r>
-            <a:r>
-              <a:rPr lang="it-IT" dirty="0" err="1"/>
-              <a:t>is</a:t>
-            </a:r>
-            <a:r>
-              <a:rPr lang="it-IT" dirty="0"/>
-              <a:t> the «IMDB Reviews» dataset(</a:t>
-            </a:r>
-            <a:r>
-              <a:rPr lang="it-IT" dirty="0" err="1"/>
-              <a:t>Kaggle</a:t>
-            </a:r>
-            <a:r>
-              <a:rPr lang="it-IT" dirty="0"/>
-              <a:t> link)</a:t>
-            </a:r>
-            <a:endParaRPr dirty="0"/>
           </a:p>
         </p:txBody>
       </p:sp>
@@ -52363,8 +51329,8 @@
         </p:nvSpPr>
         <p:spPr>
           <a:xfrm>
-            <a:off x="4715875" y="2637600"/>
-            <a:ext cx="3436500" cy="1533900"/>
+            <a:off x="4715874" y="2637600"/>
+            <a:ext cx="4209455" cy="1533900"/>
           </a:xfrm>
           <a:prstGeom prst="rect">
             <a:avLst/>
@@ -52386,10 +51352,24 @@
               <a:buNone/>
             </a:pPr>
             <a:r>
-              <a:rPr lang="it-IT" dirty="0"/>
-              <a:t>TODO</a:t>
+              <a:rPr lang="en-US" dirty="0"/>
+              <a:t>During this phase we observed that the dataset is composed by 50000 reviews, half positive and half negative.</a:t>
             </a:r>
-            <a:endParaRPr dirty="0"/>
+          </a:p>
+          <a:p>
+            <a:pPr marL="0" lvl="0" indent="0" algn="l" rtl="0">
+              <a:spcBef>
+                <a:spcPts val="0"/>
+              </a:spcBef>
+              <a:spcAft>
+                <a:spcPts val="0"/>
+              </a:spcAft>
+              <a:buNone/>
+            </a:pPr>
+            <a:r>
+              <a:rPr lang="en-US" dirty="0"/>
+              <a:t>The dataset is composed by training and test dataset, both with 25000 reviews</a:t>
+            </a:r>
           </a:p>
         </p:txBody>
       </p:sp>
